--- a/global_app_V2/www/CaPO4_intro.pptx
+++ b/global_app_V2/www/CaPO4_intro.pptx
@@ -5,10 +5,13 @@
     <p:sldMasterId id="2147483660" r:id="rId1"/>
   </p:sldMasterIdLst>
   <p:notesMasterIdLst>
-    <p:notesMasterId r:id="rId3"/>
+    <p:notesMasterId r:id="rId6"/>
   </p:notesMasterIdLst>
   <p:sldIdLst>
     <p:sldId id="256" r:id="rId2"/>
+    <p:sldId id="259" r:id="rId3"/>
+    <p:sldId id="257" r:id="rId4"/>
+    <p:sldId id="258" r:id="rId5"/>
   </p:sldIdLst>
   <p:sldSz cx="6858000" cy="12192000"/>
   <p:notesSz cx="6858000" cy="9144000"/>
@@ -197,7 +200,7 @@
           <a:p>
             <a:fld id="{A97C18FE-8C74-1545-B046-476454AE8086}" type="datetimeFigureOut">
               <a:rPr lang="fr-FR" smtClean="0"/>
-              <a:t>20/11/2017</a:t>
+              <a:t>21/11/2017</a:t>
             </a:fld>
             <a:endParaRPr lang="fr-FR"/>
           </a:p>
@@ -549,6 +552,174 @@
 </p:notes>
 </file>
 
+<file path=ppt/notesSlides/notesSlide2.xml><?xml version="1.0" encoding="utf-8"?>
+<p:notes xmlns:a="http://schemas.openxmlformats.org/drawingml/2006/main" xmlns:r="http://schemas.openxmlformats.org/officeDocument/2006/relationships" xmlns:p="http://schemas.openxmlformats.org/presentationml/2006/main">
+  <p:cSld>
+    <p:spTree>
+      <p:nvGrpSpPr>
+        <p:cNvPr id="1" name=""/>
+        <p:cNvGrpSpPr/>
+        <p:nvPr/>
+      </p:nvGrpSpPr>
+      <p:grpSpPr>
+        <a:xfrm>
+          <a:off x="0" y="0"/>
+          <a:ext cx="0" cy="0"/>
+          <a:chOff x="0" y="0"/>
+          <a:chExt cx="0" cy="0"/>
+        </a:xfrm>
+      </p:grpSpPr>
+      <p:sp>
+        <p:nvSpPr>
+          <p:cNvPr id="2" name="Espace réservé de l’image des diapositives 1"/>
+          <p:cNvSpPr>
+            <a:spLocks noGrp="1" noRot="1" noChangeAspect="1"/>
+          </p:cNvSpPr>
+          <p:nvPr>
+            <p:ph type="sldImg"/>
+          </p:nvPr>
+        </p:nvSpPr>
+        <p:spPr/>
+      </p:sp>
+      <p:sp>
+        <p:nvSpPr>
+          <p:cNvPr id="3" name="Espace réservé des commentaires 2"/>
+          <p:cNvSpPr>
+            <a:spLocks noGrp="1"/>
+          </p:cNvSpPr>
+          <p:nvPr>
+            <p:ph type="body" idx="1"/>
+          </p:nvPr>
+        </p:nvSpPr>
+        <p:spPr/>
+        <p:txBody>
+          <a:bodyPr/>
+          <a:lstStyle/>
+          <a:p>
+            <a:endParaRPr lang="fr-FR" dirty="0"/>
+          </a:p>
+        </p:txBody>
+      </p:sp>
+      <p:sp>
+        <p:nvSpPr>
+          <p:cNvPr id="4" name="Espace réservé du numéro de diapositive 3"/>
+          <p:cNvSpPr>
+            <a:spLocks noGrp="1"/>
+          </p:cNvSpPr>
+          <p:nvPr>
+            <p:ph type="sldNum" sz="quarter" idx="10"/>
+          </p:nvPr>
+        </p:nvSpPr>
+        <p:spPr/>
+        <p:txBody>
+          <a:bodyPr/>
+          <a:lstStyle/>
+          <a:p>
+            <a:fld id="{E2A56358-923E-C645-8371-2780D48C368F}" type="slidenum">
+              <a:rPr lang="fr-FR" smtClean="0"/>
+              <a:t>3</a:t>
+            </a:fld>
+            <a:endParaRPr lang="fr-FR"/>
+          </a:p>
+        </p:txBody>
+      </p:sp>
+    </p:spTree>
+    <p:extLst>
+      <p:ext uri="{BB962C8B-B14F-4D97-AF65-F5344CB8AC3E}">
+        <p14:creationId xmlns:p14="http://schemas.microsoft.com/office/powerpoint/2010/main" val="197270869"/>
+      </p:ext>
+    </p:extLst>
+  </p:cSld>
+  <p:clrMapOvr>
+    <a:masterClrMapping/>
+  </p:clrMapOvr>
+</p:notes>
+</file>
+
+<file path=ppt/notesSlides/notesSlide3.xml><?xml version="1.0" encoding="utf-8"?>
+<p:notes xmlns:a="http://schemas.openxmlformats.org/drawingml/2006/main" xmlns:r="http://schemas.openxmlformats.org/officeDocument/2006/relationships" xmlns:p="http://schemas.openxmlformats.org/presentationml/2006/main">
+  <p:cSld>
+    <p:spTree>
+      <p:nvGrpSpPr>
+        <p:cNvPr id="1" name=""/>
+        <p:cNvGrpSpPr/>
+        <p:nvPr/>
+      </p:nvGrpSpPr>
+      <p:grpSpPr>
+        <a:xfrm>
+          <a:off x="0" y="0"/>
+          <a:ext cx="0" cy="0"/>
+          <a:chOff x="0" y="0"/>
+          <a:chExt cx="0" cy="0"/>
+        </a:xfrm>
+      </p:grpSpPr>
+      <p:sp>
+        <p:nvSpPr>
+          <p:cNvPr id="2" name="Espace réservé de l’image des diapositives 1"/>
+          <p:cNvSpPr>
+            <a:spLocks noGrp="1" noRot="1" noChangeAspect="1"/>
+          </p:cNvSpPr>
+          <p:nvPr>
+            <p:ph type="sldImg"/>
+          </p:nvPr>
+        </p:nvSpPr>
+        <p:spPr/>
+      </p:sp>
+      <p:sp>
+        <p:nvSpPr>
+          <p:cNvPr id="3" name="Espace réservé des commentaires 2"/>
+          <p:cNvSpPr>
+            <a:spLocks noGrp="1"/>
+          </p:cNvSpPr>
+          <p:nvPr>
+            <p:ph type="body" idx="1"/>
+          </p:nvPr>
+        </p:nvSpPr>
+        <p:spPr/>
+        <p:txBody>
+          <a:bodyPr/>
+          <a:lstStyle/>
+          <a:p>
+            <a:endParaRPr lang="fr-FR" dirty="0"/>
+          </a:p>
+        </p:txBody>
+      </p:sp>
+      <p:sp>
+        <p:nvSpPr>
+          <p:cNvPr id="4" name="Espace réservé du numéro de diapositive 3"/>
+          <p:cNvSpPr>
+            <a:spLocks noGrp="1"/>
+          </p:cNvSpPr>
+          <p:nvPr>
+            <p:ph type="sldNum" sz="quarter" idx="10"/>
+          </p:nvPr>
+        </p:nvSpPr>
+        <p:spPr/>
+        <p:txBody>
+          <a:bodyPr/>
+          <a:lstStyle/>
+          <a:p>
+            <a:fld id="{E2A56358-923E-C645-8371-2780D48C368F}" type="slidenum">
+              <a:rPr lang="fr-FR" smtClean="0"/>
+              <a:t>4</a:t>
+            </a:fld>
+            <a:endParaRPr lang="fr-FR"/>
+          </a:p>
+        </p:txBody>
+      </p:sp>
+    </p:spTree>
+    <p:extLst>
+      <p:ext uri="{BB962C8B-B14F-4D97-AF65-F5344CB8AC3E}">
+        <p14:creationId xmlns:p14="http://schemas.microsoft.com/office/powerpoint/2010/main" val="1660735650"/>
+      </p:ext>
+    </p:extLst>
+  </p:cSld>
+  <p:clrMapOvr>
+    <a:masterClrMapping/>
+  </p:clrMapOvr>
+</p:notes>
+</file>
+
 <file path=ppt/slideLayouts/slideLayout1.xml><?xml version="1.0" encoding="utf-8"?>
 <p:sldLayout xmlns:a="http://schemas.openxmlformats.org/drawingml/2006/main" xmlns:r="http://schemas.openxmlformats.org/officeDocument/2006/relationships" xmlns:p="http://schemas.openxmlformats.org/presentationml/2006/main" type="title" preserve="1">
   <p:cSld name="Diapositive de titre">
@@ -680,7 +851,7 @@
           <a:p>
             <a:fld id="{91BB5F6C-ACAD-ED4F-A35E-5228D45F63DD}" type="datetimeFigureOut">
               <a:rPr lang="fr-FR" smtClean="0"/>
-              <a:t>20/11/2017</a:t>
+              <a:t>21/11/2017</a:t>
             </a:fld>
             <a:endParaRPr lang="fr-FR"/>
           </a:p>
@@ -845,7 +1016,7 @@
           <a:p>
             <a:fld id="{91BB5F6C-ACAD-ED4F-A35E-5228D45F63DD}" type="datetimeFigureOut">
               <a:rPr lang="fr-FR" smtClean="0"/>
-              <a:t>20/11/2017</a:t>
+              <a:t>21/11/2017</a:t>
             </a:fld>
             <a:endParaRPr lang="fr-FR"/>
           </a:p>
@@ -1020,7 +1191,7 @@
           <a:p>
             <a:fld id="{91BB5F6C-ACAD-ED4F-A35E-5228D45F63DD}" type="datetimeFigureOut">
               <a:rPr lang="fr-FR" smtClean="0"/>
-              <a:t>20/11/2017</a:t>
+              <a:t>21/11/2017</a:t>
             </a:fld>
             <a:endParaRPr lang="fr-FR"/>
           </a:p>
@@ -1185,7 +1356,7 @@
           <a:p>
             <a:fld id="{91BB5F6C-ACAD-ED4F-A35E-5228D45F63DD}" type="datetimeFigureOut">
               <a:rPr lang="fr-FR" smtClean="0"/>
-              <a:t>20/11/2017</a:t>
+              <a:t>21/11/2017</a:t>
             </a:fld>
             <a:endParaRPr lang="fr-FR"/>
           </a:p>
@@ -1424,7 +1595,7 @@
           <a:p>
             <a:fld id="{91BB5F6C-ACAD-ED4F-A35E-5228D45F63DD}" type="datetimeFigureOut">
               <a:rPr lang="fr-FR" smtClean="0"/>
-              <a:t>20/11/2017</a:t>
+              <a:t>21/11/2017</a:t>
             </a:fld>
             <a:endParaRPr lang="fr-FR"/>
           </a:p>
@@ -1651,7 +1822,7 @@
           <a:p>
             <a:fld id="{91BB5F6C-ACAD-ED4F-A35E-5228D45F63DD}" type="datetimeFigureOut">
               <a:rPr lang="fr-FR" smtClean="0"/>
-              <a:t>20/11/2017</a:t>
+              <a:t>21/11/2017</a:t>
             </a:fld>
             <a:endParaRPr lang="fr-FR"/>
           </a:p>
@@ -2013,7 +2184,7 @@
           <a:p>
             <a:fld id="{91BB5F6C-ACAD-ED4F-A35E-5228D45F63DD}" type="datetimeFigureOut">
               <a:rPr lang="fr-FR" smtClean="0"/>
-              <a:t>20/11/2017</a:t>
+              <a:t>21/11/2017</a:t>
             </a:fld>
             <a:endParaRPr lang="fr-FR"/>
           </a:p>
@@ -2126,7 +2297,7 @@
           <a:p>
             <a:fld id="{91BB5F6C-ACAD-ED4F-A35E-5228D45F63DD}" type="datetimeFigureOut">
               <a:rPr lang="fr-FR" smtClean="0"/>
-              <a:t>20/11/2017</a:t>
+              <a:t>21/11/2017</a:t>
             </a:fld>
             <a:endParaRPr lang="fr-FR"/>
           </a:p>
@@ -2216,7 +2387,7 @@
           <a:p>
             <a:fld id="{91BB5F6C-ACAD-ED4F-A35E-5228D45F63DD}" type="datetimeFigureOut">
               <a:rPr lang="fr-FR" smtClean="0"/>
-              <a:t>20/11/2017</a:t>
+              <a:t>21/11/2017</a:t>
             </a:fld>
             <a:endParaRPr lang="fr-FR"/>
           </a:p>
@@ -2488,7 +2659,7 @@
           <a:p>
             <a:fld id="{91BB5F6C-ACAD-ED4F-A35E-5228D45F63DD}" type="datetimeFigureOut">
               <a:rPr lang="fr-FR" smtClean="0"/>
-              <a:t>20/11/2017</a:t>
+              <a:t>21/11/2017</a:t>
             </a:fld>
             <a:endParaRPr lang="fr-FR"/>
           </a:p>
@@ -2740,7 +2911,7 @@
           <a:p>
             <a:fld id="{91BB5F6C-ACAD-ED4F-A35E-5228D45F63DD}" type="datetimeFigureOut">
               <a:rPr lang="fr-FR" smtClean="0"/>
-              <a:t>20/11/2017</a:t>
+              <a:t>21/11/2017</a:t>
             </a:fld>
             <a:endParaRPr lang="fr-FR"/>
           </a:p>
@@ -2948,7 +3119,7 @@
           <a:p>
             <a:fld id="{91BB5F6C-ACAD-ED4F-A35E-5228D45F63DD}" type="datetimeFigureOut">
               <a:rPr lang="fr-FR" smtClean="0"/>
-              <a:t>20/11/2017</a:t>
+              <a:t>21/11/2017</a:t>
             </a:fld>
             <a:endParaRPr lang="fr-FR"/>
           </a:p>
@@ -3511,7 +3682,7 @@
           </p:cNvPicPr>
           <p:nvPr/>
         </p:nvPicPr>
-        <p:blipFill>
+        <p:blipFill rotWithShape="1">
           <a:blip r:embed="rId8">
             <a:extLst>
               <a:ext uri="{28A0092B-C50C-407E-A947-70E740481C1C}">
@@ -3519,14 +3690,13 @@
               </a:ext>
             </a:extLst>
           </a:blip>
-          <a:stretch>
-            <a:fillRect/>
-          </a:stretch>
+          <a:srcRect l="11560" t="49497" r="11692" b="9571"/>
+          <a:stretch/>
         </p:blipFill>
         <p:spPr>
           <a:xfrm>
-            <a:off x="-31657" y="0"/>
-            <a:ext cx="6889657" cy="12433189"/>
+            <a:off x="0" y="4274378"/>
+            <a:ext cx="6858000" cy="7917621"/>
           </a:xfrm>
           <a:prstGeom prst="rect">
             <a:avLst/>
@@ -3555,7 +3725,7 @@
         </p:blipFill>
         <p:spPr>
           <a:xfrm>
-            <a:off x="2268688" y="9733169"/>
+            <a:off x="2865429" y="9966079"/>
             <a:ext cx="1143000" cy="1143000"/>
           </a:xfrm>
           <a:prstGeom prst="rect">
@@ -3585,7 +3755,7 @@
         </p:blipFill>
         <p:spPr>
           <a:xfrm>
-            <a:off x="3371309" y="9280937"/>
+            <a:off x="2880670" y="9697567"/>
             <a:ext cx="1143000" cy="1422400"/>
           </a:xfrm>
           <a:prstGeom prst="rect">
@@ -3615,7 +3785,7 @@
         </p:blipFill>
         <p:spPr>
           <a:xfrm>
-            <a:off x="3935894" y="7040077"/>
+            <a:off x="4020002" y="6460911"/>
             <a:ext cx="1143000" cy="1320800"/>
           </a:xfrm>
           <a:prstGeom prst="rect">
@@ -3645,8 +3815,8 @@
         </p:blipFill>
         <p:spPr>
           <a:xfrm>
-            <a:off x="2937967" y="5420686"/>
-            <a:ext cx="1004842" cy="1833008"/>
+            <a:off x="2915835" y="4634606"/>
+            <a:ext cx="1152738" cy="2102796"/>
           </a:xfrm>
           <a:prstGeom prst="rect">
             <a:avLst/>
@@ -3675,8 +3845,8 @@
         </p:blipFill>
         <p:spPr>
           <a:xfrm>
-            <a:off x="2089617" y="8016790"/>
-            <a:ext cx="1325811" cy="1266623"/>
+            <a:off x="2045848" y="8157305"/>
+            <a:ext cx="1612237" cy="1540262"/>
           </a:xfrm>
           <a:prstGeom prst="rect">
             <a:avLst/>
@@ -3705,7 +3875,7 @@
         </p:blipFill>
         <p:spPr>
           <a:xfrm>
-            <a:off x="5056215" y="8918911"/>
+            <a:off x="805942" y="10422815"/>
             <a:ext cx="1397000" cy="1244600"/>
           </a:xfrm>
           <a:prstGeom prst="rect">
@@ -3745,7 +3915,7 @@
       </p:pic>
       <p:pic>
         <p:nvPicPr>
-          <p:cNvPr id="28" name="Image 27"/>
+          <p:cNvPr id="29" name="Image 28"/>
           <p:cNvPicPr>
             <a:picLocks noChangeAspect="1"/>
           </p:cNvPicPr>
@@ -3753,36 +3923,6 @@
         </p:nvPicPr>
         <p:blipFill>
           <a:blip r:embed="rId16">
-            <a:extLst>
-              <a:ext uri="{28A0092B-C50C-407E-A947-70E740481C1C}">
-                <a14:useLocalDpi xmlns:a14="http://schemas.microsoft.com/office/drawing/2010/main" val="0"/>
-              </a:ext>
-            </a:extLst>
-          </a:blip>
-          <a:stretch>
-            <a:fillRect/>
-          </a:stretch>
-        </p:blipFill>
-        <p:spPr>
-          <a:xfrm>
-            <a:off x="2704032" y="903935"/>
-            <a:ext cx="1155700" cy="1270000"/>
-          </a:xfrm>
-          <a:prstGeom prst="rect">
-            <a:avLst/>
-          </a:prstGeom>
-        </p:spPr>
-      </p:pic>
-      <p:pic>
-        <p:nvPicPr>
-          <p:cNvPr id="29" name="Image 28"/>
-          <p:cNvPicPr>
-            <a:picLocks noChangeAspect="1"/>
-          </p:cNvPicPr>
-          <p:nvPr/>
-        </p:nvPicPr>
-        <p:blipFill>
-          <a:blip r:embed="rId17">
             <a:extLst>
               <a:ext uri="{28A0092B-C50C-407E-A947-70E740481C1C}">
                 <a14:useLocalDpi xmlns:a14="http://schemas.microsoft.com/office/drawing/2010/main" val="0"/>
@@ -3805,60 +3945,19 @@
       </p:pic>
       <p:cxnSp>
         <p:nvCxnSpPr>
-          <p:cNvPr id="66" name="Connecteur en arc 65"/>
-          <p:cNvCxnSpPr>
-            <a:stCxn id="24" idx="1"/>
-            <a:endCxn id="21" idx="1"/>
-          </p:cNvCxnSpPr>
-          <p:nvPr/>
-        </p:nvCxnSpPr>
-        <p:spPr>
-          <a:xfrm rot="10800000" flipV="1">
-            <a:off x="2268689" y="6337189"/>
-            <a:ext cx="669279" cy="3967479"/>
-          </a:xfrm>
-          <a:prstGeom prst="curvedConnector3">
-            <a:avLst>
-              <a:gd name="adj1" fmla="val 134156"/>
-            </a:avLst>
-          </a:prstGeom>
-          <a:ln w="127000">
-            <a:solidFill>
-              <a:schemeClr val="tx1"/>
-            </a:solidFill>
-            <a:tailEnd type="triangle"/>
-          </a:ln>
-        </p:spPr>
-        <p:style>
-          <a:lnRef idx="1">
-            <a:schemeClr val="accent1"/>
-          </a:lnRef>
-          <a:fillRef idx="0">
-            <a:schemeClr val="accent1"/>
-          </a:fillRef>
-          <a:effectRef idx="0">
-            <a:schemeClr val="accent1"/>
-          </a:effectRef>
-          <a:fontRef idx="minor">
-            <a:schemeClr val="tx1"/>
-          </a:fontRef>
-        </p:style>
-      </p:cxnSp>
-      <p:cxnSp>
-        <p:nvCxnSpPr>
           <p:cNvPr id="70" name="Connecteur droit avec flèche 69"/>
           <p:cNvCxnSpPr/>
           <p:nvPr/>
         </p:nvCxnSpPr>
         <p:spPr>
           <a:xfrm flipH="1">
-            <a:off x="3119081" y="7244718"/>
-            <a:ext cx="91276" cy="745715"/>
+            <a:off x="3410239" y="6737402"/>
+            <a:ext cx="41932" cy="3228677"/>
           </a:xfrm>
           <a:prstGeom prst="straightConnector1">
             <a:avLst/>
           </a:prstGeom>
-          <a:ln w="127000">
+          <a:ln w="76200">
             <a:solidFill>
               <a:schemeClr val="tx1"/>
             </a:solidFill>
@@ -3889,7 +3988,7 @@
           <p:nvPr/>
         </p:nvPicPr>
         <p:blipFill>
-          <a:blip r:embed="rId18">
+          <a:blip r:embed="rId17">
             <a:extLst>
               <a:ext uri="{28A0092B-C50C-407E-A947-70E740481C1C}">
                 <a14:useLocalDpi xmlns:a14="http://schemas.microsoft.com/office/drawing/2010/main" val="0"/>
@@ -3902,7 +4001,7 @@
         </p:blipFill>
         <p:spPr>
           <a:xfrm>
-            <a:off x="2909787" y="6575020"/>
+            <a:off x="8218987" y="5797550"/>
             <a:ext cx="626465" cy="530086"/>
           </a:xfrm>
           <a:prstGeom prst="rect">
@@ -3918,13 +4017,13 @@
         </p:nvCxnSpPr>
         <p:spPr>
           <a:xfrm flipH="1">
-            <a:off x="3286484" y="7806088"/>
-            <a:ext cx="737985" cy="265307"/>
+            <a:off x="1594902" y="9397115"/>
+            <a:ext cx="668797" cy="963209"/>
           </a:xfrm>
           <a:prstGeom prst="straightConnector1">
             <a:avLst/>
           </a:prstGeom>
-          <a:ln w="127000">
+          <a:ln w="76200">
             <a:solidFill>
               <a:schemeClr val="tx1"/>
             </a:solidFill>
@@ -3954,13 +4053,13 @@
         </p:nvCxnSpPr>
         <p:spPr>
           <a:xfrm flipH="1">
-            <a:off x="4136024" y="8360877"/>
-            <a:ext cx="204571" cy="1087923"/>
+            <a:off x="3708491" y="7742088"/>
+            <a:ext cx="743304" cy="2717759"/>
           </a:xfrm>
           <a:prstGeom prst="straightConnector1">
             <a:avLst/>
           </a:prstGeom>
-          <a:ln w="127000">
+          <a:ln w="76200">
             <a:solidFill>
               <a:schemeClr val="tx1"/>
             </a:solidFill>
@@ -3990,7 +4089,7 @@
         </p:nvSpPr>
         <p:spPr>
           <a:xfrm>
-            <a:off x="2404302" y="7293415"/>
+            <a:off x="2678329" y="7700799"/>
             <a:ext cx="956135" cy="369332"/>
           </a:xfrm>
           <a:prstGeom prst="rect">
@@ -4021,7 +4120,7 @@
           <p:nvPr/>
         </p:nvPicPr>
         <p:blipFill>
-          <a:blip r:embed="rId18">
+          <a:blip r:embed="rId17">
             <a:extLst>
               <a:ext uri="{28A0092B-C50C-407E-A947-70E740481C1C}">
                 <a14:useLocalDpi xmlns:a14="http://schemas.microsoft.com/office/drawing/2010/main" val="0"/>
@@ -4034,7 +4133,7 @@
         </p:blipFill>
         <p:spPr>
           <a:xfrm>
-            <a:off x="2810465" y="8073172"/>
+            <a:off x="7903857" y="8722411"/>
             <a:ext cx="626465" cy="530086"/>
           </a:xfrm>
           <a:prstGeom prst="rect">
@@ -4044,14 +4143,14 @@
       </p:pic>
       <p:sp>
         <p:nvSpPr>
-          <p:cNvPr id="54" name="ZoneTexte 53"/>
+          <p:cNvPr id="55" name="ZoneTexte 54"/>
           <p:cNvSpPr txBox="1"/>
           <p:nvPr/>
         </p:nvSpPr>
         <p:spPr>
           <a:xfrm>
-            <a:off x="1463213" y="7669008"/>
-            <a:ext cx="956135" cy="369332"/>
+            <a:off x="2785382" y="7164668"/>
+            <a:ext cx="651547" cy="369332"/>
           </a:xfrm>
           <a:prstGeom prst="rect">
             <a:avLst/>
@@ -4066,36 +4165,6 @@
           <a:p>
             <a:r>
               <a:rPr lang="fr-FR" dirty="0" smtClean="0"/>
-              <a:t>50%</a:t>
-            </a:r>
-            <a:endParaRPr lang="fr-FR" dirty="0"/>
-          </a:p>
-        </p:txBody>
-      </p:sp>
-      <p:sp>
-        <p:nvSpPr>
-          <p:cNvPr id="55" name="ZoneTexte 54"/>
-          <p:cNvSpPr txBox="1"/>
-          <p:nvPr/>
-        </p:nvSpPr>
-        <p:spPr>
-          <a:xfrm>
-            <a:off x="3440388" y="7355062"/>
-            <a:ext cx="651547" cy="369332"/>
-          </a:xfrm>
-          <a:prstGeom prst="rect">
-            <a:avLst/>
-          </a:prstGeom>
-          <a:noFill/>
-        </p:spPr>
-        <p:txBody>
-          <a:bodyPr wrap="square" rtlCol="0">
-            <a:spAutoFit/>
-          </a:bodyPr>
-          <a:lstStyle/>
-          <a:p>
-            <a:r>
-              <a:rPr lang="fr-FR" smtClean="0"/>
               <a:t>98%</a:t>
             </a:r>
             <a:endParaRPr lang="fr-FR" dirty="0"/>
@@ -4125,10 +4194,10 @@
           <a:lstStyle/>
           <a:p>
             <a:r>
-              <a:rPr lang="fr-FR" smtClean="0"/>
+              <a:rPr lang="fr-FR" dirty="0" smtClean="0"/>
               <a:t>2%</a:t>
             </a:r>
-            <a:endParaRPr lang="fr-FR"/>
+            <a:endParaRPr lang="fr-FR" dirty="0"/>
           </a:p>
         </p:txBody>
       </p:sp>
@@ -4140,13 +4209,326 @@
         </p:nvCxnSpPr>
         <p:spPr>
           <a:xfrm flipV="1">
-            <a:off x="3370352" y="8224306"/>
-            <a:ext cx="850668" cy="275195"/>
+            <a:off x="2119660" y="9646477"/>
+            <a:ext cx="609221" cy="891103"/>
           </a:xfrm>
           <a:prstGeom prst="straightConnector1">
             <a:avLst/>
           </a:prstGeom>
-          <a:ln w="127000">
+          <a:ln w="76200">
+            <a:solidFill>
+              <a:schemeClr val="tx1"/>
+            </a:solidFill>
+            <a:tailEnd type="triangle"/>
+          </a:ln>
+        </p:spPr>
+        <p:style>
+          <a:lnRef idx="1">
+            <a:schemeClr val="accent1"/>
+          </a:lnRef>
+          <a:fillRef idx="0">
+            <a:schemeClr val="accent1"/>
+          </a:fillRef>
+          <a:effectRef idx="0">
+            <a:schemeClr val="accent1"/>
+          </a:effectRef>
+          <a:fontRef idx="minor">
+            <a:schemeClr val="tx1"/>
+          </a:fontRef>
+        </p:style>
+      </p:cxnSp>
+      <p:pic>
+        <p:nvPicPr>
+          <p:cNvPr id="79" name="Image 78"/>
+          <p:cNvPicPr>
+            <a:picLocks noChangeAspect="1"/>
+          </p:cNvPicPr>
+          <p:nvPr/>
+        </p:nvPicPr>
+        <p:blipFill>
+          <a:blip r:embed="rId17">
+            <a:extLst>
+              <a:ext uri="{28A0092B-C50C-407E-A947-70E740481C1C}">
+                <a14:useLocalDpi xmlns:a14="http://schemas.microsoft.com/office/drawing/2010/main" val="0"/>
+              </a:ext>
+            </a:extLst>
+          </a:blip>
+          <a:stretch>
+            <a:fillRect/>
+          </a:stretch>
+        </p:blipFill>
+        <p:spPr>
+          <a:xfrm>
+            <a:off x="7905755" y="4684429"/>
+            <a:ext cx="626465" cy="530086"/>
+          </a:xfrm>
+          <a:prstGeom prst="rect">
+            <a:avLst/>
+          </a:prstGeom>
+        </p:spPr>
+      </p:pic>
+      <p:pic>
+        <p:nvPicPr>
+          <p:cNvPr id="81" name="Image 80"/>
+          <p:cNvPicPr>
+            <a:picLocks noChangeAspect="1"/>
+          </p:cNvPicPr>
+          <p:nvPr/>
+        </p:nvPicPr>
+        <p:blipFill>
+          <a:blip r:embed="rId17">
+            <a:extLst>
+              <a:ext uri="{28A0092B-C50C-407E-A947-70E740481C1C}">
+                <a14:useLocalDpi xmlns:a14="http://schemas.microsoft.com/office/drawing/2010/main" val="0"/>
+              </a:ext>
+            </a:extLst>
+          </a:blip>
+          <a:stretch>
+            <a:fillRect/>
+          </a:stretch>
+        </p:blipFill>
+        <p:spPr>
+          <a:xfrm>
+            <a:off x="8296792" y="6763329"/>
+            <a:ext cx="626465" cy="530086"/>
+          </a:xfrm>
+          <a:prstGeom prst="rect">
+            <a:avLst/>
+          </a:prstGeom>
+        </p:spPr>
+      </p:pic>
+      <p:pic>
+        <p:nvPicPr>
+          <p:cNvPr id="83" name="Image 82"/>
+          <p:cNvPicPr>
+            <a:picLocks noChangeAspect="1"/>
+          </p:cNvPicPr>
+          <p:nvPr/>
+        </p:nvPicPr>
+        <p:blipFill>
+          <a:blip r:embed="rId17">
+            <a:extLst>
+              <a:ext uri="{28A0092B-C50C-407E-A947-70E740481C1C}">
+                <a14:useLocalDpi xmlns:a14="http://schemas.microsoft.com/office/drawing/2010/main" val="0"/>
+              </a:ext>
+            </a:extLst>
+          </a:blip>
+          <a:stretch>
+            <a:fillRect/>
+          </a:stretch>
+        </p:blipFill>
+        <p:spPr>
+          <a:xfrm>
+            <a:off x="8532219" y="7662747"/>
+            <a:ext cx="626465" cy="530086"/>
+          </a:xfrm>
+          <a:prstGeom prst="rect">
+            <a:avLst/>
+          </a:prstGeom>
+        </p:spPr>
+      </p:pic>
+      <p:pic>
+        <p:nvPicPr>
+          <p:cNvPr id="38" name="Image 37"/>
+          <p:cNvPicPr>
+            <a:picLocks noChangeAspect="1"/>
+          </p:cNvPicPr>
+          <p:nvPr/>
+        </p:nvPicPr>
+        <p:blipFill rotWithShape="1">
+          <a:blip r:embed="rId8">
+            <a:extLst>
+              <a:ext uri="{28A0092B-C50C-407E-A947-70E740481C1C}">
+                <a14:useLocalDpi xmlns:a14="http://schemas.microsoft.com/office/drawing/2010/main" val="0"/>
+              </a:ext>
+            </a:extLst>
+          </a:blip>
+          <a:srcRect b="64875"/>
+          <a:stretch/>
+        </p:blipFill>
+        <p:spPr>
+          <a:xfrm>
+            <a:off x="674102" y="104693"/>
+            <a:ext cx="5532571" cy="3506928"/>
+          </a:xfrm>
+          <a:prstGeom prst="rect">
+            <a:avLst/>
+          </a:prstGeom>
+        </p:spPr>
+      </p:pic>
+      <p:pic>
+        <p:nvPicPr>
+          <p:cNvPr id="39" name="Image 38"/>
+          <p:cNvPicPr>
+            <a:picLocks noChangeAspect="1"/>
+          </p:cNvPicPr>
+          <p:nvPr/>
+        </p:nvPicPr>
+        <p:blipFill>
+          <a:blip r:embed="rId18">
+            <a:extLst>
+              <a:ext uri="{28A0092B-C50C-407E-A947-70E740481C1C}">
+                <a14:useLocalDpi xmlns:a14="http://schemas.microsoft.com/office/drawing/2010/main" val="0"/>
+              </a:ext>
+            </a:extLst>
+          </a:blip>
+          <a:stretch>
+            <a:fillRect/>
+          </a:stretch>
+        </p:blipFill>
+        <p:spPr>
+          <a:xfrm>
+            <a:off x="1281756" y="1223157"/>
+            <a:ext cx="1155700" cy="1270000"/>
+          </a:xfrm>
+          <a:prstGeom prst="rect">
+            <a:avLst/>
+          </a:prstGeom>
+        </p:spPr>
+      </p:pic>
+      <p:cxnSp>
+        <p:nvCxnSpPr>
+          <p:cNvPr id="40" name="Connecteur en arc 39"/>
+          <p:cNvCxnSpPr/>
+          <p:nvPr/>
+        </p:nvCxnSpPr>
+        <p:spPr>
+          <a:xfrm rot="16200000" flipH="1">
+            <a:off x="2220562" y="3471997"/>
+            <a:ext cx="2436194" cy="3457"/>
+          </a:xfrm>
+          <a:prstGeom prst="curvedConnector3">
+            <a:avLst>
+              <a:gd name="adj1" fmla="val 50000"/>
+            </a:avLst>
+          </a:prstGeom>
+          <a:ln w="76200">
+            <a:solidFill>
+              <a:schemeClr val="tx1"/>
+            </a:solidFill>
+            <a:tailEnd type="triangle"/>
+          </a:ln>
+        </p:spPr>
+        <p:style>
+          <a:lnRef idx="1">
+            <a:schemeClr val="accent1"/>
+          </a:lnRef>
+          <a:fillRef idx="0">
+            <a:schemeClr val="accent1"/>
+          </a:fillRef>
+          <a:effectRef idx="0">
+            <a:schemeClr val="accent1"/>
+          </a:effectRef>
+          <a:fontRef idx="minor">
+            <a:schemeClr val="tx1"/>
+          </a:fontRef>
+        </p:style>
+      </p:cxnSp>
+      <p:pic>
+        <p:nvPicPr>
+          <p:cNvPr id="41" name="Image 40"/>
+          <p:cNvPicPr>
+            <a:picLocks noChangeAspect="1"/>
+          </p:cNvPicPr>
+          <p:nvPr/>
+        </p:nvPicPr>
+        <p:blipFill>
+          <a:blip r:embed="rId17">
+            <a:extLst>
+              <a:ext uri="{28A0092B-C50C-407E-A947-70E740481C1C}">
+                <a14:useLocalDpi xmlns:a14="http://schemas.microsoft.com/office/drawing/2010/main" val="0"/>
+              </a:ext>
+            </a:extLst>
+          </a:blip>
+          <a:stretch>
+            <a:fillRect/>
+          </a:stretch>
+        </p:blipFill>
+        <p:spPr>
+          <a:xfrm>
+            <a:off x="8665271" y="3792415"/>
+            <a:ext cx="626465" cy="530086"/>
+          </a:xfrm>
+          <a:prstGeom prst="rect">
+            <a:avLst/>
+          </a:prstGeom>
+        </p:spPr>
+      </p:pic>
+      <p:pic>
+        <p:nvPicPr>
+          <p:cNvPr id="13" name="Image 12"/>
+          <p:cNvPicPr>
+            <a:picLocks noChangeAspect="1"/>
+          </p:cNvPicPr>
+          <p:nvPr/>
+        </p:nvPicPr>
+        <p:blipFill>
+          <a:blip r:embed="rId19">
+            <a:extLst>
+              <a:ext uri="{28A0092B-C50C-407E-A947-70E740481C1C}">
+                <a14:useLocalDpi xmlns:a14="http://schemas.microsoft.com/office/drawing/2010/main" val="0"/>
+              </a:ext>
+            </a:extLst>
+          </a:blip>
+          <a:stretch>
+            <a:fillRect/>
+          </a:stretch>
+        </p:blipFill>
+        <p:spPr>
+          <a:xfrm>
+            <a:off x="3173800" y="2119934"/>
+            <a:ext cx="534691" cy="456715"/>
+          </a:xfrm>
+          <a:prstGeom prst="rect">
+            <a:avLst/>
+          </a:prstGeom>
+        </p:spPr>
+      </p:pic>
+      <p:pic>
+        <p:nvPicPr>
+          <p:cNvPr id="15" name="Image 14"/>
+          <p:cNvPicPr>
+            <a:picLocks noChangeAspect="1"/>
+          </p:cNvPicPr>
+          <p:nvPr/>
+        </p:nvPicPr>
+        <p:blipFill>
+          <a:blip r:embed="rId20">
+            <a:extLst>
+              <a:ext uri="{28A0092B-C50C-407E-A947-70E740481C1C}">
+                <a14:useLocalDpi xmlns:a14="http://schemas.microsoft.com/office/drawing/2010/main" val="0"/>
+              </a:ext>
+            </a:extLst>
+          </a:blip>
+          <a:stretch>
+            <a:fillRect/>
+          </a:stretch>
+        </p:blipFill>
+        <p:spPr>
+          <a:xfrm>
+            <a:off x="7492196" y="2009167"/>
+            <a:ext cx="707937" cy="569269"/>
+          </a:xfrm>
+          <a:prstGeom prst="rect">
+            <a:avLst/>
+          </a:prstGeom>
+        </p:spPr>
+      </p:pic>
+      <p:cxnSp>
+        <p:nvCxnSpPr>
+          <p:cNvPr id="65" name="Connecteur droit avec flèche 64"/>
+          <p:cNvCxnSpPr/>
+          <p:nvPr/>
+        </p:nvCxnSpPr>
+        <p:spPr>
+          <a:xfrm flipH="1">
+            <a:off x="3152936" y="7200438"/>
+            <a:ext cx="668797" cy="963209"/>
+          </a:xfrm>
+          <a:prstGeom prst="straightConnector1">
+            <a:avLst/>
+          </a:prstGeom>
+          <a:ln w="76200">
             <a:solidFill>
               <a:schemeClr val="tx1"/>
             </a:solidFill>
@@ -4170,19 +4552,19 @@
       </p:cxnSp>
       <p:cxnSp>
         <p:nvCxnSpPr>
-          <p:cNvPr id="75" name="Connecteur en arc 74"/>
+          <p:cNvPr id="67" name="Connecteur droit avec flèche 66"/>
           <p:cNvCxnSpPr/>
           <p:nvPr/>
         </p:nvCxnSpPr>
         <p:spPr>
-          <a:xfrm rot="10800000" flipV="1">
-            <a:off x="3286486" y="1822393"/>
-            <a:ext cx="849538" cy="3684792"/>
+          <a:xfrm flipV="1">
+            <a:off x="3665970" y="7799195"/>
+            <a:ext cx="609221" cy="891103"/>
           </a:xfrm>
-          <a:prstGeom prst="curvedConnector2">
+          <a:prstGeom prst="straightConnector1">
             <a:avLst/>
           </a:prstGeom>
-          <a:ln w="127000">
+          <a:ln w="76200">
             <a:solidFill>
               <a:schemeClr val="tx1"/>
             </a:solidFill>
@@ -4204,16 +4586,84 @@
           </a:fontRef>
         </p:style>
       </p:cxnSp>
+      <p:sp>
+        <p:nvSpPr>
+          <p:cNvPr id="50" name="ZoneTexte 49"/>
+          <p:cNvSpPr txBox="1"/>
+          <p:nvPr/>
+        </p:nvSpPr>
+        <p:spPr>
+          <a:xfrm>
+            <a:off x="7597104" y="1426132"/>
+            <a:ext cx="933218" cy="369332"/>
+          </a:xfrm>
+          <a:prstGeom prst="rect">
+            <a:avLst/>
+          </a:prstGeom>
+          <a:noFill/>
+        </p:spPr>
+        <p:txBody>
+          <a:bodyPr wrap="square" rtlCol="0">
+            <a:spAutoFit/>
+          </a:bodyPr>
+          <a:lstStyle/>
+          <a:p>
+            <a:r>
+              <a:rPr lang="fr-FR" dirty="0" smtClean="0"/>
+              <a:t>PO</a:t>
+            </a:r>
+            <a:r>
+              <a:rPr lang="fr-FR" baseline="-25000" dirty="0" smtClean="0"/>
+              <a:t>4</a:t>
+            </a:r>
+            <a:endParaRPr lang="fr-FR" dirty="0"/>
+          </a:p>
+        </p:txBody>
+      </p:sp>
+      <p:sp>
+        <p:nvSpPr>
+          <p:cNvPr id="51" name="ZoneTexte 50"/>
+          <p:cNvSpPr txBox="1"/>
+          <p:nvPr/>
+        </p:nvSpPr>
+        <p:spPr>
+          <a:xfrm>
+            <a:off x="4032402" y="1824794"/>
+            <a:ext cx="1173614" cy="523220"/>
+          </a:xfrm>
+          <a:prstGeom prst="rect">
+            <a:avLst/>
+          </a:prstGeom>
+          <a:noFill/>
+        </p:spPr>
+        <p:txBody>
+          <a:bodyPr wrap="square" rtlCol="0">
+            <a:spAutoFit/>
+          </a:bodyPr>
+          <a:lstStyle/>
+          <a:p>
+            <a:r>
+              <a:rPr lang="fr-FR" sz="2800" b="1" dirty="0" smtClean="0"/>
+              <a:t>Ca</a:t>
+            </a:r>
+            <a:r>
+              <a:rPr lang="fr-FR" sz="2800" b="1" baseline="30000" dirty="0" smtClean="0"/>
+              <a:t>2+</a:t>
+            </a:r>
+            <a:endParaRPr lang="fr-FR" sz="2800" b="1" dirty="0"/>
+          </a:p>
+        </p:txBody>
+      </p:sp>
       <p:pic>
         <p:nvPicPr>
-          <p:cNvPr id="78" name="Image 77"/>
+          <p:cNvPr id="69" name="Image 68"/>
           <p:cNvPicPr>
             <a:picLocks noChangeAspect="1"/>
           </p:cNvPicPr>
           <p:nvPr/>
         </p:nvPicPr>
         <p:blipFill>
-          <a:blip r:embed="rId18">
+          <a:blip r:embed="rId19">
             <a:extLst>
               <a:ext uri="{28A0092B-C50C-407E-A947-70E740481C1C}">
                 <a14:useLocalDpi xmlns:a14="http://schemas.microsoft.com/office/drawing/2010/main" val="0"/>
@@ -4226,8 +4676,8 @@
         </p:blipFill>
         <p:spPr>
           <a:xfrm>
-            <a:off x="4136024" y="1557350"/>
-            <a:ext cx="626465" cy="530086"/>
+            <a:off x="3634464" y="1734704"/>
+            <a:ext cx="534691" cy="456715"/>
           </a:xfrm>
           <a:prstGeom prst="rect">
             <a:avLst/>
@@ -4236,14 +4686,14 @@
       </p:pic>
       <p:pic>
         <p:nvPicPr>
-          <p:cNvPr id="79" name="Image 78"/>
+          <p:cNvPr id="73" name="Image 72"/>
           <p:cNvPicPr>
             <a:picLocks noChangeAspect="1"/>
           </p:cNvPicPr>
           <p:nvPr/>
         </p:nvPicPr>
         <p:blipFill>
-          <a:blip r:embed="rId18">
+          <a:blip r:embed="rId19">
             <a:extLst>
               <a:ext uri="{28A0092B-C50C-407E-A947-70E740481C1C}">
                 <a14:useLocalDpi xmlns:a14="http://schemas.microsoft.com/office/drawing/2010/main" val="0"/>
@@ -4256,8 +4706,8 @@
         </p:blipFill>
         <p:spPr>
           <a:xfrm>
-            <a:off x="2812017" y="5866398"/>
-            <a:ext cx="626465" cy="530086"/>
+            <a:off x="2567279" y="1948737"/>
+            <a:ext cx="534691" cy="456715"/>
           </a:xfrm>
           <a:prstGeom prst="rect">
             <a:avLst/>
@@ -4266,14 +4716,14 @@
       </p:pic>
       <p:pic>
         <p:nvPicPr>
-          <p:cNvPr id="81" name="Image 80"/>
+          <p:cNvPr id="74" name="Image 73"/>
           <p:cNvPicPr>
             <a:picLocks noChangeAspect="1"/>
           </p:cNvPicPr>
           <p:nvPr/>
         </p:nvPicPr>
         <p:blipFill>
-          <a:blip r:embed="rId18">
+          <a:blip r:embed="rId19">
             <a:extLst>
               <a:ext uri="{28A0092B-C50C-407E-A947-70E740481C1C}">
                 <a14:useLocalDpi xmlns:a14="http://schemas.microsoft.com/office/drawing/2010/main" val="0"/>
@@ -4286,8 +4736,8 @@
         </p:blipFill>
         <p:spPr>
           <a:xfrm>
-            <a:off x="4008733" y="7343325"/>
-            <a:ext cx="626465" cy="530086"/>
+            <a:off x="3173800" y="5119089"/>
+            <a:ext cx="534691" cy="456715"/>
           </a:xfrm>
           <a:prstGeom prst="rect">
             <a:avLst/>
@@ -4296,14 +4746,14 @@
       </p:pic>
       <p:pic>
         <p:nvPicPr>
-          <p:cNvPr id="83" name="Image 82"/>
+          <p:cNvPr id="76" name="Image 75"/>
           <p:cNvPicPr>
             <a:picLocks noChangeAspect="1"/>
           </p:cNvPicPr>
           <p:nvPr/>
         </p:nvPicPr>
         <p:blipFill>
-          <a:blip r:embed="rId18">
+          <a:blip r:embed="rId19">
             <a:extLst>
               <a:ext uri="{28A0092B-C50C-407E-A947-70E740481C1C}">
                 <a14:useLocalDpi xmlns:a14="http://schemas.microsoft.com/office/drawing/2010/main" val="0"/>
@@ -4316,8 +4766,162 @@
         </p:blipFill>
         <p:spPr>
           <a:xfrm>
-            <a:off x="4089989" y="7834433"/>
-            <a:ext cx="626465" cy="530086"/>
+            <a:off x="3184825" y="6163156"/>
+            <a:ext cx="534691" cy="456715"/>
+          </a:xfrm>
+          <a:prstGeom prst="rect">
+            <a:avLst/>
+          </a:prstGeom>
+        </p:spPr>
+      </p:pic>
+      <p:pic>
+        <p:nvPicPr>
+          <p:cNvPr id="77" name="Image 76"/>
+          <p:cNvPicPr>
+            <a:picLocks noChangeAspect="1"/>
+          </p:cNvPicPr>
+          <p:nvPr/>
+        </p:nvPicPr>
+        <p:blipFill>
+          <a:blip r:embed="rId19">
+            <a:extLst>
+              <a:ext uri="{28A0092B-C50C-407E-A947-70E740481C1C}">
+                <a14:useLocalDpi xmlns:a14="http://schemas.microsoft.com/office/drawing/2010/main" val="0"/>
+              </a:ext>
+            </a:extLst>
+          </a:blip>
+          <a:stretch>
+            <a:fillRect/>
+          </a:stretch>
+        </p:blipFill>
+        <p:spPr>
+          <a:xfrm>
+            <a:off x="2024803" y="8598234"/>
+            <a:ext cx="534691" cy="456715"/>
+          </a:xfrm>
+          <a:prstGeom prst="rect">
+            <a:avLst/>
+          </a:prstGeom>
+        </p:spPr>
+      </p:pic>
+      <p:pic>
+        <p:nvPicPr>
+          <p:cNvPr id="80" name="Image 79"/>
+          <p:cNvPicPr>
+            <a:picLocks noChangeAspect="1"/>
+          </p:cNvPicPr>
+          <p:nvPr/>
+        </p:nvPicPr>
+        <p:blipFill>
+          <a:blip r:embed="rId19">
+            <a:extLst>
+              <a:ext uri="{28A0092B-C50C-407E-A947-70E740481C1C}">
+                <a14:useLocalDpi xmlns:a14="http://schemas.microsoft.com/office/drawing/2010/main" val="0"/>
+              </a:ext>
+            </a:extLst>
+          </a:blip>
+          <a:stretch>
+            <a:fillRect/>
+          </a:stretch>
+        </p:blipFill>
+        <p:spPr>
+          <a:xfrm>
+            <a:off x="1926007" y="8960848"/>
+            <a:ext cx="534691" cy="456715"/>
+          </a:xfrm>
+          <a:prstGeom prst="rect">
+            <a:avLst/>
+          </a:prstGeom>
+        </p:spPr>
+      </p:pic>
+      <p:pic>
+        <p:nvPicPr>
+          <p:cNvPr id="82" name="Image 81"/>
+          <p:cNvPicPr>
+            <a:picLocks noChangeAspect="1"/>
+          </p:cNvPicPr>
+          <p:nvPr/>
+        </p:nvPicPr>
+        <p:blipFill>
+          <a:blip r:embed="rId19">
+            <a:extLst>
+              <a:ext uri="{28A0092B-C50C-407E-A947-70E740481C1C}">
+                <a14:useLocalDpi xmlns:a14="http://schemas.microsoft.com/office/drawing/2010/main" val="0"/>
+              </a:ext>
+            </a:extLst>
+          </a:blip>
+          <a:stretch>
+            <a:fillRect/>
+          </a:stretch>
+        </p:blipFill>
+        <p:spPr>
+          <a:xfrm>
+            <a:off x="2270266" y="8837379"/>
+            <a:ext cx="534691" cy="456715"/>
+          </a:xfrm>
+          <a:prstGeom prst="rect">
+            <a:avLst/>
+          </a:prstGeom>
+        </p:spPr>
+      </p:pic>
+      <p:sp>
+        <p:nvSpPr>
+          <p:cNvPr id="84" name="ZoneTexte 83"/>
+          <p:cNvSpPr txBox="1"/>
+          <p:nvPr/>
+        </p:nvSpPr>
+        <p:spPr>
+          <a:xfrm>
+            <a:off x="1013194" y="8688005"/>
+            <a:ext cx="958253" cy="523220"/>
+          </a:xfrm>
+          <a:prstGeom prst="rect">
+            <a:avLst/>
+          </a:prstGeom>
+          <a:noFill/>
+        </p:spPr>
+        <p:txBody>
+          <a:bodyPr wrap="square" rtlCol="0">
+            <a:spAutoFit/>
+          </a:bodyPr>
+          <a:lstStyle/>
+          <a:p>
+            <a:r>
+              <a:rPr lang="fr-FR" sz="2800" b="1" dirty="0" smtClean="0"/>
+              <a:t>Ca</a:t>
+            </a:r>
+            <a:r>
+              <a:rPr lang="fr-FR" sz="2800" b="1" baseline="30000" dirty="0" smtClean="0"/>
+              <a:t>2+</a:t>
+            </a:r>
+            <a:endParaRPr lang="fr-FR" sz="2800" b="1" dirty="0"/>
+          </a:p>
+        </p:txBody>
+      </p:sp>
+      <p:pic>
+        <p:nvPicPr>
+          <p:cNvPr id="88" name="Image 87"/>
+          <p:cNvPicPr>
+            <a:picLocks noChangeAspect="1"/>
+          </p:cNvPicPr>
+          <p:nvPr/>
+        </p:nvPicPr>
+        <p:blipFill>
+          <a:blip r:embed="rId19">
+            <a:extLst>
+              <a:ext uri="{28A0092B-C50C-407E-A947-70E740481C1C}">
+                <a14:useLocalDpi xmlns:a14="http://schemas.microsoft.com/office/drawing/2010/main" val="0"/>
+              </a:ext>
+            </a:extLst>
+          </a:blip>
+          <a:stretch>
+            <a:fillRect/>
+          </a:stretch>
+        </p:blipFill>
+        <p:spPr>
+          <a:xfrm>
+            <a:off x="4313726" y="7014548"/>
+            <a:ext cx="534691" cy="456715"/>
           </a:xfrm>
           <a:prstGeom prst="rect">
             <a:avLst/>
@@ -4334,6 +4938,18 @@
   <p:clrMapOvr>
     <a:masterClrMapping/>
   </p:clrMapOvr>
+  <mc:AlternateContent xmlns:mc="http://schemas.openxmlformats.org/markup-compatibility/2006">
+    <mc:Choice xmlns:p14="http://schemas.microsoft.com/office/powerpoint/2010/main" Requires="p14">
+      <p:transition spd="slow" p14:dur="900" advClick="0" advTm="0">
+        <p14:warp dir="in"/>
+      </p:transition>
+    </mc:Choice>
+    <mc:Fallback>
+      <p:transition spd="slow" advClick="0" advTm="0">
+        <p:fade/>
+      </p:transition>
+    </mc:Fallback>
+  </mc:AlternateContent>
   <p:timing>
     <p:tnLst>
       <p:par>
@@ -4355,24 +4971,83 @@
                             </p:stCondLst>
                             <p:childTnLst>
                               <p:par>
-                                <p:cTn id="5" presetID="0" presetClass="path" presetSubtype="0" accel="50000" decel="50000" fill="hold" nodeType="clickEffect">
+                                <p:cTn id="5" presetID="53" presetClass="entr" presetSubtype="16" fill="hold" nodeType="clickEffect">
                                   <p:stCondLst>
                                     <p:cond delay="0"/>
                                   </p:stCondLst>
                                   <p:childTnLst>
-                                    <p:animMotion origin="layout" path="M -0.04514 -0.00221 L -0.04514 -0.00208 C -0.04977 -0.00052 -0.05463 0.00117 -0.0588 0.00312 C -0.06227 0.00482 -0.06458 0.00716 -0.06852 0.00859 C -0.07037 0.00937 -0.07245 0.0099 -0.0743 0.01081 C -0.09074 0.01862 -0.07454 0.01224 -0.08773 0.01732 C -0.09167 0.02057 -0.09259 0.02109 -0.0956 0.02487 C -0.0993 0.02982 -0.09491 0.02669 -0.10139 0.03034 C -0.10255 0.03398 -0.1037 0.03763 -0.10532 0.04115 C -0.10579 0.04271 -0.10671 0.04414 -0.10717 0.04557 C -0.11065 0.05508 -0.10717 0.04896 -0.11111 0.05534 C -0.11157 0.05755 -0.11227 0.05963 -0.11296 0.06185 C -0.11366 0.06367 -0.11435 0.06549 -0.11481 0.06732 C -0.11759 0.07617 -0.11342 0.07305 -0.1206 0.07708 C -0.12176 0.07995 -0.12361 0.08672 -0.12639 0.08906 C -0.12778 0.0901 -0.1294 0.09115 -0.13032 0.09232 C -0.13125 0.09336 -0.13171 0.0944 -0.13241 0.09557 C -0.1331 0.097 -0.1331 0.09857 -0.13426 0.09987 C -0.13495 0.10078 -0.1368 0.1013 -0.13819 0.10208 C -0.13866 0.10391 -0.13935 0.10573 -0.14005 0.10755 C -0.14051 0.10859 -0.14143 0.10963 -0.1419 0.11081 L -0.14583 0.1194 C -0.14653 0.122 -0.14676 0.12461 -0.14768 0.12708 C -0.14861 0.1293 -0.15162 0.13359 -0.15162 0.13372 C -0.15231 0.13724 -0.15278 0.14088 -0.15347 0.1444 C -0.15393 0.14596 -0.15486 0.1474 -0.15555 0.14883 C -0.15625 0.15065 -0.15671 0.15247 -0.15741 0.1543 C -0.15509 0.16458 -0.15393 0.16484 -0.15741 0.17708 C -0.15903 0.18294 -0.15972 0.18268 -0.16528 0.18581 C -0.1669 0.18854 -0.16805 0.19036 -0.16898 0.19336 C -0.16991 0.19583 -0.17037 0.19844 -0.17106 0.20104 C -0.17153 0.20312 -0.17222 0.20534 -0.17292 0.20755 C -0.17222 0.21289 -0.17199 0.21836 -0.17106 0.22383 C -0.1706 0.22565 -0.16967 0.22747 -0.16898 0.2293 C -0.16829 0.23216 -0.16782 0.23503 -0.16713 0.23789 C -0.16782 0.24297 -0.16805 0.24805 -0.16898 0.25312 C -0.16944 0.2556 -0.17384 0.26237 -0.17477 0.26406 C -0.17546 0.2651 -0.17639 0.26615 -0.17685 0.26732 C -0.17986 0.27591 -0.17847 0.27083 -0.18055 0.28255 C -0.17662 0.30026 -0.17685 0.29401 -0.17685 0.30091 L -0.17685 0.30104 " pathEditMode="relative" rAng="0" ptsTypes="AAAAAAAAAAAAAAAAAAAAAAAAAAAAAAAAAAAAAAAAA">
-                                      <p:cBhvr>
-                                        <p:cTn id="6" dur="2000" fill="hold"/>
-                                        <p:tgtEl>
-                                          <p:spTgt spid="78"/>
-                                        </p:tgtEl>
-                                        <p:attrNameLst>
-                                          <p:attrName>ppt_x</p:attrName>
-                                          <p:attrName>ppt_y</p:attrName>
-                                        </p:attrNameLst>
-                                      </p:cBhvr>
-                                      <p:rCtr x="-6782" y="15156"/>
-                                    </p:animMotion>
+                                    <p:set>
+                                      <p:cBhvr>
+                                        <p:cTn id="6" dur="1" fill="hold">
+                                          <p:stCondLst>
+                                            <p:cond delay="0"/>
+                                          </p:stCondLst>
+                                        </p:cTn>
+                                        <p:tgtEl>
+                                          <p:spTgt spid="39"/>
+                                        </p:tgtEl>
+                                        <p:attrNameLst>
+                                          <p:attrName>style.visibility</p:attrName>
+                                        </p:attrNameLst>
+                                      </p:cBhvr>
+                                      <p:to>
+                                        <p:strVal val="visible"/>
+                                      </p:to>
+                                    </p:set>
+                                    <p:anim calcmode="lin" valueType="num">
+                                      <p:cBhvr>
+                                        <p:cTn id="7" dur="500" fill="hold"/>
+                                        <p:tgtEl>
+                                          <p:spTgt spid="39"/>
+                                        </p:tgtEl>
+                                        <p:attrNameLst>
+                                          <p:attrName>ppt_w</p:attrName>
+                                        </p:attrNameLst>
+                                      </p:cBhvr>
+                                      <p:tavLst>
+                                        <p:tav tm="0">
+                                          <p:val>
+                                            <p:fltVal val="0"/>
+                                          </p:val>
+                                        </p:tav>
+                                        <p:tav tm="100000">
+                                          <p:val>
+                                            <p:strVal val="#ppt_w"/>
+                                          </p:val>
+                                        </p:tav>
+                                      </p:tavLst>
+                                    </p:anim>
+                                    <p:anim calcmode="lin" valueType="num">
+                                      <p:cBhvr>
+                                        <p:cTn id="8" dur="500" fill="hold"/>
+                                        <p:tgtEl>
+                                          <p:spTgt spid="39"/>
+                                        </p:tgtEl>
+                                        <p:attrNameLst>
+                                          <p:attrName>ppt_h</p:attrName>
+                                        </p:attrNameLst>
+                                      </p:cBhvr>
+                                      <p:tavLst>
+                                        <p:tav tm="0">
+                                          <p:val>
+                                            <p:fltVal val="0"/>
+                                          </p:val>
+                                        </p:tav>
+                                        <p:tav tm="100000">
+                                          <p:val>
+                                            <p:strVal val="#ppt_h"/>
+                                          </p:val>
+                                        </p:tav>
+                                      </p:tavLst>
+                                    </p:anim>
+                                    <p:animEffect transition="in" filter="fade">
+                                      <p:cBhvr>
+                                        <p:cTn id="9" dur="500"/>
+                                        <p:tgtEl>
+                                          <p:spTgt spid="39"/>
+                                        </p:tgtEl>
+                                      </p:cBhvr>
+                                    </p:animEffect>
                                   </p:childTnLst>
                                 </p:cTn>
                               </p:par>
@@ -4383,189 +5058,251 @@
                     </p:cTn>
                   </p:par>
                   <p:par>
-                    <p:cTn id="7" fill="hold">
+                    <p:cTn id="10" fill="hold">
                       <p:stCondLst>
                         <p:cond delay="indefinite"/>
                       </p:stCondLst>
                       <p:childTnLst>
                         <p:par>
-                          <p:cTn id="8" fill="hold">
+                          <p:cTn id="11" fill="hold">
                             <p:stCondLst>
                               <p:cond delay="0"/>
                             </p:stCondLst>
                             <p:childTnLst>
                               <p:par>
-                                <p:cTn id="9" presetID="0" presetClass="path" presetSubtype="0" accel="50000" decel="50000" fill="hold" nodeType="clickEffect">
-                                  <p:stCondLst>
-                                    <p:cond delay="0"/>
-                                  </p:stCondLst>
-                                  <p:childTnLst>
-                                    <p:animMotion origin="layout" path="M -0.02732 -0.00182 L -0.02732 -0.00169 C -0.03334 -0.00117 -0.03912 -0.00078 -0.04491 0.00027 C -0.047 0.00066 -0.04862 0.00183 -0.0507 0.00248 C -0.05232 0.003 -0.0544 0.00313 -0.05649 0.00352 C -0.06945 0.01094 -0.04908 -0.00039 -0.06598 0.00795 C -0.06875 0.00925 -0.0713 0.01081 -0.07385 0.01224 L -0.07963 0.0155 L -0.08334 0.01771 C -0.08403 0.01875 -0.0845 0.01993 -0.08542 0.02097 C -0.08635 0.02214 -0.08843 0.02305 -0.08912 0.02422 C -0.09676 0.03399 -0.08542 0.02357 -0.09514 0.03178 C -0.09977 0.03998 -0.09329 0.02995 -0.10093 0.03829 C -0.1088 0.04727 -0.09561 0.03555 -0.10672 0.0448 C -0.10718 0.04636 -0.10741 0.04792 -0.10857 0.04922 C -0.11065 0.05157 -0.11621 0.05573 -0.11621 0.05586 C -0.12338 0.06758 -0.11204 0.04961 -0.122 0.06224 C -0.12362 0.06433 -0.12454 0.06654 -0.12593 0.06875 C -0.12593 0.06888 -0.12987 0.07527 -0.12987 0.0754 C -0.13264 0.08191 -0.13079 0.07826 -0.13565 0.0862 C -0.13565 0.08633 -0.13936 0.09271 -0.13936 0.09284 L -0.14329 0.09597 C -0.14399 0.0974 -0.14468 0.09883 -0.14514 0.10027 C -0.14607 0.10209 -0.1463 0.10391 -0.14723 0.10573 C -0.14769 0.10678 -0.14838 0.10795 -0.14908 0.10899 C -0.15047 0.11589 -0.15139 0.12279 -0.15301 0.12969 C -0.15371 0.13256 -0.15394 0.13542 -0.15487 0.13829 C -0.15533 0.13946 -0.15625 0.1405 -0.15672 0.14154 C -0.15625 0.16263 -0.15602 0.1836 -0.15487 0.20469 C -0.15487 0.20652 -0.15325 0.20821 -0.15301 0.21003 C -0.15209 0.2155 -0.15162 0.22097 -0.15093 0.22644 C -0.15024 0.24063 -0.15047 0.25899 -0.14723 0.27422 C -0.14676 0.27605 -0.14584 0.27787 -0.14514 0.27969 C -0.14445 0.28256 -0.14445 0.28542 -0.14329 0.28829 C -0.14237 0.29063 -0.14051 0.29258 -0.13936 0.2948 C -0.13889 0.29636 -0.1382 0.29779 -0.1375 0.29922 C -0.13681 0.30105 -0.13635 0.30287 -0.13565 0.30469 C -0.13519 0.30573 -0.13426 0.30678 -0.13357 0.30795 C -0.13287 0.30964 -0.13264 0.31159 -0.13172 0.31329 C -0.13056 0.3155 -0.12778 0.31993 -0.12778 0.32006 L -0.12778 0.31993 " pathEditMode="relative" rAng="0" ptsTypes="AAAAAAAAAAAAAAAAAAAAAAAAAAAAAAAAAAAAAAAAA">
-                                      <p:cBhvr>
-                                        <p:cTn id="10" dur="2000" fill="hold"/>
-                                        <p:tgtEl>
-                                          <p:spTgt spid="79"/>
-                                        </p:tgtEl>
-                                        <p:attrNameLst>
-                                          <p:attrName>ppt_x</p:attrName>
-                                          <p:attrName>ppt_y</p:attrName>
-                                        </p:attrNameLst>
-                                      </p:cBhvr>
-                                      <p:rCtr x="-6481" y="16094"/>
-                                    </p:animMotion>
-                                  </p:childTnLst>
-                                </p:cTn>
-                              </p:par>
-                            </p:childTnLst>
-                          </p:cTn>
-                        </p:par>
-                      </p:childTnLst>
-                    </p:cTn>
-                  </p:par>
-                  <p:par>
-                    <p:cTn id="11" fill="hold">
-                      <p:stCondLst>
-                        <p:cond delay="indefinite"/>
-                      </p:stCondLst>
-                      <p:childTnLst>
-                        <p:par>
-                          <p:cTn id="12" fill="hold">
-                            <p:stCondLst>
-                              <p:cond delay="0"/>
-                            </p:stCondLst>
-                            <p:childTnLst>
-                              <p:par>
-                                <p:cTn id="13" presetID="0" presetClass="path" presetSubtype="0" accel="50000" decel="50000" fill="hold" nodeType="clickEffect">
-                                  <p:stCondLst>
-                                    <p:cond delay="0"/>
-                                  </p:stCondLst>
-                                  <p:childTnLst>
-                                    <p:animMotion origin="layout" path="M 0.00162 0.02695 L 0.00162 0.02695 C 0.00092 0.03021 0.00046 0.03346 -0.00047 0.03672 C -0.00093 0.03815 -0.00185 0.03958 -0.00232 0.04101 C -0.00371 0.04466 -0.00463 0.04831 -0.00625 0.05195 C -0.00741 0.05482 -0.00834 0.05781 -0.00996 0.06054 C -0.01065 0.06172 -0.01158 0.06276 -0.01204 0.0638 C -0.01273 0.06562 -0.0132 0.06745 -0.01389 0.06927 C -0.01459 0.0707 -0.01528 0.07213 -0.01574 0.0737 C -0.01667 0.07539 -0.01667 0.07734 -0.01783 0.07903 C -0.01852 0.08034 -0.02037 0.08125 -0.02153 0.08229 C -0.02222 0.08411 -0.02292 0.08594 -0.02361 0.08776 C -0.02593 0.09362 -0.02547 0.09101 -0.02732 0.09752 C -0.02824 0.10013 -0.02847 0.1026 -0.0294 0.10521 C -0.03033 0.10807 -0.0331 0.11393 -0.0331 0.11393 L -0.0331 0.11393 " pathEditMode="relative" ptsTypes="AAAAAAAAAAAAAAAA">
-                                      <p:cBhvr>
-                                        <p:cTn id="14" dur="2000" fill="hold"/>
-                                        <p:tgtEl>
-                                          <p:spTgt spid="71"/>
-                                        </p:tgtEl>
-                                        <p:attrNameLst>
-                                          <p:attrName>ppt_x</p:attrName>
-                                          <p:attrName>ppt_y</p:attrName>
-                                        </p:attrNameLst>
-                                      </p:cBhvr>
-                                    </p:animMotion>
-                                  </p:childTnLst>
-                                </p:cTn>
-                              </p:par>
-                            </p:childTnLst>
-                          </p:cTn>
-                        </p:par>
-                      </p:childTnLst>
-                    </p:cTn>
-                  </p:par>
-                  <p:par>
-                    <p:cTn id="15" fill="hold">
-                      <p:stCondLst>
-                        <p:cond delay="indefinite"/>
-                      </p:stCondLst>
-                      <p:childTnLst>
-                        <p:par>
-                          <p:cTn id="16" fill="hold">
-                            <p:stCondLst>
-                              <p:cond delay="0"/>
-                            </p:stCondLst>
-                            <p:childTnLst>
-                              <p:par>
-                                <p:cTn id="17" presetID="0" presetClass="path" presetSubtype="0" accel="50000" decel="50000" fill="hold" nodeType="clickEffect">
-                                  <p:stCondLst>
-                                    <p:cond delay="0"/>
-                                  </p:stCondLst>
-                                  <p:childTnLst>
-                                    <p:animMotion origin="layout" path="M 3.7037E-7 4.58333E-6 L 3.7037E-7 4.58333E-6 C 0.00579 0.00039 0.01158 0.0013 0.01736 0.00104 C 0.0213 0.00091 0.02477 -0.00078 0.02894 -0.00104 C 0.03287 -0.00143 0.03658 -0.00169 0.04051 -0.00221 C 0.04306 -0.00247 0.04561 -0.003 0.04815 -0.00326 C 0.05348 -0.00378 0.05857 -0.00404 0.06366 -0.00443 C 0.07709 -0.0069 0.06042 -0.00391 0.07917 -0.00651 C 0.08125 -0.00677 0.08311 -0.00729 0.08496 -0.00768 C 0.09005 -0.00846 0.09537 -0.00885 0.10047 -0.00977 L 0.11783 -0.01302 L 0.12361 -0.01419 C 0.12824 -0.01667 0.13264 -0.0194 0.13912 -0.0207 C 0.14584 -0.02188 0.14352 -0.02096 0.14699 -0.02279 L 0.14699 -0.02279 " pathEditMode="relative" ptsTypes="AAAAAAAAAAAAAAA">
-                                      <p:cBhvr>
-                                        <p:cTn id="18" dur="2000" fill="hold"/>
-                                        <p:tgtEl>
-                                          <p:spTgt spid="72"/>
-                                        </p:tgtEl>
-                                        <p:attrNameLst>
-                                          <p:attrName>ppt_x</p:attrName>
-                                          <p:attrName>ppt_y</p:attrName>
-                                        </p:attrNameLst>
-                                      </p:cBhvr>
-                                    </p:animMotion>
-                                  </p:childTnLst>
-                                </p:cTn>
-                              </p:par>
-                            </p:childTnLst>
-                          </p:cTn>
-                        </p:par>
-                      </p:childTnLst>
-                    </p:cTn>
-                  </p:par>
-                  <p:par>
-                    <p:cTn id="19" fill="hold">
-                      <p:stCondLst>
-                        <p:cond delay="indefinite"/>
-                      </p:stCondLst>
-                      <p:childTnLst>
-                        <p:par>
-                          <p:cTn id="20" fill="hold">
-                            <p:stCondLst>
-                              <p:cond delay="0"/>
-                            </p:stCondLst>
-                            <p:childTnLst>
-                              <p:par>
-                                <p:cTn id="21" presetID="0" presetClass="path" presetSubtype="0" accel="50000" decel="50000" fill="hold" nodeType="clickEffect">
-                                  <p:stCondLst>
-                                    <p:cond delay="0"/>
-                                  </p:stCondLst>
-                                  <p:childTnLst>
-                                    <p:animMotion origin="layout" path="M 3.33333E-6 -5.41667E-6 L 3.33333E-6 -5.41667E-6 L -0.01551 0.00325 C -0.01759 0.00364 -0.01945 0.00403 -0.0213 0.00429 C -0.02454 0.00468 -0.02778 0.00494 -0.03102 0.00533 C -0.03611 0.00598 -0.04144 0.00676 -0.04653 0.00755 C -0.04907 0.00794 -0.05162 0.0082 -0.05417 0.00859 L -0.06574 0.0108 C -0.06782 0.01119 -0.06968 0.01158 -0.07153 0.01184 C -0.08125 0.01328 -0.07685 0.01249 -0.08519 0.01406 C -0.08634 0.01471 -0.08727 0.01575 -0.08912 0.01627 C -0.09907 0.01861 -0.1 0.01562 -0.11019 0.01953 C -0.12361 0.02447 -0.11736 0.02291 -0.12778 0.02486 C -0.13634 0.02981 -0.12616 0.0246 -0.13727 0.02812 C -0.15718 0.03437 -0.14167 0.03111 -0.15463 0.03359 C -0.16945 0.04179 -0.15232 0.0332 -0.16644 0.03788 C -0.16782 0.03841 -0.16875 0.03945 -0.17014 0.0401 C -0.18542 0.04648 -0.17685 0.04257 -0.18958 0.04661 C -0.19144 0.04726 -0.19352 0.04791 -0.19537 0.04869 C -0.19676 0.04934 -0.19769 0.05038 -0.19907 0.05091 C -0.20093 0.05156 -0.20486 0.05208 -0.20486 0.05208 L -0.20486 0.05208 " pathEditMode="relative" ptsTypes="AAAAAAAAAAAAAAAAAAAAAA">
-                                      <p:cBhvr>
-                                        <p:cTn id="22" dur="2000" fill="hold"/>
-                                        <p:tgtEl>
-                                          <p:spTgt spid="81"/>
-                                        </p:tgtEl>
-                                        <p:attrNameLst>
-                                          <p:attrName>ppt_x</p:attrName>
-                                          <p:attrName>ppt_y</p:attrName>
-                                        </p:attrNameLst>
-                                      </p:cBhvr>
-                                    </p:animMotion>
-                                  </p:childTnLst>
-                                </p:cTn>
-                              </p:par>
-                            </p:childTnLst>
-                          </p:cTn>
-                        </p:par>
-                      </p:childTnLst>
-                    </p:cTn>
-                  </p:par>
-                  <p:par>
-                    <p:cTn id="23" fill="hold">
-                      <p:stCondLst>
-                        <p:cond delay="indefinite"/>
-                      </p:stCondLst>
-                      <p:childTnLst>
-                        <p:par>
-                          <p:cTn id="24" fill="hold">
-                            <p:stCondLst>
-                              <p:cond delay="0"/>
-                            </p:stCondLst>
-                            <p:childTnLst>
-                              <p:par>
-                                <p:cTn id="25" presetID="1" presetClass="entr" presetSubtype="0" fill="hold" nodeType="clickEffect">
+                                <p:cTn id="12" presetID="19" presetClass="entr" presetSubtype="10" fill="hold" nodeType="clickEffect">
                                   <p:stCondLst>
                                     <p:cond delay="0"/>
                                   </p:stCondLst>
                                   <p:childTnLst>
                                     <p:set>
                                       <p:cBhvr>
-                                        <p:cTn id="26" dur="1" fill="hold">
+                                        <p:cTn id="13" dur="1" fill="hold">
                                           <p:stCondLst>
                                             <p:cond delay="0"/>
                                           </p:stCondLst>
                                         </p:cTn>
                                         <p:tgtEl>
-                                          <p:spTgt spid="83"/>
+                                          <p:spTgt spid="73"/>
+                                        </p:tgtEl>
+                                        <p:attrNameLst>
+                                          <p:attrName>style.visibility</p:attrName>
+                                        </p:attrNameLst>
+                                      </p:cBhvr>
+                                      <p:to>
+                                        <p:strVal val="visible"/>
+                                      </p:to>
+                                    </p:set>
+                                    <p:anim calcmode="lin" valueType="num">
+                                      <p:cBhvr>
+                                        <p:cTn id="14" dur="5000" fill="hold"/>
+                                        <p:tgtEl>
+                                          <p:spTgt spid="73"/>
+                                        </p:tgtEl>
+                                        <p:attrNameLst>
+                                          <p:attrName>ppt_w</p:attrName>
+                                        </p:attrNameLst>
+                                      </p:cBhvr>
+                                      <p:tavLst>
+                                        <p:tav tm="0" fmla="#ppt_w*sin(2.5*pi*$)">
+                                          <p:val>
+                                            <p:fltVal val="0"/>
+                                          </p:val>
+                                        </p:tav>
+                                        <p:tav tm="100000">
+                                          <p:val>
+                                            <p:fltVal val="1"/>
+                                          </p:val>
+                                        </p:tav>
+                                      </p:tavLst>
+                                    </p:anim>
+                                    <p:anim calcmode="lin" valueType="num">
+                                      <p:cBhvr>
+                                        <p:cTn id="15" dur="5000" fill="hold"/>
+                                        <p:tgtEl>
+                                          <p:spTgt spid="73"/>
+                                        </p:tgtEl>
+                                        <p:attrNameLst>
+                                          <p:attrName>ppt_h</p:attrName>
+                                        </p:attrNameLst>
+                                      </p:cBhvr>
+                                      <p:tavLst>
+                                        <p:tav tm="0">
+                                          <p:val>
+                                            <p:strVal val="#ppt_h"/>
+                                          </p:val>
+                                        </p:tav>
+                                        <p:tav tm="100000">
+                                          <p:val>
+                                            <p:strVal val="#ppt_h"/>
+                                          </p:val>
+                                        </p:tav>
+                                      </p:tavLst>
+                                    </p:anim>
+                                  </p:childTnLst>
+                                </p:cTn>
+                              </p:par>
+                              <p:par>
+                                <p:cTn id="16" presetID="19" presetClass="entr" presetSubtype="10" fill="hold" nodeType="withEffect">
+                                  <p:stCondLst>
+                                    <p:cond delay="0"/>
+                                  </p:stCondLst>
+                                  <p:childTnLst>
+                                    <p:set>
+                                      <p:cBhvr>
+                                        <p:cTn id="17" dur="1" fill="hold">
+                                          <p:stCondLst>
+                                            <p:cond delay="0"/>
+                                          </p:stCondLst>
+                                        </p:cTn>
+                                        <p:tgtEl>
+                                          <p:spTgt spid="13"/>
+                                        </p:tgtEl>
+                                        <p:attrNameLst>
+                                          <p:attrName>style.visibility</p:attrName>
+                                        </p:attrNameLst>
+                                      </p:cBhvr>
+                                      <p:to>
+                                        <p:strVal val="visible"/>
+                                      </p:to>
+                                    </p:set>
+                                    <p:anim calcmode="lin" valueType="num">
+                                      <p:cBhvr>
+                                        <p:cTn id="18" dur="5000" fill="hold"/>
+                                        <p:tgtEl>
+                                          <p:spTgt spid="13"/>
+                                        </p:tgtEl>
+                                        <p:attrNameLst>
+                                          <p:attrName>ppt_w</p:attrName>
+                                        </p:attrNameLst>
+                                      </p:cBhvr>
+                                      <p:tavLst>
+                                        <p:tav tm="0" fmla="#ppt_w*sin(2.5*pi*$)">
+                                          <p:val>
+                                            <p:fltVal val="0"/>
+                                          </p:val>
+                                        </p:tav>
+                                        <p:tav tm="100000">
+                                          <p:val>
+                                            <p:fltVal val="1"/>
+                                          </p:val>
+                                        </p:tav>
+                                      </p:tavLst>
+                                    </p:anim>
+                                    <p:anim calcmode="lin" valueType="num">
+                                      <p:cBhvr>
+                                        <p:cTn id="19" dur="5000" fill="hold"/>
+                                        <p:tgtEl>
+                                          <p:spTgt spid="13"/>
+                                        </p:tgtEl>
+                                        <p:attrNameLst>
+                                          <p:attrName>ppt_h</p:attrName>
+                                        </p:attrNameLst>
+                                      </p:cBhvr>
+                                      <p:tavLst>
+                                        <p:tav tm="0">
+                                          <p:val>
+                                            <p:strVal val="#ppt_h"/>
+                                          </p:val>
+                                        </p:tav>
+                                        <p:tav tm="100000">
+                                          <p:val>
+                                            <p:strVal val="#ppt_h"/>
+                                          </p:val>
+                                        </p:tav>
+                                      </p:tavLst>
+                                    </p:anim>
+                                  </p:childTnLst>
+                                </p:cTn>
+                              </p:par>
+                              <p:par>
+                                <p:cTn id="20" presetID="19" presetClass="entr" presetSubtype="10" fill="hold" nodeType="withEffect">
+                                  <p:stCondLst>
+                                    <p:cond delay="0"/>
+                                  </p:stCondLst>
+                                  <p:childTnLst>
+                                    <p:set>
+                                      <p:cBhvr>
+                                        <p:cTn id="21" dur="1" fill="hold">
+                                          <p:stCondLst>
+                                            <p:cond delay="0"/>
+                                          </p:stCondLst>
+                                        </p:cTn>
+                                        <p:tgtEl>
+                                          <p:spTgt spid="69"/>
+                                        </p:tgtEl>
+                                        <p:attrNameLst>
+                                          <p:attrName>style.visibility</p:attrName>
+                                        </p:attrNameLst>
+                                      </p:cBhvr>
+                                      <p:to>
+                                        <p:strVal val="visible"/>
+                                      </p:to>
+                                    </p:set>
+                                    <p:anim calcmode="lin" valueType="num">
+                                      <p:cBhvr>
+                                        <p:cTn id="22" dur="5000" fill="hold"/>
+                                        <p:tgtEl>
+                                          <p:spTgt spid="69"/>
+                                        </p:tgtEl>
+                                        <p:attrNameLst>
+                                          <p:attrName>ppt_w</p:attrName>
+                                        </p:attrNameLst>
+                                      </p:cBhvr>
+                                      <p:tavLst>
+                                        <p:tav tm="0" fmla="#ppt_w*sin(2.5*pi*$)">
+                                          <p:val>
+                                            <p:fltVal val="0"/>
+                                          </p:val>
+                                        </p:tav>
+                                        <p:tav tm="100000">
+                                          <p:val>
+                                            <p:fltVal val="1"/>
+                                          </p:val>
+                                        </p:tav>
+                                      </p:tavLst>
+                                    </p:anim>
+                                    <p:anim calcmode="lin" valueType="num">
+                                      <p:cBhvr>
+                                        <p:cTn id="23" dur="5000" fill="hold"/>
+                                        <p:tgtEl>
+                                          <p:spTgt spid="69"/>
+                                        </p:tgtEl>
+                                        <p:attrNameLst>
+                                          <p:attrName>ppt_h</p:attrName>
+                                        </p:attrNameLst>
+                                      </p:cBhvr>
+                                      <p:tavLst>
+                                        <p:tav tm="0">
+                                          <p:val>
+                                            <p:strVal val="#ppt_h"/>
+                                          </p:val>
+                                        </p:tav>
+                                        <p:tav tm="100000">
+                                          <p:val>
+                                            <p:strVal val="#ppt_h"/>
+                                          </p:val>
+                                        </p:tav>
+                                      </p:tavLst>
+                                    </p:anim>
+                                  </p:childTnLst>
+                                </p:cTn>
+                              </p:par>
+                              <p:par>
+                                <p:cTn id="24" presetID="1" presetClass="entr" presetSubtype="0" fill="hold" grpId="1" nodeType="withEffect">
+                                  <p:stCondLst>
+                                    <p:cond delay="0"/>
+                                  </p:stCondLst>
+                                  <p:childTnLst>
+                                    <p:set>
+                                      <p:cBhvr>
+                                        <p:cTn id="25" dur="1" fill="hold">
+                                          <p:stCondLst>
+                                            <p:cond delay="0"/>
+                                          </p:stCondLst>
+                                        </p:cTn>
+                                        <p:tgtEl>
+                                          <p:spTgt spid="51"/>
                                         </p:tgtEl>
                                         <p:attrNameLst>
                                           <p:attrName>style.visibility</p:attrName>
@@ -4585,34 +5322,2583 @@
                     </p:cTn>
                   </p:par>
                   <p:par>
-                    <p:cTn id="27" fill="hold">
+                    <p:cTn id="26" fill="hold">
                       <p:stCondLst>
                         <p:cond delay="indefinite"/>
                       </p:stCondLst>
                       <p:childTnLst>
                         <p:par>
-                          <p:cTn id="28" fill="hold">
+                          <p:cTn id="27" fill="hold">
                             <p:stCondLst>
                               <p:cond delay="0"/>
                             </p:stCondLst>
                             <p:childTnLst>
                               <p:par>
-                                <p:cTn id="29" presetID="0" presetClass="path" presetSubtype="0" accel="50000" decel="50000" fill="hold" nodeType="clickEffect">
+                                <p:cTn id="28" presetID="55" presetClass="entr" presetSubtype="0" fill="hold" nodeType="clickEffect">
                                   <p:stCondLst>
                                     <p:cond delay="0"/>
                                   </p:stCondLst>
                                   <p:childTnLst>
-                                    <p:animMotion origin="layout" path="M 1.85185E-6 7.29167E-6 L 1.85185E-6 7.29167E-6 C -0.00278 0.00287 -0.00556 0.0056 -0.00787 0.0086 C -0.0088 0.0099 -0.01135 0.01745 -0.01181 0.01837 C -0.0125 0.02097 -0.01297 0.02344 -0.01366 0.02605 C -0.01412 0.02787 -0.01505 0.02969 -0.01551 0.03152 C -0.01829 0.03985 -0.01598 0.03542 -0.01945 0.04128 C -0.02014 0.04376 -0.02084 0.04831 -0.02338 0.05105 C -0.02431 0.05222 -0.02593 0.05313 -0.02709 0.0543 C -0.02778 0.05573 -0.02848 0.05717 -0.02917 0.0586 C -0.03033 0.06081 -0.03195 0.0629 -0.03311 0.06511 C -0.03357 0.06654 -0.03426 0.0681 -0.03496 0.06954 C -0.03611 0.07162 -0.0375 0.07383 -0.03889 0.07605 C -0.03936 0.07709 -0.04028 0.07813 -0.04074 0.0793 C -0.04144 0.08113 -0.0419 0.08295 -0.0426 0.08464 C -0.04306 0.08581 -0.04422 0.08685 -0.04468 0.0879 C -0.04537 0.09011 -0.04584 0.09232 -0.04653 0.09454 C -0.04699 0.09597 -0.04792 0.0974 -0.04838 0.09883 C -0.04931 0.10092 -0.04977 0.10313 -0.05047 0.10534 C -0.05116 0.10782 -0.05139 0.11042 -0.05232 0.1129 C -0.05324 0.11524 -0.05486 0.11732 -0.05625 0.11941 L -0.05811 0.12266 L -0.05996 0.12605 L -0.05996 0.12605 " pathEditMode="relative" ptsTypes="AAAAAAAAAAAAAAAAAAAAAAAA">
-                                      <p:cBhvr>
-                                        <p:cTn id="30" dur="2000" fill="hold"/>
-                                        <p:tgtEl>
-                                          <p:spTgt spid="83"/>
+                                    <p:set>
+                                      <p:cBhvr>
+                                        <p:cTn id="29" dur="1" fill="hold">
+                                          <p:stCondLst>
+                                            <p:cond delay="0"/>
+                                          </p:stCondLst>
+                                        </p:cTn>
+                                        <p:tgtEl>
+                                          <p:spTgt spid="40"/>
+                                        </p:tgtEl>
+                                        <p:attrNameLst>
+                                          <p:attrName>style.visibility</p:attrName>
+                                        </p:attrNameLst>
+                                      </p:cBhvr>
+                                      <p:to>
+                                        <p:strVal val="visible"/>
+                                      </p:to>
+                                    </p:set>
+                                    <p:anim calcmode="lin" valueType="num">
+                                      <p:cBhvr>
+                                        <p:cTn id="30" dur="1000" fill="hold"/>
+                                        <p:tgtEl>
+                                          <p:spTgt spid="40"/>
+                                        </p:tgtEl>
+                                        <p:attrNameLst>
+                                          <p:attrName>ppt_w</p:attrName>
+                                        </p:attrNameLst>
+                                      </p:cBhvr>
+                                      <p:tavLst>
+                                        <p:tav tm="0">
+                                          <p:val>
+                                            <p:strVal val="#ppt_w*0.70"/>
+                                          </p:val>
+                                        </p:tav>
+                                        <p:tav tm="100000">
+                                          <p:val>
+                                            <p:strVal val="#ppt_w"/>
+                                          </p:val>
+                                        </p:tav>
+                                      </p:tavLst>
+                                    </p:anim>
+                                    <p:anim calcmode="lin" valueType="num">
+                                      <p:cBhvr>
+                                        <p:cTn id="31" dur="1000" fill="hold"/>
+                                        <p:tgtEl>
+                                          <p:spTgt spid="40"/>
+                                        </p:tgtEl>
+                                        <p:attrNameLst>
+                                          <p:attrName>ppt_h</p:attrName>
+                                        </p:attrNameLst>
+                                      </p:cBhvr>
+                                      <p:tavLst>
+                                        <p:tav tm="0">
+                                          <p:val>
+                                            <p:strVal val="#ppt_h"/>
+                                          </p:val>
+                                        </p:tav>
+                                        <p:tav tm="100000">
+                                          <p:val>
+                                            <p:strVal val="#ppt_h"/>
+                                          </p:val>
+                                        </p:tav>
+                                      </p:tavLst>
+                                    </p:anim>
+                                    <p:animEffect transition="in" filter="fade">
+                                      <p:cBhvr>
+                                        <p:cTn id="32" dur="1000"/>
+                                        <p:tgtEl>
+                                          <p:spTgt spid="40"/>
+                                        </p:tgtEl>
+                                      </p:cBhvr>
+                                    </p:animEffect>
+                                  </p:childTnLst>
+                                </p:cTn>
+                              </p:par>
+                            </p:childTnLst>
+                          </p:cTn>
+                        </p:par>
+                      </p:childTnLst>
+                    </p:cTn>
+                  </p:par>
+                  <p:par>
+                    <p:cTn id="33" fill="hold">
+                      <p:stCondLst>
+                        <p:cond delay="indefinite"/>
+                      </p:stCondLst>
+                      <p:childTnLst>
+                        <p:par>
+                          <p:cTn id="34" fill="hold">
+                            <p:stCondLst>
+                              <p:cond delay="0"/>
+                            </p:stCondLst>
+                            <p:childTnLst>
+                              <p:par>
+                                <p:cTn id="35" presetID="53" presetClass="entr" presetSubtype="16" fill="hold" nodeType="clickEffect">
+                                  <p:stCondLst>
+                                    <p:cond delay="0"/>
+                                  </p:stCondLst>
+                                  <p:childTnLst>
+                                    <p:set>
+                                      <p:cBhvr>
+                                        <p:cTn id="36" dur="1" fill="hold">
+                                          <p:stCondLst>
+                                            <p:cond delay="0"/>
+                                          </p:stCondLst>
+                                        </p:cTn>
+                                        <p:tgtEl>
+                                          <p:spTgt spid="24"/>
+                                        </p:tgtEl>
+                                        <p:attrNameLst>
+                                          <p:attrName>style.visibility</p:attrName>
+                                        </p:attrNameLst>
+                                      </p:cBhvr>
+                                      <p:to>
+                                        <p:strVal val="visible"/>
+                                      </p:to>
+                                    </p:set>
+                                    <p:anim calcmode="lin" valueType="num">
+                                      <p:cBhvr>
+                                        <p:cTn id="37" dur="500" fill="hold"/>
+                                        <p:tgtEl>
+                                          <p:spTgt spid="24"/>
+                                        </p:tgtEl>
+                                        <p:attrNameLst>
+                                          <p:attrName>ppt_w</p:attrName>
+                                        </p:attrNameLst>
+                                      </p:cBhvr>
+                                      <p:tavLst>
+                                        <p:tav tm="0">
+                                          <p:val>
+                                            <p:fltVal val="0"/>
+                                          </p:val>
+                                        </p:tav>
+                                        <p:tav tm="100000">
+                                          <p:val>
+                                            <p:strVal val="#ppt_w"/>
+                                          </p:val>
+                                        </p:tav>
+                                      </p:tavLst>
+                                    </p:anim>
+                                    <p:anim calcmode="lin" valueType="num">
+                                      <p:cBhvr>
+                                        <p:cTn id="38" dur="500" fill="hold"/>
+                                        <p:tgtEl>
+                                          <p:spTgt spid="24"/>
+                                        </p:tgtEl>
+                                        <p:attrNameLst>
+                                          <p:attrName>ppt_h</p:attrName>
+                                        </p:attrNameLst>
+                                      </p:cBhvr>
+                                      <p:tavLst>
+                                        <p:tav tm="0">
+                                          <p:val>
+                                            <p:fltVal val="0"/>
+                                          </p:val>
+                                        </p:tav>
+                                        <p:tav tm="100000">
+                                          <p:val>
+                                            <p:strVal val="#ppt_h"/>
+                                          </p:val>
+                                        </p:tav>
+                                      </p:tavLst>
+                                    </p:anim>
+                                    <p:animEffect transition="in" filter="fade">
+                                      <p:cBhvr>
+                                        <p:cTn id="39" dur="500"/>
+                                        <p:tgtEl>
+                                          <p:spTgt spid="24"/>
+                                        </p:tgtEl>
+                                      </p:cBhvr>
+                                    </p:animEffect>
+                                  </p:childTnLst>
+                                </p:cTn>
+                              </p:par>
+                            </p:childTnLst>
+                          </p:cTn>
+                        </p:par>
+                      </p:childTnLst>
+                    </p:cTn>
+                  </p:par>
+                  <p:par>
+                    <p:cTn id="40" fill="hold">
+                      <p:stCondLst>
+                        <p:cond delay="indefinite"/>
+                      </p:stCondLst>
+                      <p:childTnLst>
+                        <p:par>
+                          <p:cTn id="41" fill="hold">
+                            <p:stCondLst>
+                              <p:cond delay="0"/>
+                            </p:stCondLst>
+                            <p:childTnLst>
+                              <p:par>
+                                <p:cTn id="42" presetID="42" presetClass="path" presetSubtype="0" accel="50000" decel="50000" fill="hold" nodeType="clickEffect">
+                                  <p:stCondLst>
+                                    <p:cond delay="0"/>
+                                  </p:stCondLst>
+                                  <p:childTnLst>
+                                    <p:animMotion origin="layout" path="M 0 0 L 0 0.25 E" pathEditMode="relative" ptsTypes="">
+                                      <p:cBhvr>
+                                        <p:cTn id="43" dur="2000" fill="hold"/>
+                                        <p:tgtEl>
+                                          <p:spTgt spid="13"/>
                                         </p:tgtEl>
                                         <p:attrNameLst>
                                           <p:attrName>ppt_x</p:attrName>
                                           <p:attrName>ppt_y</p:attrName>
                                         </p:attrNameLst>
                                       </p:cBhvr>
+                                    </p:animMotion>
+                                  </p:childTnLst>
+                                </p:cTn>
+                              </p:par>
+                            </p:childTnLst>
+                          </p:cTn>
+                        </p:par>
+                      </p:childTnLst>
+                    </p:cTn>
+                  </p:par>
+                  <p:par>
+                    <p:cTn id="44" fill="hold">
+                      <p:stCondLst>
+                        <p:cond delay="indefinite"/>
+                      </p:stCondLst>
+                      <p:childTnLst>
+                        <p:par>
+                          <p:cTn id="45" fill="hold">
+                            <p:stCondLst>
+                              <p:cond delay="0"/>
+                            </p:stCondLst>
+                            <p:childTnLst>
+                              <p:par>
+                                <p:cTn id="46" presetID="0" presetClass="path" presetSubtype="0" accel="50000" decel="50000" fill="hold" nodeType="clickEffect">
+                                  <p:stCondLst>
+                                    <p:cond delay="0"/>
+                                  </p:stCondLst>
+                                  <p:childTnLst>
+                                    <p:animMotion origin="layout" path="M 1.11022E-16 -3.75E-6 C -0.02222 0.00209 -0.04398 0.0043 -0.05486 0.01563 C -0.06597 0.02722 -0.06412 0.02448 -0.06597 0.06823 C -0.06759 0.11185 -0.06597 0.27813 -0.06597 0.27839 L -0.06597 0.27813 " pathEditMode="relative" rAng="0" ptsTypes="AAAAA">
+                                      <p:cBhvr>
+                                        <p:cTn id="47" dur="2000" fill="hold"/>
+                                        <p:tgtEl>
+                                          <p:spTgt spid="69"/>
+                                        </p:tgtEl>
+                                        <p:attrNameLst>
+                                          <p:attrName>ppt_x</p:attrName>
+                                          <p:attrName>ppt_y</p:attrName>
+                                        </p:attrNameLst>
+                                      </p:cBhvr>
+                                      <p:rCtr x="-3333" y="13919"/>
+                                    </p:animMotion>
+                                  </p:childTnLst>
+                                </p:cTn>
+                              </p:par>
+                            </p:childTnLst>
+                          </p:cTn>
+                        </p:par>
+                      </p:childTnLst>
+                    </p:cTn>
+                  </p:par>
+                  <p:par>
+                    <p:cTn id="48" fill="hold">
+                      <p:stCondLst>
+                        <p:cond delay="indefinite"/>
+                      </p:stCondLst>
+                      <p:childTnLst>
+                        <p:par>
+                          <p:cTn id="49" fill="hold">
+                            <p:stCondLst>
+                              <p:cond delay="0"/>
+                            </p:stCondLst>
+                            <p:childTnLst>
+                              <p:par>
+                                <p:cTn id="50" presetID="0" presetClass="path" presetSubtype="0" accel="50000" decel="50000" fill="hold" nodeType="clickEffect">
+                                  <p:stCondLst>
+                                    <p:cond delay="0"/>
+                                  </p:stCondLst>
+                                  <p:childTnLst>
+                                    <p:animMotion origin="layout" path="M -4.44444E-6 4.375E-6 L 0.05301 0.00195 C 0.06783 0.00572 0.08241 0.00716 0.0882 0.02213 C 0.09399 0.03737 0.08681 0.05247 0.08704 0.09218 C 0.08704 0.13203 0.08936 0.26106 0.08936 0.26132 " pathEditMode="relative" rAng="0" ptsTypes="AAAAA">
+                                      <p:cBhvr>
+                                        <p:cTn id="51" dur="2000" fill="hold"/>
+                                        <p:tgtEl>
+                                          <p:spTgt spid="73"/>
+                                        </p:tgtEl>
+                                        <p:attrNameLst>
+                                          <p:attrName>ppt_x</p:attrName>
+                                          <p:attrName>ppt_y</p:attrName>
+                                        </p:attrNameLst>
+                                      </p:cBhvr>
+                                      <p:rCtr x="4514" y="13060"/>
+                                    </p:animMotion>
+                                  </p:childTnLst>
+                                </p:cTn>
+                              </p:par>
+                            </p:childTnLst>
+                          </p:cTn>
+                        </p:par>
+                        <p:par>
+                          <p:cTn id="52" fill="hold">
+                            <p:stCondLst>
+                              <p:cond delay="2000"/>
+                            </p:stCondLst>
+                            <p:childTnLst>
+                              <p:par>
+                                <p:cTn id="53" presetID="19" presetClass="entr" presetSubtype="10" fill="hold" nodeType="afterEffect">
+                                  <p:stCondLst>
+                                    <p:cond delay="0"/>
+                                  </p:stCondLst>
+                                  <p:childTnLst>
+                                    <p:set>
+                                      <p:cBhvr>
+                                        <p:cTn id="54" dur="1" fill="hold">
+                                          <p:stCondLst>
+                                            <p:cond delay="0"/>
+                                          </p:stCondLst>
+                                        </p:cTn>
+                                        <p:tgtEl>
+                                          <p:spTgt spid="74"/>
+                                        </p:tgtEl>
+                                        <p:attrNameLst>
+                                          <p:attrName>style.visibility</p:attrName>
+                                        </p:attrNameLst>
+                                      </p:cBhvr>
+                                      <p:to>
+                                        <p:strVal val="visible"/>
+                                      </p:to>
+                                    </p:set>
+                                    <p:anim calcmode="lin" valueType="num">
+                                      <p:cBhvr>
+                                        <p:cTn id="55" dur="5000" fill="hold"/>
+                                        <p:tgtEl>
+                                          <p:spTgt spid="74"/>
+                                        </p:tgtEl>
+                                        <p:attrNameLst>
+                                          <p:attrName>ppt_w</p:attrName>
+                                        </p:attrNameLst>
+                                      </p:cBhvr>
+                                      <p:tavLst>
+                                        <p:tav tm="0" fmla="#ppt_w*sin(2.5*pi*$)">
+                                          <p:val>
+                                            <p:fltVal val="0"/>
+                                          </p:val>
+                                        </p:tav>
+                                        <p:tav tm="100000">
+                                          <p:val>
+                                            <p:fltVal val="1"/>
+                                          </p:val>
+                                        </p:tav>
+                                      </p:tavLst>
+                                    </p:anim>
+                                    <p:anim calcmode="lin" valueType="num">
+                                      <p:cBhvr>
+                                        <p:cTn id="56" dur="5000" fill="hold"/>
+                                        <p:tgtEl>
+                                          <p:spTgt spid="74"/>
+                                        </p:tgtEl>
+                                        <p:attrNameLst>
+                                          <p:attrName>ppt_h</p:attrName>
+                                        </p:attrNameLst>
+                                      </p:cBhvr>
+                                      <p:tavLst>
+                                        <p:tav tm="0">
+                                          <p:val>
+                                            <p:strVal val="#ppt_h"/>
+                                          </p:val>
+                                        </p:tav>
+                                        <p:tav tm="100000">
+                                          <p:val>
+                                            <p:strVal val="#ppt_h"/>
+                                          </p:val>
+                                        </p:tav>
+                                      </p:tavLst>
+                                    </p:anim>
+                                  </p:childTnLst>
+                                </p:cTn>
+                              </p:par>
+                            </p:childTnLst>
+                          </p:cTn>
+                        </p:par>
+                      </p:childTnLst>
+                    </p:cTn>
+                  </p:par>
+                  <p:par>
+                    <p:cTn id="57" fill="hold">
+                      <p:stCondLst>
+                        <p:cond delay="indefinite"/>
+                      </p:stCondLst>
+                      <p:childTnLst>
+                        <p:par>
+                          <p:cTn id="58" fill="hold">
+                            <p:stCondLst>
+                              <p:cond delay="0"/>
+                            </p:stCondLst>
+                            <p:childTnLst>
+                              <p:par>
+                                <p:cTn id="59" presetID="0" presetClass="path" presetSubtype="0" accel="50000" decel="50000" fill="hold" nodeType="clickEffect">
+                                  <p:stCondLst>
+                                    <p:cond delay="0"/>
+                                  </p:stCondLst>
+                                  <p:childTnLst>
+                                    <p:animMotion origin="layout" path="M -3.7037E-7 -1.66667E-6 L -3.7037E-7 0.00013 C -0.00648 -0.00078 -0.01273 -0.00208 -0.01921 -0.00234 C -0.0213 -0.00247 -0.03125 -0.00052 -0.03403 -1.66667E-6 C -0.03542 0.00235 -0.03912 0.00469 -0.03819 0.00716 C -0.0375 0.00912 -0.03727 0.0112 -0.03611 0.01302 C -0.03472 0.01498 -0.02824 0.01914 -0.02546 0.02018 C -0.02361 0.02097 -0.0213 0.02097 -0.01921 0.02136 C -0.01713 0.02266 -0.01528 0.02409 -0.01273 0.025 C -0.00926 0.0263 0.00463 0.02722 0.00625 0.02735 C 0.00903 0.02774 0.01181 0.02839 0.01482 0.02852 C 0.03171 0.0293 0.04861 0.0293 0.06551 0.02969 C 0.06829 0.03021 0.07222 0.02969 0.07407 0.03099 C 0.07523 0.0319 0.07338 0.0336 0.07176 0.03451 C 0.07037 0.03568 0.06782 0.0362 0.06551 0.03685 C 0.0625 0.03776 0.05347 0.03893 0.05069 0.03932 C 0.04375 0.03893 0.03657 0.0388 0.02963 0.03815 C 0.02384 0.0375 0.0125 0.03568 0.0125 0.03581 C 0.00579 0.0362 -0.00856 0.03685 -0.01481 0.03932 L -0.0213 0.04167 C -0.02315 0.04505 -0.0287 0.04987 -0.02338 0.05352 C -0.02199 0.05456 -0.01898 0.05417 -0.01713 0.05482 C -0.00903 0.05703 -0.01204 0.05807 -0.00231 0.05834 C 0.02037 0.05899 0.04306 0.05912 0.06551 0.05951 C 0.06412 0.06107 0.06343 0.06302 0.06134 0.06432 C 0.05972 0.06524 0.05718 0.06524 0.05486 0.0655 C 0.04931 0.06602 0.04375 0.06628 0.03796 0.06667 C 0.01852 0.07031 0.04051 0.06667 -0.00648 0.06667 C -0.01065 0.06667 -0.01481 0.06745 -0.01921 0.06784 C -0.01991 0.06901 -0.0213 0.07018 -0.0213 0.07149 C -0.0213 0.07266 -0.0206 0.07409 -0.01921 0.075 C -0.0162 0.07709 -0.01065 0.07774 -0.00648 0.07852 C -0.0044 0.07943 -0.00231 0.08034 -3.7037E-7 0.08099 C 0.00394 0.08203 0.0125 0.08334 0.0125 0.08347 C 0.02037 0.0862 0.01667 0.08503 0.02315 0.08698 L 0.02315 0.08711 " pathEditMode="relative" rAng="0" ptsTypes="AAAAAAAAAAAAAAAAAAAAAAAAAAAAAAAAAAAA">
+                                      <p:cBhvr>
+                                        <p:cTn id="60" dur="5000" fill="hold"/>
+                                        <p:tgtEl>
+                                          <p:spTgt spid="74"/>
+                                        </p:tgtEl>
+                                        <p:attrNameLst>
+                                          <p:attrName>ppt_x</p:attrName>
+                                          <p:attrName>ppt_y</p:attrName>
+                                        </p:attrNameLst>
+                                      </p:cBhvr>
+                                      <p:rCtr x="1782" y="4232"/>
+                                    </p:animMotion>
+                                  </p:childTnLst>
+                                </p:cTn>
+                              </p:par>
+                            </p:childTnLst>
+                          </p:cTn>
+                        </p:par>
+                        <p:par>
+                          <p:cTn id="61" fill="hold">
+                            <p:stCondLst>
+                              <p:cond delay="5000"/>
+                            </p:stCondLst>
+                            <p:childTnLst>
+                              <p:par>
+                                <p:cTn id="62" presetID="19" presetClass="entr" presetSubtype="10" fill="hold" nodeType="afterEffect">
+                                  <p:stCondLst>
+                                    <p:cond delay="0"/>
+                                  </p:stCondLst>
+                                  <p:childTnLst>
+                                    <p:set>
+                                      <p:cBhvr>
+                                        <p:cTn id="63" dur="1" fill="hold">
+                                          <p:stCondLst>
+                                            <p:cond delay="0"/>
+                                          </p:stCondLst>
+                                        </p:cTn>
+                                        <p:tgtEl>
+                                          <p:spTgt spid="76"/>
+                                        </p:tgtEl>
+                                        <p:attrNameLst>
+                                          <p:attrName>style.visibility</p:attrName>
+                                        </p:attrNameLst>
+                                      </p:cBhvr>
+                                      <p:to>
+                                        <p:strVal val="visible"/>
+                                      </p:to>
+                                    </p:set>
+                                    <p:anim calcmode="lin" valueType="num">
+                                      <p:cBhvr>
+                                        <p:cTn id="64" dur="5000" fill="hold"/>
+                                        <p:tgtEl>
+                                          <p:spTgt spid="76"/>
+                                        </p:tgtEl>
+                                        <p:attrNameLst>
+                                          <p:attrName>ppt_w</p:attrName>
+                                        </p:attrNameLst>
+                                      </p:cBhvr>
+                                      <p:tavLst>
+                                        <p:tav tm="0" fmla="#ppt_w*sin(2.5*pi*$)">
+                                          <p:val>
+                                            <p:fltVal val="0"/>
+                                          </p:val>
+                                        </p:tav>
+                                        <p:tav tm="100000">
+                                          <p:val>
+                                            <p:fltVal val="1"/>
+                                          </p:val>
+                                        </p:tav>
+                                      </p:tavLst>
+                                    </p:anim>
+                                    <p:anim calcmode="lin" valueType="num">
+                                      <p:cBhvr>
+                                        <p:cTn id="65" dur="5000" fill="hold"/>
+                                        <p:tgtEl>
+                                          <p:spTgt spid="76"/>
+                                        </p:tgtEl>
+                                        <p:attrNameLst>
+                                          <p:attrName>ppt_h</p:attrName>
+                                        </p:attrNameLst>
+                                      </p:cBhvr>
+                                      <p:tavLst>
+                                        <p:tav tm="0">
+                                          <p:val>
+                                            <p:strVal val="#ppt_h"/>
+                                          </p:val>
+                                        </p:tav>
+                                        <p:tav tm="100000">
+                                          <p:val>
+                                            <p:strVal val="#ppt_h"/>
+                                          </p:val>
+                                        </p:tav>
+                                      </p:tavLst>
+                                    </p:anim>
+                                  </p:childTnLst>
+                                </p:cTn>
+                              </p:par>
+                            </p:childTnLst>
+                          </p:cTn>
+                        </p:par>
+                      </p:childTnLst>
+                    </p:cTn>
+                  </p:par>
+                  <p:par>
+                    <p:cTn id="66" fill="hold">
+                      <p:stCondLst>
+                        <p:cond delay="indefinite"/>
+                      </p:stCondLst>
+                      <p:childTnLst>
+                        <p:par>
+                          <p:cTn id="67" fill="hold">
+                            <p:stCondLst>
+                              <p:cond delay="0"/>
+                            </p:stCondLst>
+                            <p:childTnLst>
+                              <p:par>
+                                <p:cTn id="68" presetID="55" presetClass="entr" presetSubtype="0" fill="hold" nodeType="clickEffect">
+                                  <p:stCondLst>
+                                    <p:cond delay="0"/>
+                                  </p:stCondLst>
+                                  <p:childTnLst>
+                                    <p:set>
+                                      <p:cBhvr>
+                                        <p:cTn id="69" dur="1" fill="hold">
+                                          <p:stCondLst>
+                                            <p:cond delay="0"/>
+                                          </p:stCondLst>
+                                        </p:cTn>
+                                        <p:tgtEl>
+                                          <p:spTgt spid="70"/>
+                                        </p:tgtEl>
+                                        <p:attrNameLst>
+                                          <p:attrName>style.visibility</p:attrName>
+                                        </p:attrNameLst>
+                                      </p:cBhvr>
+                                      <p:to>
+                                        <p:strVal val="visible"/>
+                                      </p:to>
+                                    </p:set>
+                                    <p:anim calcmode="lin" valueType="num">
+                                      <p:cBhvr>
+                                        <p:cTn id="70" dur="1000" fill="hold"/>
+                                        <p:tgtEl>
+                                          <p:spTgt spid="70"/>
+                                        </p:tgtEl>
+                                        <p:attrNameLst>
+                                          <p:attrName>ppt_w</p:attrName>
+                                        </p:attrNameLst>
+                                      </p:cBhvr>
+                                      <p:tavLst>
+                                        <p:tav tm="0">
+                                          <p:val>
+                                            <p:strVal val="#ppt_w*0.70"/>
+                                          </p:val>
+                                        </p:tav>
+                                        <p:tav tm="100000">
+                                          <p:val>
+                                            <p:strVal val="#ppt_w"/>
+                                          </p:val>
+                                        </p:tav>
+                                      </p:tavLst>
+                                    </p:anim>
+                                    <p:anim calcmode="lin" valueType="num">
+                                      <p:cBhvr>
+                                        <p:cTn id="71" dur="1000" fill="hold"/>
+                                        <p:tgtEl>
+                                          <p:spTgt spid="70"/>
+                                        </p:tgtEl>
+                                        <p:attrNameLst>
+                                          <p:attrName>ppt_h</p:attrName>
+                                        </p:attrNameLst>
+                                      </p:cBhvr>
+                                      <p:tavLst>
+                                        <p:tav tm="0">
+                                          <p:val>
+                                            <p:strVal val="#ppt_h"/>
+                                          </p:val>
+                                        </p:tav>
+                                        <p:tav tm="100000">
+                                          <p:val>
+                                            <p:strVal val="#ppt_h"/>
+                                          </p:val>
+                                        </p:tav>
+                                      </p:tavLst>
+                                    </p:anim>
+                                    <p:animEffect transition="in" filter="fade">
+                                      <p:cBhvr>
+                                        <p:cTn id="72" dur="1000"/>
+                                        <p:tgtEl>
+                                          <p:spTgt spid="70"/>
+                                        </p:tgtEl>
+                                      </p:cBhvr>
+                                    </p:animEffect>
+                                  </p:childTnLst>
+                                </p:cTn>
+                              </p:par>
+                            </p:childTnLst>
+                          </p:cTn>
+                        </p:par>
+                      </p:childTnLst>
+                    </p:cTn>
+                  </p:par>
+                  <p:par>
+                    <p:cTn id="73" fill="hold">
+                      <p:stCondLst>
+                        <p:cond delay="indefinite"/>
+                      </p:stCondLst>
+                      <p:childTnLst>
+                        <p:par>
+                          <p:cTn id="74" fill="hold">
+                            <p:stCondLst>
+                              <p:cond delay="0"/>
+                            </p:stCondLst>
+                            <p:childTnLst>
+                              <p:par>
+                                <p:cTn id="75" presetID="1" presetClass="entr" presetSubtype="0" fill="hold" grpId="0" nodeType="clickEffect">
+                                  <p:stCondLst>
+                                    <p:cond delay="0"/>
+                                  </p:stCondLst>
+                                  <p:childTnLst>
+                                    <p:set>
+                                      <p:cBhvr>
+                                        <p:cTn id="76" dur="1" fill="hold">
+                                          <p:stCondLst>
+                                            <p:cond delay="0"/>
+                                          </p:stCondLst>
+                                        </p:cTn>
+                                        <p:tgtEl>
+                                          <p:spTgt spid="53"/>
+                                        </p:tgtEl>
+                                        <p:attrNameLst>
+                                          <p:attrName>style.visibility</p:attrName>
+                                        </p:attrNameLst>
+                                      </p:cBhvr>
+                                      <p:to>
+                                        <p:strVal val="visible"/>
+                                      </p:to>
+                                    </p:set>
+                                  </p:childTnLst>
+                                </p:cTn>
+                              </p:par>
+                            </p:childTnLst>
+                          </p:cTn>
+                        </p:par>
+                      </p:childTnLst>
+                    </p:cTn>
+                  </p:par>
+                  <p:par>
+                    <p:cTn id="77" fill="hold">
+                      <p:stCondLst>
+                        <p:cond delay="indefinite"/>
+                      </p:stCondLst>
+                      <p:childTnLst>
+                        <p:par>
+                          <p:cTn id="78" fill="hold">
+                            <p:stCondLst>
+                              <p:cond delay="0"/>
+                            </p:stCondLst>
+                            <p:childTnLst>
+                              <p:par>
+                                <p:cTn id="79" presetID="53" presetClass="entr" presetSubtype="16" fill="hold" nodeType="clickEffect">
+                                  <p:stCondLst>
+                                    <p:cond delay="0"/>
+                                  </p:stCondLst>
+                                  <p:childTnLst>
+                                    <p:set>
+                                      <p:cBhvr>
+                                        <p:cTn id="80" dur="1" fill="hold">
+                                          <p:stCondLst>
+                                            <p:cond delay="0"/>
+                                          </p:stCondLst>
+                                        </p:cTn>
+                                        <p:tgtEl>
+                                          <p:spTgt spid="21"/>
+                                        </p:tgtEl>
+                                        <p:attrNameLst>
+                                          <p:attrName>style.visibility</p:attrName>
+                                        </p:attrNameLst>
+                                      </p:cBhvr>
+                                      <p:to>
+                                        <p:strVal val="visible"/>
+                                      </p:to>
+                                    </p:set>
+                                    <p:anim calcmode="lin" valueType="num">
+                                      <p:cBhvr>
+                                        <p:cTn id="81" dur="500" fill="hold"/>
+                                        <p:tgtEl>
+                                          <p:spTgt spid="21"/>
+                                        </p:tgtEl>
+                                        <p:attrNameLst>
+                                          <p:attrName>ppt_w</p:attrName>
+                                        </p:attrNameLst>
+                                      </p:cBhvr>
+                                      <p:tavLst>
+                                        <p:tav tm="0">
+                                          <p:val>
+                                            <p:fltVal val="0"/>
+                                          </p:val>
+                                        </p:tav>
+                                        <p:tav tm="100000">
+                                          <p:val>
+                                            <p:strVal val="#ppt_w"/>
+                                          </p:val>
+                                        </p:tav>
+                                      </p:tavLst>
+                                    </p:anim>
+                                    <p:anim calcmode="lin" valueType="num">
+                                      <p:cBhvr>
+                                        <p:cTn id="82" dur="500" fill="hold"/>
+                                        <p:tgtEl>
+                                          <p:spTgt spid="21"/>
+                                        </p:tgtEl>
+                                        <p:attrNameLst>
+                                          <p:attrName>ppt_h</p:attrName>
+                                        </p:attrNameLst>
+                                      </p:cBhvr>
+                                      <p:tavLst>
+                                        <p:tav tm="0">
+                                          <p:val>
+                                            <p:fltVal val="0"/>
+                                          </p:val>
+                                        </p:tav>
+                                        <p:tav tm="100000">
+                                          <p:val>
+                                            <p:strVal val="#ppt_h"/>
+                                          </p:val>
+                                        </p:tav>
+                                      </p:tavLst>
+                                    </p:anim>
+                                    <p:animEffect transition="in" filter="fade">
+                                      <p:cBhvr>
+                                        <p:cTn id="83" dur="500"/>
+                                        <p:tgtEl>
+                                          <p:spTgt spid="21"/>
+                                        </p:tgtEl>
+                                      </p:cBhvr>
+                                    </p:animEffect>
+                                  </p:childTnLst>
+                                </p:cTn>
+                              </p:par>
+                            </p:childTnLst>
+                          </p:cTn>
+                        </p:par>
+                      </p:childTnLst>
+                    </p:cTn>
+                  </p:par>
+                  <p:par>
+                    <p:cTn id="84" fill="hold">
+                      <p:stCondLst>
+                        <p:cond delay="indefinite"/>
+                      </p:stCondLst>
+                      <p:childTnLst>
+                        <p:par>
+                          <p:cTn id="85" fill="hold">
+                            <p:stCondLst>
+                              <p:cond delay="0"/>
+                            </p:stCondLst>
+                            <p:childTnLst>
+                              <p:par>
+                                <p:cTn id="86" presetID="42" presetClass="path" presetSubtype="0" accel="50000" decel="50000" fill="hold" nodeType="clickEffect">
+                                  <p:stCondLst>
+                                    <p:cond delay="0"/>
+                                  </p:stCondLst>
+                                  <p:childTnLst>
+                                    <p:animMotion origin="layout" path="M -7.40741E-7 1.25E-6 L -0.00208 0.31198 " pathEditMode="relative" rAng="0" ptsTypes="AA">
+                                      <p:cBhvr>
+                                        <p:cTn id="87" dur="2000" fill="hold"/>
+                                        <p:tgtEl>
+                                          <p:spTgt spid="76"/>
+                                        </p:tgtEl>
+                                        <p:attrNameLst>
+                                          <p:attrName>ppt_x</p:attrName>
+                                          <p:attrName>ppt_y</p:attrName>
+                                        </p:attrNameLst>
+                                      </p:cBhvr>
+                                      <p:rCtr x="-116" y="15599"/>
+                                    </p:animMotion>
+                                  </p:childTnLst>
+                                </p:cTn>
+                              </p:par>
+                            </p:childTnLst>
+                          </p:cTn>
+                        </p:par>
+                      </p:childTnLst>
+                    </p:cTn>
+                  </p:par>
+                  <p:par>
+                    <p:cTn id="88" fill="hold">
+                      <p:stCondLst>
+                        <p:cond delay="indefinite"/>
+                      </p:stCondLst>
+                      <p:childTnLst>
+                        <p:par>
+                          <p:cTn id="89" fill="hold">
+                            <p:stCondLst>
+                              <p:cond delay="0"/>
+                            </p:stCondLst>
+                            <p:childTnLst>
+                              <p:par>
+                                <p:cTn id="90" presetID="9" presetClass="exit" presetSubtype="0" fill="hold" nodeType="clickEffect">
+                                  <p:stCondLst>
+                                    <p:cond delay="0"/>
+                                  </p:stCondLst>
+                                  <p:childTnLst>
+                                    <p:animEffect transition="out" filter="dissolve">
+                                      <p:cBhvr>
+                                        <p:cTn id="91" dur="500"/>
+                                        <p:tgtEl>
+                                          <p:spTgt spid="24"/>
+                                        </p:tgtEl>
+                                      </p:cBhvr>
+                                    </p:animEffect>
+                                    <p:set>
+                                      <p:cBhvr>
+                                        <p:cTn id="92" dur="1" fill="hold">
+                                          <p:stCondLst>
+                                            <p:cond delay="499"/>
+                                          </p:stCondLst>
+                                        </p:cTn>
+                                        <p:tgtEl>
+                                          <p:spTgt spid="24"/>
+                                        </p:tgtEl>
+                                        <p:attrNameLst>
+                                          <p:attrName>style.visibility</p:attrName>
+                                        </p:attrNameLst>
+                                      </p:cBhvr>
+                                      <p:to>
+                                        <p:strVal val="hidden"/>
+                                      </p:to>
+                                    </p:set>
+                                  </p:childTnLst>
+                                </p:cTn>
+                              </p:par>
+                              <p:par>
+                                <p:cTn id="93" presetID="9" presetClass="exit" presetSubtype="0" fill="hold" nodeType="withEffect">
+                                  <p:stCondLst>
+                                    <p:cond delay="0"/>
+                                  </p:stCondLst>
+                                  <p:childTnLst>
+                                    <p:animEffect transition="out" filter="dissolve">
+                                      <p:cBhvr>
+                                        <p:cTn id="94" dur="500"/>
+                                        <p:tgtEl>
+                                          <p:spTgt spid="74"/>
+                                        </p:tgtEl>
+                                      </p:cBhvr>
+                                    </p:animEffect>
+                                    <p:set>
+                                      <p:cBhvr>
+                                        <p:cTn id="95" dur="1" fill="hold">
+                                          <p:stCondLst>
+                                            <p:cond delay="499"/>
+                                          </p:stCondLst>
+                                        </p:cTn>
+                                        <p:tgtEl>
+                                          <p:spTgt spid="74"/>
+                                        </p:tgtEl>
+                                        <p:attrNameLst>
+                                          <p:attrName>style.visibility</p:attrName>
+                                        </p:attrNameLst>
+                                      </p:cBhvr>
+                                      <p:to>
+                                        <p:strVal val="hidden"/>
+                                      </p:to>
+                                    </p:set>
+                                  </p:childTnLst>
+                                </p:cTn>
+                              </p:par>
+                              <p:par>
+                                <p:cTn id="96" presetID="9" presetClass="exit" presetSubtype="0" fill="hold" nodeType="withEffect">
+                                  <p:stCondLst>
+                                    <p:cond delay="0"/>
+                                  </p:stCondLst>
+                                  <p:childTnLst>
+                                    <p:animEffect transition="out" filter="dissolve">
+                                      <p:cBhvr>
+                                        <p:cTn id="97" dur="500"/>
+                                        <p:tgtEl>
+                                          <p:spTgt spid="76"/>
+                                        </p:tgtEl>
+                                      </p:cBhvr>
+                                    </p:animEffect>
+                                    <p:set>
+                                      <p:cBhvr>
+                                        <p:cTn id="98" dur="1" fill="hold">
+                                          <p:stCondLst>
+                                            <p:cond delay="499"/>
+                                          </p:stCondLst>
+                                        </p:cTn>
+                                        <p:tgtEl>
+                                          <p:spTgt spid="76"/>
+                                        </p:tgtEl>
+                                        <p:attrNameLst>
+                                          <p:attrName>style.visibility</p:attrName>
+                                        </p:attrNameLst>
+                                      </p:cBhvr>
+                                      <p:to>
+                                        <p:strVal val="hidden"/>
+                                      </p:to>
+                                    </p:set>
+                                  </p:childTnLst>
+                                </p:cTn>
+                              </p:par>
+                              <p:par>
+                                <p:cTn id="99" presetID="9" presetClass="exit" presetSubtype="0" fill="hold" nodeType="withEffect">
+                                  <p:stCondLst>
+                                    <p:cond delay="0"/>
+                                  </p:stCondLst>
+                                  <p:childTnLst>
+                                    <p:animEffect transition="out" filter="dissolve">
+                                      <p:cBhvr>
+                                        <p:cTn id="100" dur="500"/>
+                                        <p:tgtEl>
+                                          <p:spTgt spid="70"/>
+                                        </p:tgtEl>
+                                      </p:cBhvr>
+                                    </p:animEffect>
+                                    <p:set>
+                                      <p:cBhvr>
+                                        <p:cTn id="101" dur="1" fill="hold">
+                                          <p:stCondLst>
+                                            <p:cond delay="499"/>
+                                          </p:stCondLst>
+                                        </p:cTn>
+                                        <p:tgtEl>
+                                          <p:spTgt spid="70"/>
+                                        </p:tgtEl>
+                                        <p:attrNameLst>
+                                          <p:attrName>style.visibility</p:attrName>
+                                        </p:attrNameLst>
+                                      </p:cBhvr>
+                                      <p:to>
+                                        <p:strVal val="hidden"/>
+                                      </p:to>
+                                    </p:set>
+                                  </p:childTnLst>
+                                </p:cTn>
+                              </p:par>
+                              <p:par>
+                                <p:cTn id="102" presetID="9" presetClass="exit" presetSubtype="0" fill="hold" nodeType="withEffect">
+                                  <p:stCondLst>
+                                    <p:cond delay="0"/>
+                                  </p:stCondLst>
+                                  <p:childTnLst>
+                                    <p:animEffect transition="out" filter="dissolve">
+                                      <p:cBhvr>
+                                        <p:cTn id="103" dur="500"/>
+                                        <p:tgtEl>
+                                          <p:spTgt spid="21"/>
+                                        </p:tgtEl>
+                                      </p:cBhvr>
+                                    </p:animEffect>
+                                    <p:set>
+                                      <p:cBhvr>
+                                        <p:cTn id="104" dur="1" fill="hold">
+                                          <p:stCondLst>
+                                            <p:cond delay="499"/>
+                                          </p:stCondLst>
+                                        </p:cTn>
+                                        <p:tgtEl>
+                                          <p:spTgt spid="21"/>
+                                        </p:tgtEl>
+                                        <p:attrNameLst>
+                                          <p:attrName>style.visibility</p:attrName>
+                                        </p:attrNameLst>
+                                      </p:cBhvr>
+                                      <p:to>
+                                        <p:strVal val="hidden"/>
+                                      </p:to>
+                                    </p:set>
+                                  </p:childTnLst>
+                                </p:cTn>
+                              </p:par>
+                              <p:par>
+                                <p:cTn id="105" presetID="9" presetClass="exit" presetSubtype="0" fill="hold" nodeType="withEffect">
+                                  <p:stCondLst>
+                                    <p:cond delay="0"/>
+                                  </p:stCondLst>
+                                  <p:childTnLst>
+                                    <p:animEffect transition="out" filter="dissolve">
+                                      <p:cBhvr>
+                                        <p:cTn id="106" dur="500"/>
+                                        <p:tgtEl>
+                                          <p:spTgt spid="39"/>
+                                        </p:tgtEl>
+                                      </p:cBhvr>
+                                    </p:animEffect>
+                                    <p:set>
+                                      <p:cBhvr>
+                                        <p:cTn id="107" dur="1" fill="hold">
+                                          <p:stCondLst>
+                                            <p:cond delay="499"/>
+                                          </p:stCondLst>
+                                        </p:cTn>
+                                        <p:tgtEl>
+                                          <p:spTgt spid="39"/>
+                                        </p:tgtEl>
+                                        <p:attrNameLst>
+                                          <p:attrName>style.visibility</p:attrName>
+                                        </p:attrNameLst>
+                                      </p:cBhvr>
+                                      <p:to>
+                                        <p:strVal val="hidden"/>
+                                      </p:to>
+                                    </p:set>
+                                  </p:childTnLst>
+                                </p:cTn>
+                              </p:par>
+                              <p:par>
+                                <p:cTn id="108" presetID="9" presetClass="exit" presetSubtype="0" fill="hold" nodeType="withEffect">
+                                  <p:stCondLst>
+                                    <p:cond delay="0"/>
+                                  </p:stCondLst>
+                                  <p:childTnLst>
+                                    <p:animEffect transition="out" filter="dissolve">
+                                      <p:cBhvr>
+                                        <p:cTn id="109" dur="500"/>
+                                        <p:tgtEl>
+                                          <p:spTgt spid="69"/>
+                                        </p:tgtEl>
+                                      </p:cBhvr>
+                                    </p:animEffect>
+                                    <p:set>
+                                      <p:cBhvr>
+                                        <p:cTn id="110" dur="1" fill="hold">
+                                          <p:stCondLst>
+                                            <p:cond delay="499"/>
+                                          </p:stCondLst>
+                                        </p:cTn>
+                                        <p:tgtEl>
+                                          <p:spTgt spid="69"/>
+                                        </p:tgtEl>
+                                        <p:attrNameLst>
+                                          <p:attrName>style.visibility</p:attrName>
+                                        </p:attrNameLst>
+                                      </p:cBhvr>
+                                      <p:to>
+                                        <p:strVal val="hidden"/>
+                                      </p:to>
+                                    </p:set>
+                                  </p:childTnLst>
+                                </p:cTn>
+                              </p:par>
+                              <p:par>
+                                <p:cTn id="111" presetID="9" presetClass="exit" presetSubtype="0" fill="hold" nodeType="withEffect">
+                                  <p:stCondLst>
+                                    <p:cond delay="0"/>
+                                  </p:stCondLst>
+                                  <p:childTnLst>
+                                    <p:animEffect transition="out" filter="dissolve">
+                                      <p:cBhvr>
+                                        <p:cTn id="112" dur="500"/>
+                                        <p:tgtEl>
+                                          <p:spTgt spid="73"/>
+                                        </p:tgtEl>
+                                      </p:cBhvr>
+                                    </p:animEffect>
+                                    <p:set>
+                                      <p:cBhvr>
+                                        <p:cTn id="113" dur="1" fill="hold">
+                                          <p:stCondLst>
+                                            <p:cond delay="499"/>
+                                          </p:stCondLst>
+                                        </p:cTn>
+                                        <p:tgtEl>
+                                          <p:spTgt spid="73"/>
+                                        </p:tgtEl>
+                                        <p:attrNameLst>
+                                          <p:attrName>style.visibility</p:attrName>
+                                        </p:attrNameLst>
+                                      </p:cBhvr>
+                                      <p:to>
+                                        <p:strVal val="hidden"/>
+                                      </p:to>
+                                    </p:set>
+                                  </p:childTnLst>
+                                </p:cTn>
+                              </p:par>
+                              <p:par>
+                                <p:cTn id="114" presetID="9" presetClass="exit" presetSubtype="0" fill="hold" nodeType="withEffect">
+                                  <p:stCondLst>
+                                    <p:cond delay="0"/>
+                                  </p:stCondLst>
+                                  <p:childTnLst>
+                                    <p:animEffect transition="out" filter="dissolve">
+                                      <p:cBhvr>
+                                        <p:cTn id="115" dur="500"/>
+                                        <p:tgtEl>
+                                          <p:spTgt spid="13"/>
+                                        </p:tgtEl>
+                                      </p:cBhvr>
+                                    </p:animEffect>
+                                    <p:set>
+                                      <p:cBhvr>
+                                        <p:cTn id="116" dur="1" fill="hold">
+                                          <p:stCondLst>
+                                            <p:cond delay="499"/>
+                                          </p:stCondLst>
+                                        </p:cTn>
+                                        <p:tgtEl>
+                                          <p:spTgt spid="13"/>
+                                        </p:tgtEl>
+                                        <p:attrNameLst>
+                                          <p:attrName>style.visibility</p:attrName>
+                                        </p:attrNameLst>
+                                      </p:cBhvr>
+                                      <p:to>
+                                        <p:strVal val="hidden"/>
+                                      </p:to>
+                                    </p:set>
+                                  </p:childTnLst>
+                                </p:cTn>
+                              </p:par>
+                              <p:par>
+                                <p:cTn id="117" presetID="9" presetClass="exit" presetSubtype="0" fill="hold" nodeType="withEffect">
+                                  <p:stCondLst>
+                                    <p:cond delay="0"/>
+                                  </p:stCondLst>
+                                  <p:childTnLst>
+                                    <p:animEffect transition="out" filter="dissolve">
+                                      <p:cBhvr>
+                                        <p:cTn id="118" dur="500"/>
+                                        <p:tgtEl>
+                                          <p:spTgt spid="40"/>
+                                        </p:tgtEl>
+                                      </p:cBhvr>
+                                    </p:animEffect>
+                                    <p:set>
+                                      <p:cBhvr>
+                                        <p:cTn id="119" dur="1" fill="hold">
+                                          <p:stCondLst>
+                                            <p:cond delay="499"/>
+                                          </p:stCondLst>
+                                        </p:cTn>
+                                        <p:tgtEl>
+                                          <p:spTgt spid="40"/>
+                                        </p:tgtEl>
+                                        <p:attrNameLst>
+                                          <p:attrName>style.visibility</p:attrName>
+                                        </p:attrNameLst>
+                                      </p:cBhvr>
+                                      <p:to>
+                                        <p:strVal val="hidden"/>
+                                      </p:to>
+                                    </p:set>
+                                  </p:childTnLst>
+                                </p:cTn>
+                              </p:par>
+                              <p:par>
+                                <p:cTn id="120" presetID="9" presetClass="exit" presetSubtype="0" fill="hold" nodeType="withEffect">
+                                  <p:stCondLst>
+                                    <p:cond delay="0"/>
+                                  </p:stCondLst>
+                                  <p:childTnLst>
+                                    <p:animEffect transition="out" filter="dissolve">
+                                      <p:cBhvr>
+                                        <p:cTn id="121" dur="500"/>
+                                        <p:tgtEl>
+                                          <p:spTgt spid="38"/>
+                                        </p:tgtEl>
+                                      </p:cBhvr>
+                                    </p:animEffect>
+                                    <p:set>
+                                      <p:cBhvr>
+                                        <p:cTn id="122" dur="1" fill="hold">
+                                          <p:stCondLst>
+                                            <p:cond delay="499"/>
+                                          </p:stCondLst>
+                                        </p:cTn>
+                                        <p:tgtEl>
+                                          <p:spTgt spid="38"/>
+                                        </p:tgtEl>
+                                        <p:attrNameLst>
+                                          <p:attrName>style.visibility</p:attrName>
+                                        </p:attrNameLst>
+                                      </p:cBhvr>
+                                      <p:to>
+                                        <p:strVal val="hidden"/>
+                                      </p:to>
+                                    </p:set>
+                                  </p:childTnLst>
+                                </p:cTn>
+                              </p:par>
+                              <p:par>
+                                <p:cTn id="123" presetID="9" presetClass="exit" presetSubtype="0" fill="hold" grpId="1" nodeType="withEffect">
+                                  <p:stCondLst>
+                                    <p:cond delay="0"/>
+                                  </p:stCondLst>
+                                  <p:childTnLst>
+                                    <p:animEffect transition="out" filter="dissolve">
+                                      <p:cBhvr>
+                                        <p:cTn id="124" dur="500"/>
+                                        <p:tgtEl>
+                                          <p:spTgt spid="53"/>
+                                        </p:tgtEl>
+                                      </p:cBhvr>
+                                    </p:animEffect>
+                                    <p:set>
+                                      <p:cBhvr>
+                                        <p:cTn id="125" dur="1" fill="hold">
+                                          <p:stCondLst>
+                                            <p:cond delay="499"/>
+                                          </p:stCondLst>
+                                        </p:cTn>
+                                        <p:tgtEl>
+                                          <p:spTgt spid="53"/>
+                                        </p:tgtEl>
+                                        <p:attrNameLst>
+                                          <p:attrName>style.visibility</p:attrName>
+                                        </p:attrNameLst>
+                                      </p:cBhvr>
+                                      <p:to>
+                                        <p:strVal val="hidden"/>
+                                      </p:to>
+                                    </p:set>
+                                  </p:childTnLst>
+                                </p:cTn>
+                              </p:par>
+                              <p:par>
+                                <p:cTn id="126" presetID="9" presetClass="exit" presetSubtype="0" fill="hold" grpId="0" nodeType="withEffect">
+                                  <p:stCondLst>
+                                    <p:cond delay="0"/>
+                                  </p:stCondLst>
+                                  <p:childTnLst>
+                                    <p:animEffect transition="out" filter="dissolve">
+                                      <p:cBhvr>
+                                        <p:cTn id="127" dur="500"/>
+                                        <p:tgtEl>
+                                          <p:spTgt spid="51"/>
+                                        </p:tgtEl>
+                                      </p:cBhvr>
+                                    </p:animEffect>
+                                    <p:set>
+                                      <p:cBhvr>
+                                        <p:cTn id="128" dur="1" fill="hold">
+                                          <p:stCondLst>
+                                            <p:cond delay="499"/>
+                                          </p:stCondLst>
+                                        </p:cTn>
+                                        <p:tgtEl>
+                                          <p:spTgt spid="51"/>
+                                        </p:tgtEl>
+                                        <p:attrNameLst>
+                                          <p:attrName>style.visibility</p:attrName>
+                                        </p:attrNameLst>
+                                      </p:cBhvr>
+                                      <p:to>
+                                        <p:strVal val="hidden"/>
+                                      </p:to>
+                                    </p:set>
+                                  </p:childTnLst>
+                                </p:cTn>
+                              </p:par>
+                              <p:par>
+                                <p:cTn id="129" presetID="9" presetClass="exit" presetSubtype="0" fill="hold" grpId="2" nodeType="withEffect">
+                                  <p:stCondLst>
+                                    <p:cond delay="0"/>
+                                  </p:stCondLst>
+                                  <p:childTnLst>
+                                    <p:animEffect transition="out" filter="dissolve">
+                                      <p:cBhvr>
+                                        <p:cTn id="130" dur="500"/>
+                                        <p:tgtEl>
+                                          <p:spTgt spid="51"/>
+                                        </p:tgtEl>
+                                      </p:cBhvr>
+                                    </p:animEffect>
+                                    <p:set>
+                                      <p:cBhvr>
+                                        <p:cTn id="131" dur="1" fill="hold">
+                                          <p:stCondLst>
+                                            <p:cond delay="499"/>
+                                          </p:stCondLst>
+                                        </p:cTn>
+                                        <p:tgtEl>
+                                          <p:spTgt spid="51"/>
+                                        </p:tgtEl>
+                                        <p:attrNameLst>
+                                          <p:attrName>style.visibility</p:attrName>
+                                        </p:attrNameLst>
+                                      </p:cBhvr>
+                                      <p:to>
+                                        <p:strVal val="hidden"/>
+                                      </p:to>
+                                    </p:set>
+                                  </p:childTnLst>
+                                </p:cTn>
+                              </p:par>
+                            </p:childTnLst>
+                          </p:cTn>
+                        </p:par>
+                      </p:childTnLst>
+                    </p:cTn>
+                  </p:par>
+                  <p:par>
+                    <p:cTn id="132" fill="hold">
+                      <p:stCondLst>
+                        <p:cond delay="indefinite"/>
+                      </p:stCondLst>
+                      <p:childTnLst>
+                        <p:par>
+                          <p:cTn id="133" fill="hold">
+                            <p:stCondLst>
+                              <p:cond delay="0"/>
+                            </p:stCondLst>
+                            <p:childTnLst>
+                              <p:par>
+                                <p:cTn id="134" presetID="53" presetClass="entr" presetSubtype="16" fill="hold" nodeType="clickEffect">
+                                  <p:stCondLst>
+                                    <p:cond delay="0"/>
+                                  </p:stCondLst>
+                                  <p:childTnLst>
+                                    <p:set>
+                                      <p:cBhvr>
+                                        <p:cTn id="135" dur="1" fill="hold">
+                                          <p:stCondLst>
+                                            <p:cond delay="0"/>
+                                          </p:stCondLst>
+                                        </p:cTn>
+                                        <p:tgtEl>
+                                          <p:spTgt spid="25"/>
+                                        </p:tgtEl>
+                                        <p:attrNameLst>
+                                          <p:attrName>style.visibility</p:attrName>
+                                        </p:attrNameLst>
+                                      </p:cBhvr>
+                                      <p:to>
+                                        <p:strVal val="visible"/>
+                                      </p:to>
+                                    </p:set>
+                                    <p:anim calcmode="lin" valueType="num">
+                                      <p:cBhvr>
+                                        <p:cTn id="136" dur="500" fill="hold"/>
+                                        <p:tgtEl>
+                                          <p:spTgt spid="25"/>
+                                        </p:tgtEl>
+                                        <p:attrNameLst>
+                                          <p:attrName>ppt_w</p:attrName>
+                                        </p:attrNameLst>
+                                      </p:cBhvr>
+                                      <p:tavLst>
+                                        <p:tav tm="0">
+                                          <p:val>
+                                            <p:fltVal val="0"/>
+                                          </p:val>
+                                        </p:tav>
+                                        <p:tav tm="100000">
+                                          <p:val>
+                                            <p:strVal val="#ppt_w"/>
+                                          </p:val>
+                                        </p:tav>
+                                      </p:tavLst>
+                                    </p:anim>
+                                    <p:anim calcmode="lin" valueType="num">
+                                      <p:cBhvr>
+                                        <p:cTn id="137" dur="500" fill="hold"/>
+                                        <p:tgtEl>
+                                          <p:spTgt spid="25"/>
+                                        </p:tgtEl>
+                                        <p:attrNameLst>
+                                          <p:attrName>ppt_h</p:attrName>
+                                        </p:attrNameLst>
+                                      </p:cBhvr>
+                                      <p:tavLst>
+                                        <p:tav tm="0">
+                                          <p:val>
+                                            <p:fltVal val="0"/>
+                                          </p:val>
+                                        </p:tav>
+                                        <p:tav tm="100000">
+                                          <p:val>
+                                            <p:strVal val="#ppt_h"/>
+                                          </p:val>
+                                        </p:tav>
+                                      </p:tavLst>
+                                    </p:anim>
+                                    <p:animEffect transition="in" filter="fade">
+                                      <p:cBhvr>
+                                        <p:cTn id="138" dur="500"/>
+                                        <p:tgtEl>
+                                          <p:spTgt spid="25"/>
+                                        </p:tgtEl>
+                                      </p:cBhvr>
+                                    </p:animEffect>
+                                  </p:childTnLst>
+                                </p:cTn>
+                              </p:par>
+                            </p:childTnLst>
+                          </p:cTn>
+                        </p:par>
+                      </p:childTnLst>
+                    </p:cTn>
+                  </p:par>
+                  <p:par>
+                    <p:cTn id="139" fill="hold">
+                      <p:stCondLst>
+                        <p:cond delay="indefinite"/>
+                      </p:stCondLst>
+                      <p:childTnLst>
+                        <p:par>
+                          <p:cTn id="140" fill="hold">
+                            <p:stCondLst>
+                              <p:cond delay="0"/>
+                            </p:stCondLst>
+                            <p:childTnLst>
+                              <p:par>
+                                <p:cTn id="141" presetID="19" presetClass="entr" presetSubtype="10" fill="hold" nodeType="clickEffect">
+                                  <p:stCondLst>
+                                    <p:cond delay="0"/>
+                                  </p:stCondLst>
+                                  <p:childTnLst>
+                                    <p:set>
+                                      <p:cBhvr>
+                                        <p:cTn id="142" dur="1" fill="hold">
+                                          <p:stCondLst>
+                                            <p:cond delay="0"/>
+                                          </p:stCondLst>
+                                        </p:cTn>
+                                        <p:tgtEl>
+                                          <p:spTgt spid="82"/>
+                                        </p:tgtEl>
+                                        <p:attrNameLst>
+                                          <p:attrName>style.visibility</p:attrName>
+                                        </p:attrNameLst>
+                                      </p:cBhvr>
+                                      <p:to>
+                                        <p:strVal val="visible"/>
+                                      </p:to>
+                                    </p:set>
+                                    <p:anim calcmode="lin" valueType="num">
+                                      <p:cBhvr>
+                                        <p:cTn id="143" dur="5000" fill="hold"/>
+                                        <p:tgtEl>
+                                          <p:spTgt spid="82"/>
+                                        </p:tgtEl>
+                                        <p:attrNameLst>
+                                          <p:attrName>ppt_w</p:attrName>
+                                        </p:attrNameLst>
+                                      </p:cBhvr>
+                                      <p:tavLst>
+                                        <p:tav tm="0" fmla="#ppt_w*sin(2.5*pi*$)">
+                                          <p:val>
+                                            <p:fltVal val="0"/>
+                                          </p:val>
+                                        </p:tav>
+                                        <p:tav tm="100000">
+                                          <p:val>
+                                            <p:fltVal val="1"/>
+                                          </p:val>
+                                        </p:tav>
+                                      </p:tavLst>
+                                    </p:anim>
+                                    <p:anim calcmode="lin" valueType="num">
+                                      <p:cBhvr>
+                                        <p:cTn id="144" dur="5000" fill="hold"/>
+                                        <p:tgtEl>
+                                          <p:spTgt spid="82"/>
+                                        </p:tgtEl>
+                                        <p:attrNameLst>
+                                          <p:attrName>ppt_h</p:attrName>
+                                        </p:attrNameLst>
+                                      </p:cBhvr>
+                                      <p:tavLst>
+                                        <p:tav tm="0">
+                                          <p:val>
+                                            <p:strVal val="#ppt_h"/>
+                                          </p:val>
+                                        </p:tav>
+                                        <p:tav tm="100000">
+                                          <p:val>
+                                            <p:strVal val="#ppt_h"/>
+                                          </p:val>
+                                        </p:tav>
+                                      </p:tavLst>
+                                    </p:anim>
+                                  </p:childTnLst>
+                                </p:cTn>
+                              </p:par>
+                              <p:par>
+                                <p:cTn id="145" presetID="19" presetClass="entr" presetSubtype="10" fill="hold" nodeType="withEffect">
+                                  <p:stCondLst>
+                                    <p:cond delay="0"/>
+                                  </p:stCondLst>
+                                  <p:childTnLst>
+                                    <p:set>
+                                      <p:cBhvr>
+                                        <p:cTn id="146" dur="1" fill="hold">
+                                          <p:stCondLst>
+                                            <p:cond delay="0"/>
+                                          </p:stCondLst>
+                                        </p:cTn>
+                                        <p:tgtEl>
+                                          <p:spTgt spid="77"/>
+                                        </p:tgtEl>
+                                        <p:attrNameLst>
+                                          <p:attrName>style.visibility</p:attrName>
+                                        </p:attrNameLst>
+                                      </p:cBhvr>
+                                      <p:to>
+                                        <p:strVal val="visible"/>
+                                      </p:to>
+                                    </p:set>
+                                    <p:anim calcmode="lin" valueType="num">
+                                      <p:cBhvr>
+                                        <p:cTn id="147" dur="5000" fill="hold"/>
+                                        <p:tgtEl>
+                                          <p:spTgt spid="77"/>
+                                        </p:tgtEl>
+                                        <p:attrNameLst>
+                                          <p:attrName>ppt_w</p:attrName>
+                                        </p:attrNameLst>
+                                      </p:cBhvr>
+                                      <p:tavLst>
+                                        <p:tav tm="0" fmla="#ppt_w*sin(2.5*pi*$)">
+                                          <p:val>
+                                            <p:fltVal val="0"/>
+                                          </p:val>
+                                        </p:tav>
+                                        <p:tav tm="100000">
+                                          <p:val>
+                                            <p:fltVal val="1"/>
+                                          </p:val>
+                                        </p:tav>
+                                      </p:tavLst>
+                                    </p:anim>
+                                    <p:anim calcmode="lin" valueType="num">
+                                      <p:cBhvr>
+                                        <p:cTn id="148" dur="5000" fill="hold"/>
+                                        <p:tgtEl>
+                                          <p:spTgt spid="77"/>
+                                        </p:tgtEl>
+                                        <p:attrNameLst>
+                                          <p:attrName>ppt_h</p:attrName>
+                                        </p:attrNameLst>
+                                      </p:cBhvr>
+                                      <p:tavLst>
+                                        <p:tav tm="0">
+                                          <p:val>
+                                            <p:strVal val="#ppt_h"/>
+                                          </p:val>
+                                        </p:tav>
+                                        <p:tav tm="100000">
+                                          <p:val>
+                                            <p:strVal val="#ppt_h"/>
+                                          </p:val>
+                                        </p:tav>
+                                      </p:tavLst>
+                                    </p:anim>
+                                  </p:childTnLst>
+                                </p:cTn>
+                              </p:par>
+                              <p:par>
+                                <p:cTn id="149" presetID="19" presetClass="entr" presetSubtype="10" fill="hold" nodeType="withEffect">
+                                  <p:stCondLst>
+                                    <p:cond delay="0"/>
+                                  </p:stCondLst>
+                                  <p:childTnLst>
+                                    <p:set>
+                                      <p:cBhvr>
+                                        <p:cTn id="150" dur="1" fill="hold">
+                                          <p:stCondLst>
+                                            <p:cond delay="0"/>
+                                          </p:stCondLst>
+                                        </p:cTn>
+                                        <p:tgtEl>
+                                          <p:spTgt spid="80"/>
+                                        </p:tgtEl>
+                                        <p:attrNameLst>
+                                          <p:attrName>style.visibility</p:attrName>
+                                        </p:attrNameLst>
+                                      </p:cBhvr>
+                                      <p:to>
+                                        <p:strVal val="visible"/>
+                                      </p:to>
+                                    </p:set>
+                                    <p:anim calcmode="lin" valueType="num">
+                                      <p:cBhvr>
+                                        <p:cTn id="151" dur="5000" fill="hold"/>
+                                        <p:tgtEl>
+                                          <p:spTgt spid="80"/>
+                                        </p:tgtEl>
+                                        <p:attrNameLst>
+                                          <p:attrName>ppt_w</p:attrName>
+                                        </p:attrNameLst>
+                                      </p:cBhvr>
+                                      <p:tavLst>
+                                        <p:tav tm="0" fmla="#ppt_w*sin(2.5*pi*$)">
+                                          <p:val>
+                                            <p:fltVal val="0"/>
+                                          </p:val>
+                                        </p:tav>
+                                        <p:tav tm="100000">
+                                          <p:val>
+                                            <p:fltVal val="1"/>
+                                          </p:val>
+                                        </p:tav>
+                                      </p:tavLst>
+                                    </p:anim>
+                                    <p:anim calcmode="lin" valueType="num">
+                                      <p:cBhvr>
+                                        <p:cTn id="152" dur="5000" fill="hold"/>
+                                        <p:tgtEl>
+                                          <p:spTgt spid="80"/>
+                                        </p:tgtEl>
+                                        <p:attrNameLst>
+                                          <p:attrName>ppt_h</p:attrName>
+                                        </p:attrNameLst>
+                                      </p:cBhvr>
+                                      <p:tavLst>
+                                        <p:tav tm="0">
+                                          <p:val>
+                                            <p:strVal val="#ppt_h"/>
+                                          </p:val>
+                                        </p:tav>
+                                        <p:tav tm="100000">
+                                          <p:val>
+                                            <p:strVal val="#ppt_h"/>
+                                          </p:val>
+                                        </p:tav>
+                                      </p:tavLst>
+                                    </p:anim>
+                                  </p:childTnLst>
+                                </p:cTn>
+                              </p:par>
+                            </p:childTnLst>
+                          </p:cTn>
+                        </p:par>
+                      </p:childTnLst>
+                    </p:cTn>
+                  </p:par>
+                  <p:par>
+                    <p:cTn id="153" fill="hold">
+                      <p:stCondLst>
+                        <p:cond delay="indefinite"/>
+                      </p:stCondLst>
+                      <p:childTnLst>
+                        <p:par>
+                          <p:cTn id="154" fill="hold">
+                            <p:stCondLst>
+                              <p:cond delay="0"/>
+                            </p:stCondLst>
+                            <p:childTnLst>
+                              <p:par>
+                                <p:cTn id="155" presetID="1" presetClass="entr" presetSubtype="0" fill="hold" grpId="0" nodeType="clickEffect">
+                                  <p:stCondLst>
+                                    <p:cond delay="0"/>
+                                  </p:stCondLst>
+                                  <p:childTnLst>
+                                    <p:set>
+                                      <p:cBhvr>
+                                        <p:cTn id="156" dur="1" fill="hold">
+                                          <p:stCondLst>
+                                            <p:cond delay="0"/>
+                                          </p:stCondLst>
+                                        </p:cTn>
+                                        <p:tgtEl>
+                                          <p:spTgt spid="84"/>
+                                        </p:tgtEl>
+                                        <p:attrNameLst>
+                                          <p:attrName>style.visibility</p:attrName>
+                                        </p:attrNameLst>
+                                      </p:cBhvr>
+                                      <p:to>
+                                        <p:strVal val="visible"/>
+                                      </p:to>
+                                    </p:set>
+                                  </p:childTnLst>
+                                </p:cTn>
+                              </p:par>
+                            </p:childTnLst>
+                          </p:cTn>
+                        </p:par>
+                      </p:childTnLst>
+                    </p:cTn>
+                  </p:par>
+                  <p:par>
+                    <p:cTn id="157" fill="hold">
+                      <p:stCondLst>
+                        <p:cond delay="indefinite"/>
+                      </p:stCondLst>
+                      <p:childTnLst>
+                        <p:par>
+                          <p:cTn id="158" fill="hold">
+                            <p:stCondLst>
+                              <p:cond delay="0"/>
+                            </p:stCondLst>
+                            <p:childTnLst>
+                              <p:par>
+                                <p:cTn id="159" presetID="53" presetClass="entr" presetSubtype="16" fill="hold" nodeType="clickEffect">
+                                  <p:stCondLst>
+                                    <p:cond delay="0"/>
+                                  </p:stCondLst>
+                                  <p:childTnLst>
+                                    <p:set>
+                                      <p:cBhvr>
+                                        <p:cTn id="160" dur="1" fill="hold">
+                                          <p:stCondLst>
+                                            <p:cond delay="0"/>
+                                          </p:stCondLst>
+                                        </p:cTn>
+                                        <p:tgtEl>
+                                          <p:spTgt spid="23"/>
+                                        </p:tgtEl>
+                                        <p:attrNameLst>
+                                          <p:attrName>style.visibility</p:attrName>
+                                        </p:attrNameLst>
+                                      </p:cBhvr>
+                                      <p:to>
+                                        <p:strVal val="visible"/>
+                                      </p:to>
+                                    </p:set>
+                                    <p:anim calcmode="lin" valueType="num">
+                                      <p:cBhvr>
+                                        <p:cTn id="161" dur="500" fill="hold"/>
+                                        <p:tgtEl>
+                                          <p:spTgt spid="23"/>
+                                        </p:tgtEl>
+                                        <p:attrNameLst>
+                                          <p:attrName>ppt_w</p:attrName>
+                                        </p:attrNameLst>
+                                      </p:cBhvr>
+                                      <p:tavLst>
+                                        <p:tav tm="0">
+                                          <p:val>
+                                            <p:fltVal val="0"/>
+                                          </p:val>
+                                        </p:tav>
+                                        <p:tav tm="100000">
+                                          <p:val>
+                                            <p:strVal val="#ppt_w"/>
+                                          </p:val>
+                                        </p:tav>
+                                      </p:tavLst>
+                                    </p:anim>
+                                    <p:anim calcmode="lin" valueType="num">
+                                      <p:cBhvr>
+                                        <p:cTn id="162" dur="500" fill="hold"/>
+                                        <p:tgtEl>
+                                          <p:spTgt spid="23"/>
+                                        </p:tgtEl>
+                                        <p:attrNameLst>
+                                          <p:attrName>ppt_h</p:attrName>
+                                        </p:attrNameLst>
+                                      </p:cBhvr>
+                                      <p:tavLst>
+                                        <p:tav tm="0">
+                                          <p:val>
+                                            <p:fltVal val="0"/>
+                                          </p:val>
+                                        </p:tav>
+                                        <p:tav tm="100000">
+                                          <p:val>
+                                            <p:strVal val="#ppt_h"/>
+                                          </p:val>
+                                        </p:tav>
+                                      </p:tavLst>
+                                    </p:anim>
+                                    <p:animEffect transition="in" filter="fade">
+                                      <p:cBhvr>
+                                        <p:cTn id="163" dur="500"/>
+                                        <p:tgtEl>
+                                          <p:spTgt spid="23"/>
+                                        </p:tgtEl>
+                                      </p:cBhvr>
+                                    </p:animEffect>
+                                  </p:childTnLst>
+                                </p:cTn>
+                              </p:par>
+                            </p:childTnLst>
+                          </p:cTn>
+                        </p:par>
+                      </p:childTnLst>
+                    </p:cTn>
+                  </p:par>
+                  <p:par>
+                    <p:cTn id="164" fill="hold">
+                      <p:stCondLst>
+                        <p:cond delay="indefinite"/>
+                      </p:stCondLst>
+                      <p:childTnLst>
+                        <p:par>
+                          <p:cTn id="165" fill="hold">
+                            <p:stCondLst>
+                              <p:cond delay="0"/>
+                            </p:stCondLst>
+                            <p:childTnLst>
+                              <p:par>
+                                <p:cTn id="166" presetID="55" presetClass="entr" presetSubtype="0" fill="hold" nodeType="clickEffect">
+                                  <p:stCondLst>
+                                    <p:cond delay="0"/>
+                                  </p:stCondLst>
+                                  <p:childTnLst>
+                                    <p:set>
+                                      <p:cBhvr>
+                                        <p:cTn id="167" dur="1" fill="hold">
+                                          <p:stCondLst>
+                                            <p:cond delay="0"/>
+                                          </p:stCondLst>
+                                        </p:cTn>
+                                        <p:tgtEl>
+                                          <p:spTgt spid="67"/>
+                                        </p:tgtEl>
+                                        <p:attrNameLst>
+                                          <p:attrName>style.visibility</p:attrName>
+                                        </p:attrNameLst>
+                                      </p:cBhvr>
+                                      <p:to>
+                                        <p:strVal val="visible"/>
+                                      </p:to>
+                                    </p:set>
+                                    <p:anim calcmode="lin" valueType="num">
+                                      <p:cBhvr>
+                                        <p:cTn id="168" dur="1000" fill="hold"/>
+                                        <p:tgtEl>
+                                          <p:spTgt spid="67"/>
+                                        </p:tgtEl>
+                                        <p:attrNameLst>
+                                          <p:attrName>ppt_w</p:attrName>
+                                        </p:attrNameLst>
+                                      </p:cBhvr>
+                                      <p:tavLst>
+                                        <p:tav tm="0">
+                                          <p:val>
+                                            <p:strVal val="#ppt_w*0.70"/>
+                                          </p:val>
+                                        </p:tav>
+                                        <p:tav tm="100000">
+                                          <p:val>
+                                            <p:strVal val="#ppt_w"/>
+                                          </p:val>
+                                        </p:tav>
+                                      </p:tavLst>
+                                    </p:anim>
+                                    <p:anim calcmode="lin" valueType="num">
+                                      <p:cBhvr>
+                                        <p:cTn id="169" dur="1000" fill="hold"/>
+                                        <p:tgtEl>
+                                          <p:spTgt spid="67"/>
+                                        </p:tgtEl>
+                                        <p:attrNameLst>
+                                          <p:attrName>ppt_h</p:attrName>
+                                        </p:attrNameLst>
+                                      </p:cBhvr>
+                                      <p:tavLst>
+                                        <p:tav tm="0">
+                                          <p:val>
+                                            <p:strVal val="#ppt_h"/>
+                                          </p:val>
+                                        </p:tav>
+                                        <p:tav tm="100000">
+                                          <p:val>
+                                            <p:strVal val="#ppt_h"/>
+                                          </p:val>
+                                        </p:tav>
+                                      </p:tavLst>
+                                    </p:anim>
+                                    <p:animEffect transition="in" filter="fade">
+                                      <p:cBhvr>
+                                        <p:cTn id="170" dur="1000"/>
+                                        <p:tgtEl>
+                                          <p:spTgt spid="67"/>
+                                        </p:tgtEl>
+                                      </p:cBhvr>
+                                    </p:animEffect>
+                                  </p:childTnLst>
+                                </p:cTn>
+                              </p:par>
+                              <p:par>
+                                <p:cTn id="171" presetID="55" presetClass="entr" presetSubtype="0" fill="hold" nodeType="withEffect">
+                                  <p:stCondLst>
+                                    <p:cond delay="0"/>
+                                  </p:stCondLst>
+                                  <p:childTnLst>
+                                    <p:set>
+                                      <p:cBhvr>
+                                        <p:cTn id="172" dur="1" fill="hold">
+                                          <p:stCondLst>
+                                            <p:cond delay="0"/>
+                                          </p:stCondLst>
+                                        </p:cTn>
+                                        <p:tgtEl>
+                                          <p:spTgt spid="65"/>
+                                        </p:tgtEl>
+                                        <p:attrNameLst>
+                                          <p:attrName>style.visibility</p:attrName>
+                                        </p:attrNameLst>
+                                      </p:cBhvr>
+                                      <p:to>
+                                        <p:strVal val="visible"/>
+                                      </p:to>
+                                    </p:set>
+                                    <p:anim calcmode="lin" valueType="num">
+                                      <p:cBhvr>
+                                        <p:cTn id="173" dur="1000" fill="hold"/>
+                                        <p:tgtEl>
+                                          <p:spTgt spid="65"/>
+                                        </p:tgtEl>
+                                        <p:attrNameLst>
+                                          <p:attrName>ppt_w</p:attrName>
+                                        </p:attrNameLst>
+                                      </p:cBhvr>
+                                      <p:tavLst>
+                                        <p:tav tm="0">
+                                          <p:val>
+                                            <p:strVal val="#ppt_w*0.70"/>
+                                          </p:val>
+                                        </p:tav>
+                                        <p:tav tm="100000">
+                                          <p:val>
+                                            <p:strVal val="#ppt_w"/>
+                                          </p:val>
+                                        </p:tav>
+                                      </p:tavLst>
+                                    </p:anim>
+                                    <p:anim calcmode="lin" valueType="num">
+                                      <p:cBhvr>
+                                        <p:cTn id="174" dur="1000" fill="hold"/>
+                                        <p:tgtEl>
+                                          <p:spTgt spid="65"/>
+                                        </p:tgtEl>
+                                        <p:attrNameLst>
+                                          <p:attrName>ppt_h</p:attrName>
+                                        </p:attrNameLst>
+                                      </p:cBhvr>
+                                      <p:tavLst>
+                                        <p:tav tm="0">
+                                          <p:val>
+                                            <p:strVal val="#ppt_h"/>
+                                          </p:val>
+                                        </p:tav>
+                                        <p:tav tm="100000">
+                                          <p:val>
+                                            <p:strVal val="#ppt_h"/>
+                                          </p:val>
+                                        </p:tav>
+                                      </p:tavLst>
+                                    </p:anim>
+                                    <p:animEffect transition="in" filter="fade">
+                                      <p:cBhvr>
+                                        <p:cTn id="175" dur="1000"/>
+                                        <p:tgtEl>
+                                          <p:spTgt spid="65"/>
+                                        </p:tgtEl>
+                                      </p:cBhvr>
+                                    </p:animEffect>
+                                  </p:childTnLst>
+                                </p:cTn>
+                              </p:par>
+                              <p:par>
+                                <p:cTn id="176" presetID="1" presetClass="entr" presetSubtype="0" fill="hold" grpId="0" nodeType="withEffect">
+                                  <p:stCondLst>
+                                    <p:cond delay="0"/>
+                                  </p:stCondLst>
+                                  <p:childTnLst>
+                                    <p:set>
+                                      <p:cBhvr>
+                                        <p:cTn id="177" dur="1" fill="hold">
+                                          <p:stCondLst>
+                                            <p:cond delay="0"/>
+                                          </p:stCondLst>
+                                        </p:cTn>
+                                        <p:tgtEl>
+                                          <p:spTgt spid="55"/>
+                                        </p:tgtEl>
+                                        <p:attrNameLst>
+                                          <p:attrName>style.visibility</p:attrName>
+                                        </p:attrNameLst>
+                                      </p:cBhvr>
+                                      <p:to>
+                                        <p:strVal val="visible"/>
+                                      </p:to>
+                                    </p:set>
+                                  </p:childTnLst>
+                                </p:cTn>
+                              </p:par>
+                            </p:childTnLst>
+                          </p:cTn>
+                        </p:par>
+                      </p:childTnLst>
+                    </p:cTn>
+                  </p:par>
+                  <p:par>
+                    <p:cTn id="178" fill="hold">
+                      <p:stCondLst>
+                        <p:cond delay="indefinite"/>
+                      </p:stCondLst>
+                      <p:childTnLst>
+                        <p:par>
+                          <p:cTn id="179" fill="hold">
+                            <p:stCondLst>
+                              <p:cond delay="0"/>
+                            </p:stCondLst>
+                            <p:childTnLst>
+                              <p:par>
+                                <p:cTn id="180" presetID="0" presetClass="path" presetSubtype="0" repeatCount="1000000" accel="50000" decel="50000" fill="hold" nodeType="clickEffect">
+                                  <p:stCondLst>
+                                    <p:cond delay="0"/>
+                                  </p:stCondLst>
+                                  <p:childTnLst>
+                                    <p:animMotion origin="layout" path="M 0.0037 0.00286 C 0.0206 0.00456 0.04953 0.0043 0.07523 -0.00104 C 0.10092 -0.00651 0.13171 -0.01549 0.15764 -0.03008 C 0.18356 -0.0444 0.21458 -0.07018 0.23148 -0.08776 C 0.24861 -0.10521 0.25694 -0.12279 0.25995 -0.1349 C 0.26273 -0.14701 0.25671 -0.15534 0.24907 -0.16055 C 0.24213 -0.16563 0.23078 -0.16953 0.21551 -0.16549 C 0.20046 -0.16146 0.18078 -0.15104 0.15879 -0.13607 C 0.13657 -0.12109 0.10602 -0.09141 0.08379 -0.07552 C 0.06157 -0.05964 0.03819 -0.0474 0.02453 -0.04049 C 0.01111 -0.03385 0.00903 -0.03698 0.00139 -0.0349 C -0.00602 -0.03294 -0.01621 -0.03216 -0.02084 -0.02826 C -0.02547 -0.02448 -0.02986 -0.01693 -0.02616 -0.01172 C -0.02176 -0.00651 -0.0132 0.00104 0.0037 0.00286 Z " pathEditMode="relative" rAng="0" ptsTypes="AAAAAAAAAAAAAA">
+                                      <p:cBhvr>
+                                        <p:cTn id="181" dur="3000" fill="hold"/>
+                                        <p:tgtEl>
+                                          <p:spTgt spid="82"/>
+                                        </p:tgtEl>
+                                        <p:attrNameLst>
+                                          <p:attrName>ppt_x</p:attrName>
+                                          <p:attrName>ppt_y</p:attrName>
+                                        </p:attrNameLst>
+                                      </p:cBhvr>
+                                      <p:rCtr x="11273" y="-8464"/>
+                                    </p:animMotion>
+                                  </p:childTnLst>
+                                </p:cTn>
+                              </p:par>
+                              <p:par>
+                                <p:cTn id="182" presetID="19" presetClass="entr" presetSubtype="10" fill="hold" nodeType="withEffect">
+                                  <p:stCondLst>
+                                    <p:cond delay="5000"/>
+                                  </p:stCondLst>
+                                  <p:childTnLst>
+                                    <p:set>
+                                      <p:cBhvr>
+                                        <p:cTn id="183" dur="1" fill="hold">
+                                          <p:stCondLst>
+                                            <p:cond delay="0"/>
+                                          </p:stCondLst>
+                                        </p:cTn>
+                                        <p:tgtEl>
+                                          <p:spTgt spid="88"/>
+                                        </p:tgtEl>
+                                        <p:attrNameLst>
+                                          <p:attrName>style.visibility</p:attrName>
+                                        </p:attrNameLst>
+                                      </p:cBhvr>
+                                      <p:to>
+                                        <p:strVal val="visible"/>
+                                      </p:to>
+                                    </p:set>
+                                    <p:anim calcmode="lin" valueType="num">
+                                      <p:cBhvr>
+                                        <p:cTn id="184" dur="5000" fill="hold"/>
+                                        <p:tgtEl>
+                                          <p:spTgt spid="88"/>
+                                        </p:tgtEl>
+                                        <p:attrNameLst>
+                                          <p:attrName>ppt_w</p:attrName>
+                                        </p:attrNameLst>
+                                      </p:cBhvr>
+                                      <p:tavLst>
+                                        <p:tav tm="0" fmla="#ppt_w*sin(2.5*pi*$)">
+                                          <p:val>
+                                            <p:fltVal val="0"/>
+                                          </p:val>
+                                        </p:tav>
+                                        <p:tav tm="100000">
+                                          <p:val>
+                                            <p:fltVal val="1"/>
+                                          </p:val>
+                                        </p:tav>
+                                      </p:tavLst>
+                                    </p:anim>
+                                    <p:anim calcmode="lin" valueType="num">
+                                      <p:cBhvr>
+                                        <p:cTn id="185" dur="5000" fill="hold"/>
+                                        <p:tgtEl>
+                                          <p:spTgt spid="88"/>
+                                        </p:tgtEl>
+                                        <p:attrNameLst>
+                                          <p:attrName>ppt_h</p:attrName>
+                                        </p:attrNameLst>
+                                      </p:cBhvr>
+                                      <p:tavLst>
+                                        <p:tav tm="0">
+                                          <p:val>
+                                            <p:strVal val="#ppt_h"/>
+                                          </p:val>
+                                        </p:tav>
+                                        <p:tav tm="100000">
+                                          <p:val>
+                                            <p:strVal val="#ppt_h"/>
+                                          </p:val>
+                                        </p:tav>
+                                      </p:tavLst>
+                                    </p:anim>
+                                  </p:childTnLst>
+                                </p:cTn>
+                              </p:par>
+                              <p:par>
+                                <p:cTn id="186" presetID="55" presetClass="entr" presetSubtype="0" fill="hold" nodeType="withEffect">
+                                  <p:stCondLst>
+                                    <p:cond delay="8000"/>
+                                  </p:stCondLst>
+                                  <p:childTnLst>
+                                    <p:set>
+                                      <p:cBhvr>
+                                        <p:cTn id="187" dur="1" fill="hold">
+                                          <p:stCondLst>
+                                            <p:cond delay="0"/>
+                                          </p:stCondLst>
+                                        </p:cTn>
+                                        <p:tgtEl>
+                                          <p:spTgt spid="46"/>
+                                        </p:tgtEl>
+                                        <p:attrNameLst>
+                                          <p:attrName>style.visibility</p:attrName>
+                                        </p:attrNameLst>
+                                      </p:cBhvr>
+                                      <p:to>
+                                        <p:strVal val="visible"/>
+                                      </p:to>
+                                    </p:set>
+                                    <p:anim calcmode="lin" valueType="num">
+                                      <p:cBhvr>
+                                        <p:cTn id="188" dur="1000" fill="hold"/>
+                                        <p:tgtEl>
+                                          <p:spTgt spid="46"/>
+                                        </p:tgtEl>
+                                        <p:attrNameLst>
+                                          <p:attrName>ppt_w</p:attrName>
+                                        </p:attrNameLst>
+                                      </p:cBhvr>
+                                      <p:tavLst>
+                                        <p:tav tm="0">
+                                          <p:val>
+                                            <p:strVal val="#ppt_w*0.70"/>
+                                          </p:val>
+                                        </p:tav>
+                                        <p:tav tm="100000">
+                                          <p:val>
+                                            <p:strVal val="#ppt_w"/>
+                                          </p:val>
+                                        </p:tav>
+                                      </p:tavLst>
+                                    </p:anim>
+                                    <p:anim calcmode="lin" valueType="num">
+                                      <p:cBhvr>
+                                        <p:cTn id="189" dur="1000" fill="hold"/>
+                                        <p:tgtEl>
+                                          <p:spTgt spid="46"/>
+                                        </p:tgtEl>
+                                        <p:attrNameLst>
+                                          <p:attrName>ppt_h</p:attrName>
+                                        </p:attrNameLst>
+                                      </p:cBhvr>
+                                      <p:tavLst>
+                                        <p:tav tm="0">
+                                          <p:val>
+                                            <p:strVal val="#ppt_h"/>
+                                          </p:val>
+                                        </p:tav>
+                                        <p:tav tm="100000">
+                                          <p:val>
+                                            <p:strVal val="#ppt_h"/>
+                                          </p:val>
+                                        </p:tav>
+                                      </p:tavLst>
+                                    </p:anim>
+                                    <p:animEffect transition="in" filter="fade">
+                                      <p:cBhvr>
+                                        <p:cTn id="190" dur="1000"/>
+                                        <p:tgtEl>
+                                          <p:spTgt spid="46"/>
+                                        </p:tgtEl>
+                                      </p:cBhvr>
+                                    </p:animEffect>
+                                  </p:childTnLst>
+                                </p:cTn>
+                              </p:par>
+                              <p:par>
+                                <p:cTn id="191" presetID="53" presetClass="entr" presetSubtype="16" fill="hold" nodeType="withEffect">
+                                  <p:stCondLst>
+                                    <p:cond delay="9000"/>
+                                  </p:stCondLst>
+                                  <p:childTnLst>
+                                    <p:set>
+                                      <p:cBhvr>
+                                        <p:cTn id="192" dur="1" fill="hold">
+                                          <p:stCondLst>
+                                            <p:cond delay="0"/>
+                                          </p:stCondLst>
+                                        </p:cTn>
+                                        <p:tgtEl>
+                                          <p:spTgt spid="22"/>
+                                        </p:tgtEl>
+                                        <p:attrNameLst>
+                                          <p:attrName>style.visibility</p:attrName>
+                                        </p:attrNameLst>
+                                      </p:cBhvr>
+                                      <p:to>
+                                        <p:strVal val="visible"/>
+                                      </p:to>
+                                    </p:set>
+                                    <p:anim calcmode="lin" valueType="num">
+                                      <p:cBhvr>
+                                        <p:cTn id="193" dur="500" fill="hold"/>
+                                        <p:tgtEl>
+                                          <p:spTgt spid="22"/>
+                                        </p:tgtEl>
+                                        <p:attrNameLst>
+                                          <p:attrName>ppt_w</p:attrName>
+                                        </p:attrNameLst>
+                                      </p:cBhvr>
+                                      <p:tavLst>
+                                        <p:tav tm="0">
+                                          <p:val>
+                                            <p:fltVal val="0"/>
+                                          </p:val>
+                                        </p:tav>
+                                        <p:tav tm="100000">
+                                          <p:val>
+                                            <p:strVal val="#ppt_w"/>
+                                          </p:val>
+                                        </p:tav>
+                                      </p:tavLst>
+                                    </p:anim>
+                                    <p:anim calcmode="lin" valueType="num">
+                                      <p:cBhvr>
+                                        <p:cTn id="194" dur="500" fill="hold"/>
+                                        <p:tgtEl>
+                                          <p:spTgt spid="22"/>
+                                        </p:tgtEl>
+                                        <p:attrNameLst>
+                                          <p:attrName>ppt_h</p:attrName>
+                                        </p:attrNameLst>
+                                      </p:cBhvr>
+                                      <p:tavLst>
+                                        <p:tav tm="0">
+                                          <p:val>
+                                            <p:fltVal val="0"/>
+                                          </p:val>
+                                        </p:tav>
+                                        <p:tav tm="100000">
+                                          <p:val>
+                                            <p:strVal val="#ppt_h"/>
+                                          </p:val>
+                                        </p:tav>
+                                      </p:tavLst>
+                                    </p:anim>
+                                    <p:animEffect transition="in" filter="fade">
+                                      <p:cBhvr>
+                                        <p:cTn id="195" dur="500"/>
+                                        <p:tgtEl>
+                                          <p:spTgt spid="22"/>
+                                        </p:tgtEl>
+                                      </p:cBhvr>
+                                    </p:animEffect>
+                                  </p:childTnLst>
+                                </p:cTn>
+                              </p:par>
+                              <p:par>
+                                <p:cTn id="196" presetID="42" presetClass="path" presetSubtype="0" repeatCount="1000000" accel="50000" decel="50000" fill="hold" nodeType="withEffect">
+                                  <p:stCondLst>
+                                    <p:cond delay="10000"/>
+                                  </p:stCondLst>
+                                  <p:childTnLst>
+                                    <p:animMotion origin="layout" path="M -4.07407E-6 -4.16667E-7 L -0.13333 0.27031 " pathEditMode="relative" rAng="0" ptsTypes="AA">
+                                      <p:cBhvr>
+                                        <p:cTn id="197" dur="2000" fill="hold"/>
+                                        <p:tgtEl>
+                                          <p:spTgt spid="88"/>
+                                        </p:tgtEl>
+                                        <p:attrNameLst>
+                                          <p:attrName>ppt_x</p:attrName>
+                                          <p:attrName>ppt_y</p:attrName>
+                                        </p:attrNameLst>
+                                      </p:cBhvr>
+                                      <p:rCtr x="-6667" y="13516"/>
+                                    </p:animMotion>
+                                  </p:childTnLst>
+                                </p:cTn>
+                              </p:par>
+                              <p:par>
+                                <p:cTn id="198" presetID="1" presetClass="entr" presetSubtype="0" fill="hold" grpId="0" nodeType="withEffect">
+                                  <p:stCondLst>
+                                    <p:cond delay="12000"/>
+                                  </p:stCondLst>
+                                  <p:childTnLst>
+                                    <p:set>
+                                      <p:cBhvr>
+                                        <p:cTn id="199" dur="1" fill="hold">
+                                          <p:stCondLst>
+                                            <p:cond delay="0"/>
+                                          </p:stCondLst>
+                                        </p:cTn>
+                                        <p:tgtEl>
+                                          <p:spTgt spid="56"/>
+                                        </p:tgtEl>
+                                        <p:attrNameLst>
+                                          <p:attrName>style.visibility</p:attrName>
+                                        </p:attrNameLst>
+                                      </p:cBhvr>
+                                      <p:to>
+                                        <p:strVal val="visible"/>
+                                      </p:to>
+                                    </p:set>
+                                  </p:childTnLst>
+                                </p:cTn>
+                              </p:par>
+                              <p:par>
+                                <p:cTn id="200" presetID="53" presetClass="entr" presetSubtype="16" fill="hold" nodeType="withEffect">
+                                  <p:stCondLst>
+                                    <p:cond delay="15000"/>
+                                  </p:stCondLst>
+                                  <p:childTnLst>
+                                    <p:set>
+                                      <p:cBhvr>
+                                        <p:cTn id="201" dur="1" fill="hold">
+                                          <p:stCondLst>
+                                            <p:cond delay="0"/>
+                                          </p:stCondLst>
+                                        </p:cTn>
+                                        <p:tgtEl>
+                                          <p:spTgt spid="26"/>
+                                        </p:tgtEl>
+                                        <p:attrNameLst>
+                                          <p:attrName>style.visibility</p:attrName>
+                                        </p:attrNameLst>
+                                      </p:cBhvr>
+                                      <p:to>
+                                        <p:strVal val="visible"/>
+                                      </p:to>
+                                    </p:set>
+                                    <p:anim calcmode="lin" valueType="num">
+                                      <p:cBhvr>
+                                        <p:cTn id="202" dur="500" fill="hold"/>
+                                        <p:tgtEl>
+                                          <p:spTgt spid="26"/>
+                                        </p:tgtEl>
+                                        <p:attrNameLst>
+                                          <p:attrName>ppt_w</p:attrName>
+                                        </p:attrNameLst>
+                                      </p:cBhvr>
+                                      <p:tavLst>
+                                        <p:tav tm="0">
+                                          <p:val>
+                                            <p:fltVal val="0"/>
+                                          </p:val>
+                                        </p:tav>
+                                        <p:tav tm="100000">
+                                          <p:val>
+                                            <p:strVal val="#ppt_w"/>
+                                          </p:val>
+                                        </p:tav>
+                                      </p:tavLst>
+                                    </p:anim>
+                                    <p:anim calcmode="lin" valueType="num">
+                                      <p:cBhvr>
+                                        <p:cTn id="203" dur="500" fill="hold"/>
+                                        <p:tgtEl>
+                                          <p:spTgt spid="26"/>
+                                        </p:tgtEl>
+                                        <p:attrNameLst>
+                                          <p:attrName>ppt_h</p:attrName>
+                                        </p:attrNameLst>
+                                      </p:cBhvr>
+                                      <p:tavLst>
+                                        <p:tav tm="0">
+                                          <p:val>
+                                            <p:fltVal val="0"/>
+                                          </p:val>
+                                        </p:tav>
+                                        <p:tav tm="100000">
+                                          <p:val>
+                                            <p:strVal val="#ppt_h"/>
+                                          </p:val>
+                                        </p:tav>
+                                      </p:tavLst>
+                                    </p:anim>
+                                    <p:animEffect transition="in" filter="fade">
+                                      <p:cBhvr>
+                                        <p:cTn id="204" dur="500"/>
+                                        <p:tgtEl>
+                                          <p:spTgt spid="26"/>
+                                        </p:tgtEl>
+                                      </p:cBhvr>
+                                    </p:animEffect>
+                                  </p:childTnLst>
+                                </p:cTn>
+                              </p:par>
+                              <p:par>
+                                <p:cTn id="205" presetID="55" presetClass="entr" presetSubtype="0" fill="hold" nodeType="withEffect">
+                                  <p:stCondLst>
+                                    <p:cond delay="16000"/>
+                                  </p:stCondLst>
+                                  <p:childTnLst>
+                                    <p:set>
+                                      <p:cBhvr>
+                                        <p:cTn id="206" dur="1" fill="hold">
+                                          <p:stCondLst>
+                                            <p:cond delay="0"/>
+                                          </p:stCondLst>
+                                        </p:cTn>
+                                        <p:tgtEl>
+                                          <p:spTgt spid="43"/>
+                                        </p:tgtEl>
+                                        <p:attrNameLst>
+                                          <p:attrName>style.visibility</p:attrName>
+                                        </p:attrNameLst>
+                                      </p:cBhvr>
+                                      <p:to>
+                                        <p:strVal val="visible"/>
+                                      </p:to>
+                                    </p:set>
+                                    <p:anim calcmode="lin" valueType="num">
+                                      <p:cBhvr>
+                                        <p:cTn id="207" dur="1000" fill="hold"/>
+                                        <p:tgtEl>
+                                          <p:spTgt spid="43"/>
+                                        </p:tgtEl>
+                                        <p:attrNameLst>
+                                          <p:attrName>ppt_w</p:attrName>
+                                        </p:attrNameLst>
+                                      </p:cBhvr>
+                                      <p:tavLst>
+                                        <p:tav tm="0">
+                                          <p:val>
+                                            <p:strVal val="#ppt_w*0.70"/>
+                                          </p:val>
+                                        </p:tav>
+                                        <p:tav tm="100000">
+                                          <p:val>
+                                            <p:strVal val="#ppt_w"/>
+                                          </p:val>
+                                        </p:tav>
+                                      </p:tavLst>
+                                    </p:anim>
+                                    <p:anim calcmode="lin" valueType="num">
+                                      <p:cBhvr>
+                                        <p:cTn id="208" dur="1000" fill="hold"/>
+                                        <p:tgtEl>
+                                          <p:spTgt spid="43"/>
+                                        </p:tgtEl>
+                                        <p:attrNameLst>
+                                          <p:attrName>ppt_h</p:attrName>
+                                        </p:attrNameLst>
+                                      </p:cBhvr>
+                                      <p:tavLst>
+                                        <p:tav tm="0">
+                                          <p:val>
+                                            <p:strVal val="#ppt_h"/>
+                                          </p:val>
+                                        </p:tav>
+                                        <p:tav tm="100000">
+                                          <p:val>
+                                            <p:strVal val="#ppt_h"/>
+                                          </p:val>
+                                        </p:tav>
+                                      </p:tavLst>
+                                    </p:anim>
+                                    <p:animEffect transition="in" filter="fade">
+                                      <p:cBhvr>
+                                        <p:cTn id="209" dur="1000"/>
+                                        <p:tgtEl>
+                                          <p:spTgt spid="43"/>
+                                        </p:tgtEl>
+                                      </p:cBhvr>
+                                    </p:animEffect>
+                                  </p:childTnLst>
+                                </p:cTn>
+                              </p:par>
+                              <p:par>
+                                <p:cTn id="210" presetID="55" presetClass="entr" presetSubtype="0" fill="hold" nodeType="withEffect">
+                                  <p:stCondLst>
+                                    <p:cond delay="16000"/>
+                                  </p:stCondLst>
+                                  <p:childTnLst>
+                                    <p:set>
+                                      <p:cBhvr>
+                                        <p:cTn id="211" dur="1" fill="hold">
+                                          <p:stCondLst>
+                                            <p:cond delay="0"/>
+                                          </p:stCondLst>
+                                        </p:cTn>
+                                        <p:tgtEl>
+                                          <p:spTgt spid="59"/>
+                                        </p:tgtEl>
+                                        <p:attrNameLst>
+                                          <p:attrName>style.visibility</p:attrName>
+                                        </p:attrNameLst>
+                                      </p:cBhvr>
+                                      <p:to>
+                                        <p:strVal val="visible"/>
+                                      </p:to>
+                                    </p:set>
+                                    <p:anim calcmode="lin" valueType="num">
+                                      <p:cBhvr>
+                                        <p:cTn id="212" dur="1000" fill="hold"/>
+                                        <p:tgtEl>
+                                          <p:spTgt spid="59"/>
+                                        </p:tgtEl>
+                                        <p:attrNameLst>
+                                          <p:attrName>ppt_w</p:attrName>
+                                        </p:attrNameLst>
+                                      </p:cBhvr>
+                                      <p:tavLst>
+                                        <p:tav tm="0">
+                                          <p:val>
+                                            <p:strVal val="#ppt_w*0.70"/>
+                                          </p:val>
+                                        </p:tav>
+                                        <p:tav tm="100000">
+                                          <p:val>
+                                            <p:strVal val="#ppt_w"/>
+                                          </p:val>
+                                        </p:tav>
+                                      </p:tavLst>
+                                    </p:anim>
+                                    <p:anim calcmode="lin" valueType="num">
+                                      <p:cBhvr>
+                                        <p:cTn id="213" dur="1000" fill="hold"/>
+                                        <p:tgtEl>
+                                          <p:spTgt spid="59"/>
+                                        </p:tgtEl>
+                                        <p:attrNameLst>
+                                          <p:attrName>ppt_h</p:attrName>
+                                        </p:attrNameLst>
+                                      </p:cBhvr>
+                                      <p:tavLst>
+                                        <p:tav tm="0">
+                                          <p:val>
+                                            <p:strVal val="#ppt_h"/>
+                                          </p:val>
+                                        </p:tav>
+                                        <p:tav tm="100000">
+                                          <p:val>
+                                            <p:strVal val="#ppt_h"/>
+                                          </p:val>
+                                        </p:tav>
+                                      </p:tavLst>
+                                    </p:anim>
+                                    <p:animEffect transition="in" filter="fade">
+                                      <p:cBhvr>
+                                        <p:cTn id="214" dur="1000"/>
+                                        <p:tgtEl>
+                                          <p:spTgt spid="59"/>
+                                        </p:tgtEl>
+                                      </p:cBhvr>
+                                    </p:animEffect>
+                                  </p:childTnLst>
+                                </p:cTn>
+                              </p:par>
+                              <p:par>
+                                <p:cTn id="215" presetID="0" presetClass="path" presetSubtype="0" repeatCount="1000000" accel="50000" decel="50000" fill="hold" nodeType="withEffect">
+                                  <p:stCondLst>
+                                    <p:cond delay="17000"/>
+                                  </p:stCondLst>
+                                  <p:childTnLst>
+                                    <p:animMotion origin="layout" path="M 0.01088 0.00338 C 0.00926 0.00638 0.01851 0.00507 0.01342 0.01028 C 0.00833 0.01549 -0.00533 0.02317 -0.01945 0.03476 C -0.03357 0.04635 -0.05857 0.06849 -0.07153 0.07981 C -0.08449 0.09114 -0.09283 0.09466 -0.09699 0.10299 C -0.10093 0.11132 -0.10371 0.12448 -0.09584 0.12968 C -0.08774 0.13476 -0.06713 0.13984 -0.04977 0.13372 C -0.03218 0.1276 -0.01297 0.1095 0.00856 0.09283 C 0.02986 0.07604 0.06759 0.04856 0.0787 0.03346 C 0.09004 0.01836 0.08564 0.00885 0.07638 0.00208 C 0.06713 -0.00482 0.03426 -0.00756 0.02314 -0.00743 C 0.0118 -0.00743 0.0125 0.00052 0.01088 0.00338 Z " pathEditMode="relative" rAng="0" ptsTypes="AAAAAAAAAAAA">
+                                      <p:cBhvr>
+                                        <p:cTn id="216" dur="5000" fill="hold"/>
+                                        <p:tgtEl>
+                                          <p:spTgt spid="80"/>
+                                        </p:tgtEl>
+                                        <p:attrNameLst>
+                                          <p:attrName>ppt_x</p:attrName>
+                                          <p:attrName>ppt_y</p:attrName>
+                                        </p:attrNameLst>
+                                      </p:cBhvr>
+                                      <p:rCtr x="-1875" y="6107"/>
                                     </p:animMotion>
                                   </p:childTnLst>
                                 </p:cTn>
@@ -4644,6 +7930,5337 @@
         </p:cTn>
       </p:par>
     </p:tnLst>
+    <p:bldLst>
+      <p:bldP spid="53" grpId="0"/>
+      <p:bldP spid="53" grpId="1"/>
+      <p:bldP spid="55" grpId="0"/>
+      <p:bldP spid="56" grpId="0"/>
+      <p:bldP spid="51" grpId="0"/>
+      <p:bldP spid="51" grpId="1"/>
+      <p:bldP spid="51" grpId="2"/>
+      <p:bldP spid="84" grpId="0"/>
+    </p:bldLst>
+  </p:timing>
+</p:sld>
+</file>
+
+<file path=ppt/slides/slide2.xml><?xml version="1.0" encoding="utf-8"?>
+<p:sld xmlns:a="http://schemas.openxmlformats.org/drawingml/2006/main" xmlns:r="http://schemas.openxmlformats.org/officeDocument/2006/relationships" xmlns:p="http://schemas.openxmlformats.org/presentationml/2006/main">
+  <p:cSld>
+    <p:spTree>
+      <p:nvGrpSpPr>
+        <p:cNvPr id="1" name=""/>
+        <p:cNvGrpSpPr/>
+        <p:nvPr/>
+      </p:nvGrpSpPr>
+      <p:grpSpPr>
+        <a:xfrm>
+          <a:off x="0" y="0"/>
+          <a:ext cx="0" cy="0"/>
+          <a:chOff x="0" y="0"/>
+          <a:chExt cx="0" cy="0"/>
+        </a:xfrm>
+      </p:grpSpPr>
+      <p:sp>
+        <p:nvSpPr>
+          <p:cNvPr id="2" name="Titre 1"/>
+          <p:cNvSpPr>
+            <a:spLocks noGrp="1"/>
+          </p:cNvSpPr>
+          <p:nvPr>
+            <p:ph type="title"/>
+          </p:nvPr>
+        </p:nvSpPr>
+        <p:spPr/>
+        <p:txBody>
+          <a:bodyPr/>
+          <a:lstStyle/>
+          <a:p>
+            <a:endParaRPr lang="fr-FR"/>
+          </a:p>
+        </p:txBody>
+      </p:sp>
+      <p:sp>
+        <p:nvSpPr>
+          <p:cNvPr id="3" name="Espace réservé du contenu 2"/>
+          <p:cNvSpPr>
+            <a:spLocks noGrp="1"/>
+          </p:cNvSpPr>
+          <p:nvPr>
+            <p:ph idx="1"/>
+          </p:nvPr>
+        </p:nvSpPr>
+        <p:spPr/>
+        <p:txBody>
+          <a:bodyPr/>
+          <a:lstStyle/>
+          <a:p>
+            <a:endParaRPr lang="fr-FR"/>
+          </a:p>
+        </p:txBody>
+      </p:sp>
+    </p:spTree>
+    <p:extLst>
+      <p:ext uri="{BB962C8B-B14F-4D97-AF65-F5344CB8AC3E}">
+        <p14:creationId xmlns:p14="http://schemas.microsoft.com/office/powerpoint/2010/main" val="1139109491"/>
+      </p:ext>
+    </p:extLst>
+  </p:cSld>
+  <p:clrMapOvr>
+    <a:masterClrMapping/>
+  </p:clrMapOvr>
+  <p:timing>
+    <p:tnLst>
+      <p:par>
+        <p:cTn id="1" dur="indefinite" restart="never" nodeType="tmRoot"/>
+      </p:par>
+    </p:tnLst>
+  </p:timing>
+</p:sld>
+</file>
+
+<file path=ppt/slides/slide3.xml><?xml version="1.0" encoding="utf-8"?>
+<p:sld xmlns:a="http://schemas.openxmlformats.org/drawingml/2006/main" xmlns:r="http://schemas.openxmlformats.org/officeDocument/2006/relationships" xmlns:p="http://schemas.openxmlformats.org/presentationml/2006/main">
+  <p:cSld>
+    <p:spTree>
+      <p:nvGrpSpPr>
+        <p:cNvPr id="1" name=""/>
+        <p:cNvGrpSpPr/>
+        <p:nvPr/>
+      </p:nvGrpSpPr>
+      <p:grpSpPr>
+        <a:xfrm>
+          <a:off x="0" y="0"/>
+          <a:ext cx="0" cy="0"/>
+          <a:chOff x="0" y="0"/>
+          <a:chExt cx="0" cy="0"/>
+        </a:xfrm>
+      </p:grpSpPr>
+      <p:pic>
+        <p:nvPicPr>
+          <p:cNvPr id="11" name="Image 10"/>
+          <p:cNvPicPr>
+            <a:picLocks noChangeAspect="1"/>
+          </p:cNvPicPr>
+          <p:nvPr/>
+        </p:nvPicPr>
+        <p:blipFill>
+          <a:blip r:embed="rId3">
+            <a:extLst>
+              <a:ext uri="{28A0092B-C50C-407E-A947-70E740481C1C}">
+                <a14:useLocalDpi xmlns:a14="http://schemas.microsoft.com/office/drawing/2010/main" val="0"/>
+              </a:ext>
+            </a:extLst>
+          </a:blip>
+          <a:stretch>
+            <a:fillRect/>
+          </a:stretch>
+        </p:blipFill>
+        <p:spPr>
+          <a:xfrm>
+            <a:off x="-2772879" y="6402456"/>
+            <a:ext cx="698500" cy="774700"/>
+          </a:xfrm>
+          <a:prstGeom prst="rect">
+            <a:avLst/>
+          </a:prstGeom>
+        </p:spPr>
+      </p:pic>
+      <p:pic>
+        <p:nvPicPr>
+          <p:cNvPr id="14" name="Image 13"/>
+          <p:cNvPicPr>
+            <a:picLocks noChangeAspect="1"/>
+          </p:cNvPicPr>
+          <p:nvPr/>
+        </p:nvPicPr>
+        <p:blipFill>
+          <a:blip r:embed="rId4">
+            <a:extLst>
+              <a:ext uri="{28A0092B-C50C-407E-A947-70E740481C1C}">
+                <a14:useLocalDpi xmlns:a14="http://schemas.microsoft.com/office/drawing/2010/main" val="0"/>
+              </a:ext>
+            </a:extLst>
+          </a:blip>
+          <a:stretch>
+            <a:fillRect/>
+          </a:stretch>
+        </p:blipFill>
+        <p:spPr>
+          <a:xfrm>
+            <a:off x="-4687541" y="5797550"/>
+            <a:ext cx="1143000" cy="1231900"/>
+          </a:xfrm>
+          <a:prstGeom prst="rect">
+            <a:avLst/>
+          </a:prstGeom>
+        </p:spPr>
+      </p:pic>
+      <p:pic>
+        <p:nvPicPr>
+          <p:cNvPr id="16" name="Image 15"/>
+          <p:cNvPicPr>
+            <a:picLocks noChangeAspect="1"/>
+          </p:cNvPicPr>
+          <p:nvPr/>
+        </p:nvPicPr>
+        <p:blipFill>
+          <a:blip r:embed="rId5">
+            <a:extLst>
+              <a:ext uri="{28A0092B-C50C-407E-A947-70E740481C1C}">
+                <a14:useLocalDpi xmlns:a14="http://schemas.microsoft.com/office/drawing/2010/main" val="0"/>
+              </a:ext>
+            </a:extLst>
+          </a:blip>
+          <a:stretch>
+            <a:fillRect/>
+          </a:stretch>
+        </p:blipFill>
+        <p:spPr>
+          <a:xfrm>
+            <a:off x="-2943500" y="3856935"/>
+            <a:ext cx="834886" cy="834886"/>
+          </a:xfrm>
+          <a:prstGeom prst="rect">
+            <a:avLst/>
+          </a:prstGeom>
+        </p:spPr>
+      </p:pic>
+      <p:pic>
+        <p:nvPicPr>
+          <p:cNvPr id="17" name="Image 16"/>
+          <p:cNvPicPr>
+            <a:picLocks noChangeAspect="1"/>
+          </p:cNvPicPr>
+          <p:nvPr/>
+        </p:nvPicPr>
+        <p:blipFill>
+          <a:blip r:embed="rId6">
+            <a:extLst>
+              <a:ext uri="{28A0092B-C50C-407E-A947-70E740481C1C}">
+                <a14:useLocalDpi xmlns:a14="http://schemas.microsoft.com/office/drawing/2010/main" val="0"/>
+              </a:ext>
+            </a:extLst>
+          </a:blip>
+          <a:stretch>
+            <a:fillRect/>
+          </a:stretch>
+        </p:blipFill>
+        <p:spPr>
+          <a:xfrm>
+            <a:off x="-4757115" y="8439977"/>
+            <a:ext cx="1181100" cy="1206500"/>
+          </a:xfrm>
+          <a:prstGeom prst="rect">
+            <a:avLst/>
+          </a:prstGeom>
+        </p:spPr>
+      </p:pic>
+      <p:pic>
+        <p:nvPicPr>
+          <p:cNvPr id="19" name="Image 18"/>
+          <p:cNvPicPr>
+            <a:picLocks noChangeAspect="1"/>
+          </p:cNvPicPr>
+          <p:nvPr/>
+        </p:nvPicPr>
+        <p:blipFill>
+          <a:blip r:embed="rId7">
+            <a:extLst>
+              <a:ext uri="{28A0092B-C50C-407E-A947-70E740481C1C}">
+                <a14:useLocalDpi xmlns:a14="http://schemas.microsoft.com/office/drawing/2010/main" val="0"/>
+              </a:ext>
+            </a:extLst>
+          </a:blip>
+          <a:stretch>
+            <a:fillRect/>
+          </a:stretch>
+        </p:blipFill>
+        <p:spPr>
+          <a:xfrm>
+            <a:off x="-3938241" y="4367143"/>
+            <a:ext cx="787400" cy="723900"/>
+          </a:xfrm>
+          <a:prstGeom prst="rect">
+            <a:avLst/>
+          </a:prstGeom>
+        </p:spPr>
+      </p:pic>
+      <p:pic>
+        <p:nvPicPr>
+          <p:cNvPr id="20" name="Image 19"/>
+          <p:cNvPicPr>
+            <a:picLocks noChangeAspect="1"/>
+          </p:cNvPicPr>
+          <p:nvPr/>
+        </p:nvPicPr>
+        <p:blipFill rotWithShape="1">
+          <a:blip r:embed="rId8">
+            <a:extLst>
+              <a:ext uri="{28A0092B-C50C-407E-A947-70E740481C1C}">
+                <a14:useLocalDpi xmlns:a14="http://schemas.microsoft.com/office/drawing/2010/main" val="0"/>
+              </a:ext>
+            </a:extLst>
+          </a:blip>
+          <a:srcRect l="11560" t="49497" r="11692" b="9571"/>
+          <a:stretch/>
+        </p:blipFill>
+        <p:spPr>
+          <a:xfrm>
+            <a:off x="0" y="4274378"/>
+            <a:ext cx="6858000" cy="7917621"/>
+          </a:xfrm>
+          <a:prstGeom prst="rect">
+            <a:avLst/>
+          </a:prstGeom>
+        </p:spPr>
+      </p:pic>
+      <p:pic>
+        <p:nvPicPr>
+          <p:cNvPr id="21" name="Image 20"/>
+          <p:cNvPicPr>
+            <a:picLocks noChangeAspect="1"/>
+          </p:cNvPicPr>
+          <p:nvPr/>
+        </p:nvPicPr>
+        <p:blipFill>
+          <a:blip r:embed="rId9">
+            <a:extLst>
+              <a:ext uri="{28A0092B-C50C-407E-A947-70E740481C1C}">
+                <a14:useLocalDpi xmlns:a14="http://schemas.microsoft.com/office/drawing/2010/main" val="0"/>
+              </a:ext>
+            </a:extLst>
+          </a:blip>
+          <a:stretch>
+            <a:fillRect/>
+          </a:stretch>
+        </p:blipFill>
+        <p:spPr>
+          <a:xfrm>
+            <a:off x="2865429" y="9966079"/>
+            <a:ext cx="1143000" cy="1143000"/>
+          </a:xfrm>
+          <a:prstGeom prst="rect">
+            <a:avLst/>
+          </a:prstGeom>
+        </p:spPr>
+      </p:pic>
+      <p:pic>
+        <p:nvPicPr>
+          <p:cNvPr id="24" name="Image 23"/>
+          <p:cNvPicPr>
+            <a:picLocks noChangeAspect="1"/>
+          </p:cNvPicPr>
+          <p:nvPr/>
+        </p:nvPicPr>
+        <p:blipFill>
+          <a:blip r:embed="rId10">
+            <a:extLst>
+              <a:ext uri="{28A0092B-C50C-407E-A947-70E740481C1C}">
+                <a14:useLocalDpi xmlns:a14="http://schemas.microsoft.com/office/drawing/2010/main" val="0"/>
+              </a:ext>
+            </a:extLst>
+          </a:blip>
+          <a:stretch>
+            <a:fillRect/>
+          </a:stretch>
+        </p:blipFill>
+        <p:spPr>
+          <a:xfrm>
+            <a:off x="2915835" y="4634606"/>
+            <a:ext cx="1152738" cy="2102796"/>
+          </a:xfrm>
+          <a:prstGeom prst="rect">
+            <a:avLst/>
+          </a:prstGeom>
+        </p:spPr>
+      </p:pic>
+      <p:pic>
+        <p:nvPicPr>
+          <p:cNvPr id="27" name="Image 26"/>
+          <p:cNvPicPr>
+            <a:picLocks noChangeAspect="1"/>
+          </p:cNvPicPr>
+          <p:nvPr/>
+        </p:nvPicPr>
+        <p:blipFill>
+          <a:blip r:embed="rId11">
+            <a:extLst>
+              <a:ext uri="{28A0092B-C50C-407E-A947-70E740481C1C}">
+                <a14:useLocalDpi xmlns:a14="http://schemas.microsoft.com/office/drawing/2010/main" val="0"/>
+              </a:ext>
+            </a:extLst>
+          </a:blip>
+          <a:stretch>
+            <a:fillRect/>
+          </a:stretch>
+        </p:blipFill>
+        <p:spPr>
+          <a:xfrm>
+            <a:off x="-6807318" y="8807450"/>
+            <a:ext cx="1206500" cy="1282700"/>
+          </a:xfrm>
+          <a:prstGeom prst="rect">
+            <a:avLst/>
+          </a:prstGeom>
+        </p:spPr>
+      </p:pic>
+      <p:pic>
+        <p:nvPicPr>
+          <p:cNvPr id="29" name="Image 28"/>
+          <p:cNvPicPr>
+            <a:picLocks noChangeAspect="1"/>
+          </p:cNvPicPr>
+          <p:nvPr/>
+        </p:nvPicPr>
+        <p:blipFill>
+          <a:blip r:embed="rId12">
+            <a:extLst>
+              <a:ext uri="{28A0092B-C50C-407E-A947-70E740481C1C}">
+                <a14:useLocalDpi xmlns:a14="http://schemas.microsoft.com/office/drawing/2010/main" val="0"/>
+              </a:ext>
+            </a:extLst>
+          </a:blip>
+          <a:stretch>
+            <a:fillRect/>
+          </a:stretch>
+        </p:blipFill>
+        <p:spPr>
+          <a:xfrm>
+            <a:off x="-5312670" y="4274378"/>
+            <a:ext cx="501097" cy="573984"/>
+          </a:xfrm>
+          <a:prstGeom prst="rect">
+            <a:avLst/>
+          </a:prstGeom>
+        </p:spPr>
+      </p:pic>
+      <p:cxnSp>
+        <p:nvCxnSpPr>
+          <p:cNvPr id="70" name="Connecteur droit avec flèche 69"/>
+          <p:cNvCxnSpPr/>
+          <p:nvPr/>
+        </p:nvCxnSpPr>
+        <p:spPr>
+          <a:xfrm flipH="1">
+            <a:off x="3410239" y="6737402"/>
+            <a:ext cx="41932" cy="3228677"/>
+          </a:xfrm>
+          <a:prstGeom prst="straightConnector1">
+            <a:avLst/>
+          </a:prstGeom>
+          <a:ln w="76200">
+            <a:solidFill>
+              <a:schemeClr val="tx1"/>
+            </a:solidFill>
+            <a:tailEnd type="triangle"/>
+          </a:ln>
+        </p:spPr>
+        <p:style>
+          <a:lnRef idx="1">
+            <a:schemeClr val="accent1"/>
+          </a:lnRef>
+          <a:fillRef idx="0">
+            <a:schemeClr val="accent1"/>
+          </a:fillRef>
+          <a:effectRef idx="0">
+            <a:schemeClr val="accent1"/>
+          </a:effectRef>
+          <a:fontRef idx="minor">
+            <a:schemeClr val="tx1"/>
+          </a:fontRef>
+        </p:style>
+      </p:cxnSp>
+      <p:pic>
+        <p:nvPicPr>
+          <p:cNvPr id="71" name="Image 70"/>
+          <p:cNvPicPr>
+            <a:picLocks noChangeAspect="1"/>
+          </p:cNvPicPr>
+          <p:nvPr/>
+        </p:nvPicPr>
+        <p:blipFill>
+          <a:blip r:embed="rId13">
+            <a:extLst>
+              <a:ext uri="{28A0092B-C50C-407E-A947-70E740481C1C}">
+                <a14:useLocalDpi xmlns:a14="http://schemas.microsoft.com/office/drawing/2010/main" val="0"/>
+              </a:ext>
+            </a:extLst>
+          </a:blip>
+          <a:stretch>
+            <a:fillRect/>
+          </a:stretch>
+        </p:blipFill>
+        <p:spPr>
+          <a:xfrm>
+            <a:off x="8218987" y="5797550"/>
+            <a:ext cx="626465" cy="530086"/>
+          </a:xfrm>
+          <a:prstGeom prst="rect">
+            <a:avLst/>
+          </a:prstGeom>
+        </p:spPr>
+      </p:pic>
+      <p:sp>
+        <p:nvSpPr>
+          <p:cNvPr id="53" name="ZoneTexte 52"/>
+          <p:cNvSpPr txBox="1"/>
+          <p:nvPr/>
+        </p:nvSpPr>
+        <p:spPr>
+          <a:xfrm>
+            <a:off x="2678329" y="7700799"/>
+            <a:ext cx="956135" cy="369332"/>
+          </a:xfrm>
+          <a:prstGeom prst="rect">
+            <a:avLst/>
+          </a:prstGeom>
+          <a:noFill/>
+        </p:spPr>
+        <p:txBody>
+          <a:bodyPr wrap="square" rtlCol="0">
+            <a:spAutoFit/>
+          </a:bodyPr>
+          <a:lstStyle/>
+          <a:p>
+            <a:r>
+              <a:rPr lang="fr-FR" smtClean="0"/>
+              <a:t>50%</a:t>
+            </a:r>
+            <a:endParaRPr lang="fr-FR"/>
+          </a:p>
+        </p:txBody>
+      </p:sp>
+      <p:pic>
+        <p:nvPicPr>
+          <p:cNvPr id="72" name="Image 71"/>
+          <p:cNvPicPr>
+            <a:picLocks noChangeAspect="1"/>
+          </p:cNvPicPr>
+          <p:nvPr/>
+        </p:nvPicPr>
+        <p:blipFill>
+          <a:blip r:embed="rId13">
+            <a:extLst>
+              <a:ext uri="{28A0092B-C50C-407E-A947-70E740481C1C}">
+                <a14:useLocalDpi xmlns:a14="http://schemas.microsoft.com/office/drawing/2010/main" val="0"/>
+              </a:ext>
+            </a:extLst>
+          </a:blip>
+          <a:stretch>
+            <a:fillRect/>
+          </a:stretch>
+        </p:blipFill>
+        <p:spPr>
+          <a:xfrm>
+            <a:off x="7903857" y="8722411"/>
+            <a:ext cx="626465" cy="530086"/>
+          </a:xfrm>
+          <a:prstGeom prst="rect">
+            <a:avLst/>
+          </a:prstGeom>
+        </p:spPr>
+      </p:pic>
+      <p:pic>
+        <p:nvPicPr>
+          <p:cNvPr id="79" name="Image 78"/>
+          <p:cNvPicPr>
+            <a:picLocks noChangeAspect="1"/>
+          </p:cNvPicPr>
+          <p:nvPr/>
+        </p:nvPicPr>
+        <p:blipFill>
+          <a:blip r:embed="rId13">
+            <a:extLst>
+              <a:ext uri="{28A0092B-C50C-407E-A947-70E740481C1C}">
+                <a14:useLocalDpi xmlns:a14="http://schemas.microsoft.com/office/drawing/2010/main" val="0"/>
+              </a:ext>
+            </a:extLst>
+          </a:blip>
+          <a:stretch>
+            <a:fillRect/>
+          </a:stretch>
+        </p:blipFill>
+        <p:spPr>
+          <a:xfrm>
+            <a:off x="7905755" y="4684429"/>
+            <a:ext cx="626465" cy="530086"/>
+          </a:xfrm>
+          <a:prstGeom prst="rect">
+            <a:avLst/>
+          </a:prstGeom>
+        </p:spPr>
+      </p:pic>
+      <p:pic>
+        <p:nvPicPr>
+          <p:cNvPr id="81" name="Image 80"/>
+          <p:cNvPicPr>
+            <a:picLocks noChangeAspect="1"/>
+          </p:cNvPicPr>
+          <p:nvPr/>
+        </p:nvPicPr>
+        <p:blipFill>
+          <a:blip r:embed="rId13">
+            <a:extLst>
+              <a:ext uri="{28A0092B-C50C-407E-A947-70E740481C1C}">
+                <a14:useLocalDpi xmlns:a14="http://schemas.microsoft.com/office/drawing/2010/main" val="0"/>
+              </a:ext>
+            </a:extLst>
+          </a:blip>
+          <a:stretch>
+            <a:fillRect/>
+          </a:stretch>
+        </p:blipFill>
+        <p:spPr>
+          <a:xfrm>
+            <a:off x="8296792" y="6763329"/>
+            <a:ext cx="626465" cy="530086"/>
+          </a:xfrm>
+          <a:prstGeom prst="rect">
+            <a:avLst/>
+          </a:prstGeom>
+        </p:spPr>
+      </p:pic>
+      <p:pic>
+        <p:nvPicPr>
+          <p:cNvPr id="83" name="Image 82"/>
+          <p:cNvPicPr>
+            <a:picLocks noChangeAspect="1"/>
+          </p:cNvPicPr>
+          <p:nvPr/>
+        </p:nvPicPr>
+        <p:blipFill>
+          <a:blip r:embed="rId13">
+            <a:extLst>
+              <a:ext uri="{28A0092B-C50C-407E-A947-70E740481C1C}">
+                <a14:useLocalDpi xmlns:a14="http://schemas.microsoft.com/office/drawing/2010/main" val="0"/>
+              </a:ext>
+            </a:extLst>
+          </a:blip>
+          <a:stretch>
+            <a:fillRect/>
+          </a:stretch>
+        </p:blipFill>
+        <p:spPr>
+          <a:xfrm>
+            <a:off x="8532219" y="7662747"/>
+            <a:ext cx="626465" cy="530086"/>
+          </a:xfrm>
+          <a:prstGeom prst="rect">
+            <a:avLst/>
+          </a:prstGeom>
+        </p:spPr>
+      </p:pic>
+      <p:pic>
+        <p:nvPicPr>
+          <p:cNvPr id="38" name="Image 37"/>
+          <p:cNvPicPr>
+            <a:picLocks noChangeAspect="1"/>
+          </p:cNvPicPr>
+          <p:nvPr/>
+        </p:nvPicPr>
+        <p:blipFill rotWithShape="1">
+          <a:blip r:embed="rId8">
+            <a:extLst>
+              <a:ext uri="{28A0092B-C50C-407E-A947-70E740481C1C}">
+                <a14:useLocalDpi xmlns:a14="http://schemas.microsoft.com/office/drawing/2010/main" val="0"/>
+              </a:ext>
+            </a:extLst>
+          </a:blip>
+          <a:srcRect b="64875"/>
+          <a:stretch/>
+        </p:blipFill>
+        <p:spPr>
+          <a:xfrm>
+            <a:off x="674102" y="104693"/>
+            <a:ext cx="5532571" cy="3506928"/>
+          </a:xfrm>
+          <a:prstGeom prst="rect">
+            <a:avLst/>
+          </a:prstGeom>
+        </p:spPr>
+      </p:pic>
+      <p:pic>
+        <p:nvPicPr>
+          <p:cNvPr id="39" name="Image 38"/>
+          <p:cNvPicPr>
+            <a:picLocks noChangeAspect="1"/>
+          </p:cNvPicPr>
+          <p:nvPr/>
+        </p:nvPicPr>
+        <p:blipFill>
+          <a:blip r:embed="rId14">
+            <a:extLst>
+              <a:ext uri="{28A0092B-C50C-407E-A947-70E740481C1C}">
+                <a14:useLocalDpi xmlns:a14="http://schemas.microsoft.com/office/drawing/2010/main" val="0"/>
+              </a:ext>
+            </a:extLst>
+          </a:blip>
+          <a:stretch>
+            <a:fillRect/>
+          </a:stretch>
+        </p:blipFill>
+        <p:spPr>
+          <a:xfrm>
+            <a:off x="1281756" y="1223157"/>
+            <a:ext cx="1155700" cy="1270000"/>
+          </a:xfrm>
+          <a:prstGeom prst="rect">
+            <a:avLst/>
+          </a:prstGeom>
+        </p:spPr>
+      </p:pic>
+      <p:cxnSp>
+        <p:nvCxnSpPr>
+          <p:cNvPr id="40" name="Connecteur en arc 39"/>
+          <p:cNvCxnSpPr/>
+          <p:nvPr/>
+        </p:nvCxnSpPr>
+        <p:spPr>
+          <a:xfrm rot="16200000" flipH="1">
+            <a:off x="2220562" y="3471997"/>
+            <a:ext cx="2436194" cy="3457"/>
+          </a:xfrm>
+          <a:prstGeom prst="curvedConnector3">
+            <a:avLst>
+              <a:gd name="adj1" fmla="val 50000"/>
+            </a:avLst>
+          </a:prstGeom>
+          <a:ln w="76200">
+            <a:solidFill>
+              <a:schemeClr val="tx1"/>
+            </a:solidFill>
+            <a:tailEnd type="triangle"/>
+          </a:ln>
+        </p:spPr>
+        <p:style>
+          <a:lnRef idx="1">
+            <a:schemeClr val="accent1"/>
+          </a:lnRef>
+          <a:fillRef idx="0">
+            <a:schemeClr val="accent1"/>
+          </a:fillRef>
+          <a:effectRef idx="0">
+            <a:schemeClr val="accent1"/>
+          </a:effectRef>
+          <a:fontRef idx="minor">
+            <a:schemeClr val="tx1"/>
+          </a:fontRef>
+        </p:style>
+      </p:cxnSp>
+      <p:pic>
+        <p:nvPicPr>
+          <p:cNvPr id="41" name="Image 40"/>
+          <p:cNvPicPr>
+            <a:picLocks noChangeAspect="1"/>
+          </p:cNvPicPr>
+          <p:nvPr/>
+        </p:nvPicPr>
+        <p:blipFill>
+          <a:blip r:embed="rId13">
+            <a:extLst>
+              <a:ext uri="{28A0092B-C50C-407E-A947-70E740481C1C}">
+                <a14:useLocalDpi xmlns:a14="http://schemas.microsoft.com/office/drawing/2010/main" val="0"/>
+              </a:ext>
+            </a:extLst>
+          </a:blip>
+          <a:stretch>
+            <a:fillRect/>
+          </a:stretch>
+        </p:blipFill>
+        <p:spPr>
+          <a:xfrm>
+            <a:off x="8665271" y="3792415"/>
+            <a:ext cx="626465" cy="530086"/>
+          </a:xfrm>
+          <a:prstGeom prst="rect">
+            <a:avLst/>
+          </a:prstGeom>
+        </p:spPr>
+      </p:pic>
+      <p:pic>
+        <p:nvPicPr>
+          <p:cNvPr id="13" name="Image 12"/>
+          <p:cNvPicPr>
+            <a:picLocks noChangeAspect="1"/>
+          </p:cNvPicPr>
+          <p:nvPr/>
+        </p:nvPicPr>
+        <p:blipFill>
+          <a:blip r:embed="rId15">
+            <a:extLst>
+              <a:ext uri="{28A0092B-C50C-407E-A947-70E740481C1C}">
+                <a14:useLocalDpi xmlns:a14="http://schemas.microsoft.com/office/drawing/2010/main" val="0"/>
+              </a:ext>
+            </a:extLst>
+          </a:blip>
+          <a:stretch>
+            <a:fillRect/>
+          </a:stretch>
+        </p:blipFill>
+        <p:spPr>
+          <a:xfrm>
+            <a:off x="3173800" y="2119934"/>
+            <a:ext cx="534691" cy="456715"/>
+          </a:xfrm>
+          <a:prstGeom prst="rect">
+            <a:avLst/>
+          </a:prstGeom>
+        </p:spPr>
+      </p:pic>
+      <p:pic>
+        <p:nvPicPr>
+          <p:cNvPr id="15" name="Image 14"/>
+          <p:cNvPicPr>
+            <a:picLocks noChangeAspect="1"/>
+          </p:cNvPicPr>
+          <p:nvPr/>
+        </p:nvPicPr>
+        <p:blipFill>
+          <a:blip r:embed="rId16">
+            <a:extLst>
+              <a:ext uri="{28A0092B-C50C-407E-A947-70E740481C1C}">
+                <a14:useLocalDpi xmlns:a14="http://schemas.microsoft.com/office/drawing/2010/main" val="0"/>
+              </a:ext>
+            </a:extLst>
+          </a:blip>
+          <a:stretch>
+            <a:fillRect/>
+          </a:stretch>
+        </p:blipFill>
+        <p:spPr>
+          <a:xfrm>
+            <a:off x="7492196" y="2009167"/>
+            <a:ext cx="707937" cy="569269"/>
+          </a:xfrm>
+          <a:prstGeom prst="rect">
+            <a:avLst/>
+          </a:prstGeom>
+        </p:spPr>
+      </p:pic>
+      <p:sp>
+        <p:nvSpPr>
+          <p:cNvPr id="50" name="ZoneTexte 49"/>
+          <p:cNvSpPr txBox="1"/>
+          <p:nvPr/>
+        </p:nvSpPr>
+        <p:spPr>
+          <a:xfrm>
+            <a:off x="7597104" y="1426132"/>
+            <a:ext cx="933218" cy="369332"/>
+          </a:xfrm>
+          <a:prstGeom prst="rect">
+            <a:avLst/>
+          </a:prstGeom>
+          <a:noFill/>
+        </p:spPr>
+        <p:txBody>
+          <a:bodyPr wrap="square" rtlCol="0">
+            <a:spAutoFit/>
+          </a:bodyPr>
+          <a:lstStyle/>
+          <a:p>
+            <a:r>
+              <a:rPr lang="fr-FR" dirty="0" smtClean="0"/>
+              <a:t>PO</a:t>
+            </a:r>
+            <a:r>
+              <a:rPr lang="fr-FR" baseline="-25000" dirty="0" smtClean="0"/>
+              <a:t>4</a:t>
+            </a:r>
+            <a:endParaRPr lang="fr-FR" dirty="0"/>
+          </a:p>
+        </p:txBody>
+      </p:sp>
+      <p:sp>
+        <p:nvSpPr>
+          <p:cNvPr id="51" name="ZoneTexte 50"/>
+          <p:cNvSpPr txBox="1"/>
+          <p:nvPr/>
+        </p:nvSpPr>
+        <p:spPr>
+          <a:xfrm>
+            <a:off x="4032402" y="1824794"/>
+            <a:ext cx="1173614" cy="523220"/>
+          </a:xfrm>
+          <a:prstGeom prst="rect">
+            <a:avLst/>
+          </a:prstGeom>
+          <a:noFill/>
+        </p:spPr>
+        <p:txBody>
+          <a:bodyPr wrap="square" rtlCol="0">
+            <a:spAutoFit/>
+          </a:bodyPr>
+          <a:lstStyle/>
+          <a:p>
+            <a:r>
+              <a:rPr lang="fr-FR" sz="2800" b="1" dirty="0" smtClean="0"/>
+              <a:t>Ca</a:t>
+            </a:r>
+            <a:r>
+              <a:rPr lang="fr-FR" sz="2800" b="1" baseline="30000" dirty="0" smtClean="0"/>
+              <a:t>2+</a:t>
+            </a:r>
+            <a:endParaRPr lang="fr-FR" sz="2800" b="1" dirty="0"/>
+          </a:p>
+        </p:txBody>
+      </p:sp>
+      <p:pic>
+        <p:nvPicPr>
+          <p:cNvPr id="69" name="Image 68"/>
+          <p:cNvPicPr>
+            <a:picLocks noChangeAspect="1"/>
+          </p:cNvPicPr>
+          <p:nvPr/>
+        </p:nvPicPr>
+        <p:blipFill>
+          <a:blip r:embed="rId15">
+            <a:extLst>
+              <a:ext uri="{28A0092B-C50C-407E-A947-70E740481C1C}">
+                <a14:useLocalDpi xmlns:a14="http://schemas.microsoft.com/office/drawing/2010/main" val="0"/>
+              </a:ext>
+            </a:extLst>
+          </a:blip>
+          <a:stretch>
+            <a:fillRect/>
+          </a:stretch>
+        </p:blipFill>
+        <p:spPr>
+          <a:xfrm>
+            <a:off x="3634464" y="1734704"/>
+            <a:ext cx="534691" cy="456715"/>
+          </a:xfrm>
+          <a:prstGeom prst="rect">
+            <a:avLst/>
+          </a:prstGeom>
+        </p:spPr>
+      </p:pic>
+      <p:pic>
+        <p:nvPicPr>
+          <p:cNvPr id="73" name="Image 72"/>
+          <p:cNvPicPr>
+            <a:picLocks noChangeAspect="1"/>
+          </p:cNvPicPr>
+          <p:nvPr/>
+        </p:nvPicPr>
+        <p:blipFill>
+          <a:blip r:embed="rId15">
+            <a:extLst>
+              <a:ext uri="{28A0092B-C50C-407E-A947-70E740481C1C}">
+                <a14:useLocalDpi xmlns:a14="http://schemas.microsoft.com/office/drawing/2010/main" val="0"/>
+              </a:ext>
+            </a:extLst>
+          </a:blip>
+          <a:stretch>
+            <a:fillRect/>
+          </a:stretch>
+        </p:blipFill>
+        <p:spPr>
+          <a:xfrm>
+            <a:off x="2567279" y="1948737"/>
+            <a:ext cx="534691" cy="456715"/>
+          </a:xfrm>
+          <a:prstGeom prst="rect">
+            <a:avLst/>
+          </a:prstGeom>
+        </p:spPr>
+      </p:pic>
+      <p:pic>
+        <p:nvPicPr>
+          <p:cNvPr id="74" name="Image 73"/>
+          <p:cNvPicPr>
+            <a:picLocks noChangeAspect="1"/>
+          </p:cNvPicPr>
+          <p:nvPr/>
+        </p:nvPicPr>
+        <p:blipFill>
+          <a:blip r:embed="rId15">
+            <a:extLst>
+              <a:ext uri="{28A0092B-C50C-407E-A947-70E740481C1C}">
+                <a14:useLocalDpi xmlns:a14="http://schemas.microsoft.com/office/drawing/2010/main" val="0"/>
+              </a:ext>
+            </a:extLst>
+          </a:blip>
+          <a:stretch>
+            <a:fillRect/>
+          </a:stretch>
+        </p:blipFill>
+        <p:spPr>
+          <a:xfrm>
+            <a:off x="3173800" y="5119089"/>
+            <a:ext cx="534691" cy="456715"/>
+          </a:xfrm>
+          <a:prstGeom prst="rect">
+            <a:avLst/>
+          </a:prstGeom>
+        </p:spPr>
+      </p:pic>
+      <p:pic>
+        <p:nvPicPr>
+          <p:cNvPr id="76" name="Image 75"/>
+          <p:cNvPicPr>
+            <a:picLocks noChangeAspect="1"/>
+          </p:cNvPicPr>
+          <p:nvPr/>
+        </p:nvPicPr>
+        <p:blipFill>
+          <a:blip r:embed="rId15">
+            <a:extLst>
+              <a:ext uri="{28A0092B-C50C-407E-A947-70E740481C1C}">
+                <a14:useLocalDpi xmlns:a14="http://schemas.microsoft.com/office/drawing/2010/main" val="0"/>
+              </a:ext>
+            </a:extLst>
+          </a:blip>
+          <a:stretch>
+            <a:fillRect/>
+          </a:stretch>
+        </p:blipFill>
+        <p:spPr>
+          <a:xfrm>
+            <a:off x="3184825" y="6163156"/>
+            <a:ext cx="534691" cy="456715"/>
+          </a:xfrm>
+          <a:prstGeom prst="rect">
+            <a:avLst/>
+          </a:prstGeom>
+        </p:spPr>
+      </p:pic>
+      <p:pic>
+        <p:nvPicPr>
+          <p:cNvPr id="2" name="Image 1"/>
+          <p:cNvPicPr>
+            <a:picLocks noChangeAspect="1"/>
+          </p:cNvPicPr>
+          <p:nvPr/>
+        </p:nvPicPr>
+        <p:blipFill>
+          <a:blip r:embed="rId17">
+            <a:extLst>
+              <a:ext uri="{28A0092B-C50C-407E-A947-70E740481C1C}">
+                <a14:useLocalDpi xmlns:a14="http://schemas.microsoft.com/office/drawing/2010/main" val="0"/>
+              </a:ext>
+            </a:extLst>
+          </a:blip>
+          <a:stretch>
+            <a:fillRect/>
+          </a:stretch>
+        </p:blipFill>
+        <p:spPr>
+          <a:xfrm>
+            <a:off x="2984786" y="10231766"/>
+            <a:ext cx="934768" cy="794139"/>
+          </a:xfrm>
+          <a:prstGeom prst="rect">
+            <a:avLst/>
+          </a:prstGeom>
+        </p:spPr>
+      </p:pic>
+    </p:spTree>
+    <p:extLst>
+      <p:ext uri="{BB962C8B-B14F-4D97-AF65-F5344CB8AC3E}">
+        <p14:creationId xmlns:p14="http://schemas.microsoft.com/office/powerpoint/2010/main" val="1309686717"/>
+      </p:ext>
+    </p:extLst>
+  </p:cSld>
+  <p:clrMapOvr>
+    <a:masterClrMapping/>
+  </p:clrMapOvr>
+  <mc:AlternateContent xmlns:mc="http://schemas.openxmlformats.org/markup-compatibility/2006">
+    <mc:Choice xmlns:p14="http://schemas.microsoft.com/office/powerpoint/2010/main" Requires="p14">
+      <p:transition spd="slow" p14:dur="900" advClick="0" advTm="0">
+        <p14:warp dir="in"/>
+      </p:transition>
+    </mc:Choice>
+    <mc:Fallback>
+      <p:transition spd="slow" advClick="0" advTm="0">
+        <p:fade/>
+      </p:transition>
+    </mc:Fallback>
+  </mc:AlternateContent>
+  <p:timing>
+    <p:tnLst>
+      <p:par>
+        <p:cTn id="1" dur="indefinite" restart="never" nodeType="tmRoot">
+          <p:childTnLst>
+            <p:seq concurrent="1" nextAc="seek">
+              <p:cTn id="2" dur="indefinite" nodeType="mainSeq">
+                <p:childTnLst>
+                  <p:par>
+                    <p:cTn id="3" fill="hold">
+                      <p:stCondLst>
+                        <p:cond delay="indefinite"/>
+                      </p:stCondLst>
+                      <p:childTnLst>
+                        <p:par>
+                          <p:cTn id="4" fill="hold">
+                            <p:stCondLst>
+                              <p:cond delay="0"/>
+                            </p:stCondLst>
+                            <p:childTnLst>
+                              <p:par>
+                                <p:cTn id="5" presetID="53" presetClass="entr" presetSubtype="16" fill="hold" nodeType="clickEffect">
+                                  <p:stCondLst>
+                                    <p:cond delay="0"/>
+                                  </p:stCondLst>
+                                  <p:childTnLst>
+                                    <p:set>
+                                      <p:cBhvr>
+                                        <p:cTn id="6" dur="1" fill="hold">
+                                          <p:stCondLst>
+                                            <p:cond delay="0"/>
+                                          </p:stCondLst>
+                                        </p:cTn>
+                                        <p:tgtEl>
+                                          <p:spTgt spid="39"/>
+                                        </p:tgtEl>
+                                        <p:attrNameLst>
+                                          <p:attrName>style.visibility</p:attrName>
+                                        </p:attrNameLst>
+                                      </p:cBhvr>
+                                      <p:to>
+                                        <p:strVal val="visible"/>
+                                      </p:to>
+                                    </p:set>
+                                    <p:anim calcmode="lin" valueType="num">
+                                      <p:cBhvr>
+                                        <p:cTn id="7" dur="500" fill="hold"/>
+                                        <p:tgtEl>
+                                          <p:spTgt spid="39"/>
+                                        </p:tgtEl>
+                                        <p:attrNameLst>
+                                          <p:attrName>ppt_w</p:attrName>
+                                        </p:attrNameLst>
+                                      </p:cBhvr>
+                                      <p:tavLst>
+                                        <p:tav tm="0">
+                                          <p:val>
+                                            <p:fltVal val="0"/>
+                                          </p:val>
+                                        </p:tav>
+                                        <p:tav tm="100000">
+                                          <p:val>
+                                            <p:strVal val="#ppt_w"/>
+                                          </p:val>
+                                        </p:tav>
+                                      </p:tavLst>
+                                    </p:anim>
+                                    <p:anim calcmode="lin" valueType="num">
+                                      <p:cBhvr>
+                                        <p:cTn id="8" dur="500" fill="hold"/>
+                                        <p:tgtEl>
+                                          <p:spTgt spid="39"/>
+                                        </p:tgtEl>
+                                        <p:attrNameLst>
+                                          <p:attrName>ppt_h</p:attrName>
+                                        </p:attrNameLst>
+                                      </p:cBhvr>
+                                      <p:tavLst>
+                                        <p:tav tm="0">
+                                          <p:val>
+                                            <p:fltVal val="0"/>
+                                          </p:val>
+                                        </p:tav>
+                                        <p:tav tm="100000">
+                                          <p:val>
+                                            <p:strVal val="#ppt_h"/>
+                                          </p:val>
+                                        </p:tav>
+                                      </p:tavLst>
+                                    </p:anim>
+                                    <p:animEffect transition="in" filter="fade">
+                                      <p:cBhvr>
+                                        <p:cTn id="9" dur="500"/>
+                                        <p:tgtEl>
+                                          <p:spTgt spid="39"/>
+                                        </p:tgtEl>
+                                      </p:cBhvr>
+                                    </p:animEffect>
+                                  </p:childTnLst>
+                                </p:cTn>
+                              </p:par>
+                            </p:childTnLst>
+                          </p:cTn>
+                        </p:par>
+                      </p:childTnLst>
+                    </p:cTn>
+                  </p:par>
+                  <p:par>
+                    <p:cTn id="10" fill="hold">
+                      <p:stCondLst>
+                        <p:cond delay="indefinite"/>
+                      </p:stCondLst>
+                      <p:childTnLst>
+                        <p:par>
+                          <p:cTn id="11" fill="hold">
+                            <p:stCondLst>
+                              <p:cond delay="0"/>
+                            </p:stCondLst>
+                            <p:childTnLst>
+                              <p:par>
+                                <p:cTn id="12" presetID="19" presetClass="entr" presetSubtype="10" fill="hold" nodeType="clickEffect">
+                                  <p:stCondLst>
+                                    <p:cond delay="0"/>
+                                  </p:stCondLst>
+                                  <p:childTnLst>
+                                    <p:set>
+                                      <p:cBhvr>
+                                        <p:cTn id="13" dur="1" fill="hold">
+                                          <p:stCondLst>
+                                            <p:cond delay="0"/>
+                                          </p:stCondLst>
+                                        </p:cTn>
+                                        <p:tgtEl>
+                                          <p:spTgt spid="73"/>
+                                        </p:tgtEl>
+                                        <p:attrNameLst>
+                                          <p:attrName>style.visibility</p:attrName>
+                                        </p:attrNameLst>
+                                      </p:cBhvr>
+                                      <p:to>
+                                        <p:strVal val="visible"/>
+                                      </p:to>
+                                    </p:set>
+                                    <p:anim calcmode="lin" valueType="num">
+                                      <p:cBhvr>
+                                        <p:cTn id="14" dur="5000" fill="hold"/>
+                                        <p:tgtEl>
+                                          <p:spTgt spid="73"/>
+                                        </p:tgtEl>
+                                        <p:attrNameLst>
+                                          <p:attrName>ppt_w</p:attrName>
+                                        </p:attrNameLst>
+                                      </p:cBhvr>
+                                      <p:tavLst>
+                                        <p:tav tm="0" fmla="#ppt_w*sin(2.5*pi*$)">
+                                          <p:val>
+                                            <p:fltVal val="0"/>
+                                          </p:val>
+                                        </p:tav>
+                                        <p:tav tm="100000">
+                                          <p:val>
+                                            <p:fltVal val="1"/>
+                                          </p:val>
+                                        </p:tav>
+                                      </p:tavLst>
+                                    </p:anim>
+                                    <p:anim calcmode="lin" valueType="num">
+                                      <p:cBhvr>
+                                        <p:cTn id="15" dur="5000" fill="hold"/>
+                                        <p:tgtEl>
+                                          <p:spTgt spid="73"/>
+                                        </p:tgtEl>
+                                        <p:attrNameLst>
+                                          <p:attrName>ppt_h</p:attrName>
+                                        </p:attrNameLst>
+                                      </p:cBhvr>
+                                      <p:tavLst>
+                                        <p:tav tm="0">
+                                          <p:val>
+                                            <p:strVal val="#ppt_h"/>
+                                          </p:val>
+                                        </p:tav>
+                                        <p:tav tm="100000">
+                                          <p:val>
+                                            <p:strVal val="#ppt_h"/>
+                                          </p:val>
+                                        </p:tav>
+                                      </p:tavLst>
+                                    </p:anim>
+                                  </p:childTnLst>
+                                </p:cTn>
+                              </p:par>
+                              <p:par>
+                                <p:cTn id="16" presetID="19" presetClass="entr" presetSubtype="10" fill="hold" nodeType="withEffect">
+                                  <p:stCondLst>
+                                    <p:cond delay="0"/>
+                                  </p:stCondLst>
+                                  <p:childTnLst>
+                                    <p:set>
+                                      <p:cBhvr>
+                                        <p:cTn id="17" dur="1" fill="hold">
+                                          <p:stCondLst>
+                                            <p:cond delay="0"/>
+                                          </p:stCondLst>
+                                        </p:cTn>
+                                        <p:tgtEl>
+                                          <p:spTgt spid="13"/>
+                                        </p:tgtEl>
+                                        <p:attrNameLst>
+                                          <p:attrName>style.visibility</p:attrName>
+                                        </p:attrNameLst>
+                                      </p:cBhvr>
+                                      <p:to>
+                                        <p:strVal val="visible"/>
+                                      </p:to>
+                                    </p:set>
+                                    <p:anim calcmode="lin" valueType="num">
+                                      <p:cBhvr>
+                                        <p:cTn id="18" dur="5000" fill="hold"/>
+                                        <p:tgtEl>
+                                          <p:spTgt spid="13"/>
+                                        </p:tgtEl>
+                                        <p:attrNameLst>
+                                          <p:attrName>ppt_w</p:attrName>
+                                        </p:attrNameLst>
+                                      </p:cBhvr>
+                                      <p:tavLst>
+                                        <p:tav tm="0" fmla="#ppt_w*sin(2.5*pi*$)">
+                                          <p:val>
+                                            <p:fltVal val="0"/>
+                                          </p:val>
+                                        </p:tav>
+                                        <p:tav tm="100000">
+                                          <p:val>
+                                            <p:fltVal val="1"/>
+                                          </p:val>
+                                        </p:tav>
+                                      </p:tavLst>
+                                    </p:anim>
+                                    <p:anim calcmode="lin" valueType="num">
+                                      <p:cBhvr>
+                                        <p:cTn id="19" dur="5000" fill="hold"/>
+                                        <p:tgtEl>
+                                          <p:spTgt spid="13"/>
+                                        </p:tgtEl>
+                                        <p:attrNameLst>
+                                          <p:attrName>ppt_h</p:attrName>
+                                        </p:attrNameLst>
+                                      </p:cBhvr>
+                                      <p:tavLst>
+                                        <p:tav tm="0">
+                                          <p:val>
+                                            <p:strVal val="#ppt_h"/>
+                                          </p:val>
+                                        </p:tav>
+                                        <p:tav tm="100000">
+                                          <p:val>
+                                            <p:strVal val="#ppt_h"/>
+                                          </p:val>
+                                        </p:tav>
+                                      </p:tavLst>
+                                    </p:anim>
+                                  </p:childTnLst>
+                                </p:cTn>
+                              </p:par>
+                              <p:par>
+                                <p:cTn id="20" presetID="19" presetClass="entr" presetSubtype="10" fill="hold" nodeType="withEffect">
+                                  <p:stCondLst>
+                                    <p:cond delay="0"/>
+                                  </p:stCondLst>
+                                  <p:childTnLst>
+                                    <p:set>
+                                      <p:cBhvr>
+                                        <p:cTn id="21" dur="1" fill="hold">
+                                          <p:stCondLst>
+                                            <p:cond delay="0"/>
+                                          </p:stCondLst>
+                                        </p:cTn>
+                                        <p:tgtEl>
+                                          <p:spTgt spid="69"/>
+                                        </p:tgtEl>
+                                        <p:attrNameLst>
+                                          <p:attrName>style.visibility</p:attrName>
+                                        </p:attrNameLst>
+                                      </p:cBhvr>
+                                      <p:to>
+                                        <p:strVal val="visible"/>
+                                      </p:to>
+                                    </p:set>
+                                    <p:anim calcmode="lin" valueType="num">
+                                      <p:cBhvr>
+                                        <p:cTn id="22" dur="5000" fill="hold"/>
+                                        <p:tgtEl>
+                                          <p:spTgt spid="69"/>
+                                        </p:tgtEl>
+                                        <p:attrNameLst>
+                                          <p:attrName>ppt_w</p:attrName>
+                                        </p:attrNameLst>
+                                      </p:cBhvr>
+                                      <p:tavLst>
+                                        <p:tav tm="0" fmla="#ppt_w*sin(2.5*pi*$)">
+                                          <p:val>
+                                            <p:fltVal val="0"/>
+                                          </p:val>
+                                        </p:tav>
+                                        <p:tav tm="100000">
+                                          <p:val>
+                                            <p:fltVal val="1"/>
+                                          </p:val>
+                                        </p:tav>
+                                      </p:tavLst>
+                                    </p:anim>
+                                    <p:anim calcmode="lin" valueType="num">
+                                      <p:cBhvr>
+                                        <p:cTn id="23" dur="5000" fill="hold"/>
+                                        <p:tgtEl>
+                                          <p:spTgt spid="69"/>
+                                        </p:tgtEl>
+                                        <p:attrNameLst>
+                                          <p:attrName>ppt_h</p:attrName>
+                                        </p:attrNameLst>
+                                      </p:cBhvr>
+                                      <p:tavLst>
+                                        <p:tav tm="0">
+                                          <p:val>
+                                            <p:strVal val="#ppt_h"/>
+                                          </p:val>
+                                        </p:tav>
+                                        <p:tav tm="100000">
+                                          <p:val>
+                                            <p:strVal val="#ppt_h"/>
+                                          </p:val>
+                                        </p:tav>
+                                      </p:tavLst>
+                                    </p:anim>
+                                  </p:childTnLst>
+                                </p:cTn>
+                              </p:par>
+                              <p:par>
+                                <p:cTn id="24" presetID="1" presetClass="entr" presetSubtype="0" fill="hold" grpId="1" nodeType="withEffect">
+                                  <p:stCondLst>
+                                    <p:cond delay="0"/>
+                                  </p:stCondLst>
+                                  <p:childTnLst>
+                                    <p:set>
+                                      <p:cBhvr>
+                                        <p:cTn id="25" dur="1" fill="hold">
+                                          <p:stCondLst>
+                                            <p:cond delay="0"/>
+                                          </p:stCondLst>
+                                        </p:cTn>
+                                        <p:tgtEl>
+                                          <p:spTgt spid="51"/>
+                                        </p:tgtEl>
+                                        <p:attrNameLst>
+                                          <p:attrName>style.visibility</p:attrName>
+                                        </p:attrNameLst>
+                                      </p:cBhvr>
+                                      <p:to>
+                                        <p:strVal val="visible"/>
+                                      </p:to>
+                                    </p:set>
+                                  </p:childTnLst>
+                                </p:cTn>
+                              </p:par>
+                            </p:childTnLst>
+                          </p:cTn>
+                        </p:par>
+                      </p:childTnLst>
+                    </p:cTn>
+                  </p:par>
+                  <p:par>
+                    <p:cTn id="26" fill="hold">
+                      <p:stCondLst>
+                        <p:cond delay="indefinite"/>
+                      </p:stCondLst>
+                      <p:childTnLst>
+                        <p:par>
+                          <p:cTn id="27" fill="hold">
+                            <p:stCondLst>
+                              <p:cond delay="0"/>
+                            </p:stCondLst>
+                            <p:childTnLst>
+                              <p:par>
+                                <p:cTn id="28" presetID="55" presetClass="entr" presetSubtype="0" fill="hold" nodeType="clickEffect">
+                                  <p:stCondLst>
+                                    <p:cond delay="0"/>
+                                  </p:stCondLst>
+                                  <p:childTnLst>
+                                    <p:set>
+                                      <p:cBhvr>
+                                        <p:cTn id="29" dur="1" fill="hold">
+                                          <p:stCondLst>
+                                            <p:cond delay="0"/>
+                                          </p:stCondLst>
+                                        </p:cTn>
+                                        <p:tgtEl>
+                                          <p:spTgt spid="40"/>
+                                        </p:tgtEl>
+                                        <p:attrNameLst>
+                                          <p:attrName>style.visibility</p:attrName>
+                                        </p:attrNameLst>
+                                      </p:cBhvr>
+                                      <p:to>
+                                        <p:strVal val="visible"/>
+                                      </p:to>
+                                    </p:set>
+                                    <p:anim calcmode="lin" valueType="num">
+                                      <p:cBhvr>
+                                        <p:cTn id="30" dur="1000" fill="hold"/>
+                                        <p:tgtEl>
+                                          <p:spTgt spid="40"/>
+                                        </p:tgtEl>
+                                        <p:attrNameLst>
+                                          <p:attrName>ppt_w</p:attrName>
+                                        </p:attrNameLst>
+                                      </p:cBhvr>
+                                      <p:tavLst>
+                                        <p:tav tm="0">
+                                          <p:val>
+                                            <p:strVal val="#ppt_w*0.70"/>
+                                          </p:val>
+                                        </p:tav>
+                                        <p:tav tm="100000">
+                                          <p:val>
+                                            <p:strVal val="#ppt_w"/>
+                                          </p:val>
+                                        </p:tav>
+                                      </p:tavLst>
+                                    </p:anim>
+                                    <p:anim calcmode="lin" valueType="num">
+                                      <p:cBhvr>
+                                        <p:cTn id="31" dur="1000" fill="hold"/>
+                                        <p:tgtEl>
+                                          <p:spTgt spid="40"/>
+                                        </p:tgtEl>
+                                        <p:attrNameLst>
+                                          <p:attrName>ppt_h</p:attrName>
+                                        </p:attrNameLst>
+                                      </p:cBhvr>
+                                      <p:tavLst>
+                                        <p:tav tm="0">
+                                          <p:val>
+                                            <p:strVal val="#ppt_h"/>
+                                          </p:val>
+                                        </p:tav>
+                                        <p:tav tm="100000">
+                                          <p:val>
+                                            <p:strVal val="#ppt_h"/>
+                                          </p:val>
+                                        </p:tav>
+                                      </p:tavLst>
+                                    </p:anim>
+                                    <p:animEffect transition="in" filter="fade">
+                                      <p:cBhvr>
+                                        <p:cTn id="32" dur="1000"/>
+                                        <p:tgtEl>
+                                          <p:spTgt spid="40"/>
+                                        </p:tgtEl>
+                                      </p:cBhvr>
+                                    </p:animEffect>
+                                  </p:childTnLst>
+                                </p:cTn>
+                              </p:par>
+                            </p:childTnLst>
+                          </p:cTn>
+                        </p:par>
+                      </p:childTnLst>
+                    </p:cTn>
+                  </p:par>
+                  <p:par>
+                    <p:cTn id="33" fill="hold">
+                      <p:stCondLst>
+                        <p:cond delay="indefinite"/>
+                      </p:stCondLst>
+                      <p:childTnLst>
+                        <p:par>
+                          <p:cTn id="34" fill="hold">
+                            <p:stCondLst>
+                              <p:cond delay="0"/>
+                            </p:stCondLst>
+                            <p:childTnLst>
+                              <p:par>
+                                <p:cTn id="35" presetID="53" presetClass="entr" presetSubtype="16" fill="hold" nodeType="clickEffect">
+                                  <p:stCondLst>
+                                    <p:cond delay="0"/>
+                                  </p:stCondLst>
+                                  <p:childTnLst>
+                                    <p:set>
+                                      <p:cBhvr>
+                                        <p:cTn id="36" dur="1" fill="hold">
+                                          <p:stCondLst>
+                                            <p:cond delay="0"/>
+                                          </p:stCondLst>
+                                        </p:cTn>
+                                        <p:tgtEl>
+                                          <p:spTgt spid="24"/>
+                                        </p:tgtEl>
+                                        <p:attrNameLst>
+                                          <p:attrName>style.visibility</p:attrName>
+                                        </p:attrNameLst>
+                                      </p:cBhvr>
+                                      <p:to>
+                                        <p:strVal val="visible"/>
+                                      </p:to>
+                                    </p:set>
+                                    <p:anim calcmode="lin" valueType="num">
+                                      <p:cBhvr>
+                                        <p:cTn id="37" dur="500" fill="hold"/>
+                                        <p:tgtEl>
+                                          <p:spTgt spid="24"/>
+                                        </p:tgtEl>
+                                        <p:attrNameLst>
+                                          <p:attrName>ppt_w</p:attrName>
+                                        </p:attrNameLst>
+                                      </p:cBhvr>
+                                      <p:tavLst>
+                                        <p:tav tm="0">
+                                          <p:val>
+                                            <p:fltVal val="0"/>
+                                          </p:val>
+                                        </p:tav>
+                                        <p:tav tm="100000">
+                                          <p:val>
+                                            <p:strVal val="#ppt_w"/>
+                                          </p:val>
+                                        </p:tav>
+                                      </p:tavLst>
+                                    </p:anim>
+                                    <p:anim calcmode="lin" valueType="num">
+                                      <p:cBhvr>
+                                        <p:cTn id="38" dur="500" fill="hold"/>
+                                        <p:tgtEl>
+                                          <p:spTgt spid="24"/>
+                                        </p:tgtEl>
+                                        <p:attrNameLst>
+                                          <p:attrName>ppt_h</p:attrName>
+                                        </p:attrNameLst>
+                                      </p:cBhvr>
+                                      <p:tavLst>
+                                        <p:tav tm="0">
+                                          <p:val>
+                                            <p:fltVal val="0"/>
+                                          </p:val>
+                                        </p:tav>
+                                        <p:tav tm="100000">
+                                          <p:val>
+                                            <p:strVal val="#ppt_h"/>
+                                          </p:val>
+                                        </p:tav>
+                                      </p:tavLst>
+                                    </p:anim>
+                                    <p:animEffect transition="in" filter="fade">
+                                      <p:cBhvr>
+                                        <p:cTn id="39" dur="500"/>
+                                        <p:tgtEl>
+                                          <p:spTgt spid="24"/>
+                                        </p:tgtEl>
+                                      </p:cBhvr>
+                                    </p:animEffect>
+                                  </p:childTnLst>
+                                </p:cTn>
+                              </p:par>
+                            </p:childTnLst>
+                          </p:cTn>
+                        </p:par>
+                      </p:childTnLst>
+                    </p:cTn>
+                  </p:par>
+                  <p:par>
+                    <p:cTn id="40" fill="hold">
+                      <p:stCondLst>
+                        <p:cond delay="indefinite"/>
+                      </p:stCondLst>
+                      <p:childTnLst>
+                        <p:par>
+                          <p:cTn id="41" fill="hold">
+                            <p:stCondLst>
+                              <p:cond delay="0"/>
+                            </p:stCondLst>
+                            <p:childTnLst>
+                              <p:par>
+                                <p:cTn id="42" presetID="42" presetClass="path" presetSubtype="0" accel="50000" decel="50000" fill="hold" nodeType="clickEffect">
+                                  <p:stCondLst>
+                                    <p:cond delay="0"/>
+                                  </p:stCondLst>
+                                  <p:childTnLst>
+                                    <p:animMotion origin="layout" path="M 0 0 L 0 0.25 E" pathEditMode="relative" ptsTypes="">
+                                      <p:cBhvr>
+                                        <p:cTn id="43" dur="2000" fill="hold"/>
+                                        <p:tgtEl>
+                                          <p:spTgt spid="13"/>
+                                        </p:tgtEl>
+                                        <p:attrNameLst>
+                                          <p:attrName>ppt_x</p:attrName>
+                                          <p:attrName>ppt_y</p:attrName>
+                                        </p:attrNameLst>
+                                      </p:cBhvr>
+                                    </p:animMotion>
+                                  </p:childTnLst>
+                                </p:cTn>
+                              </p:par>
+                            </p:childTnLst>
+                          </p:cTn>
+                        </p:par>
+                      </p:childTnLst>
+                    </p:cTn>
+                  </p:par>
+                  <p:par>
+                    <p:cTn id="44" fill="hold">
+                      <p:stCondLst>
+                        <p:cond delay="indefinite"/>
+                      </p:stCondLst>
+                      <p:childTnLst>
+                        <p:par>
+                          <p:cTn id="45" fill="hold">
+                            <p:stCondLst>
+                              <p:cond delay="0"/>
+                            </p:stCondLst>
+                            <p:childTnLst>
+                              <p:par>
+                                <p:cTn id="46" presetID="0" presetClass="path" presetSubtype="0" accel="50000" decel="50000" fill="hold" nodeType="clickEffect">
+                                  <p:stCondLst>
+                                    <p:cond delay="0"/>
+                                  </p:stCondLst>
+                                  <p:childTnLst>
+                                    <p:animMotion origin="layout" path="M 1.11022E-16 -3.75E-6 C -0.02222 0.00209 -0.04398 0.0043 -0.05486 0.01563 C -0.06597 0.02722 -0.06412 0.02448 -0.06597 0.06823 C -0.06759 0.11185 -0.06597 0.27813 -0.06597 0.27839 L -0.06597 0.27813 " pathEditMode="relative" rAng="0" ptsTypes="AAAAA">
+                                      <p:cBhvr>
+                                        <p:cTn id="47" dur="2000" fill="hold"/>
+                                        <p:tgtEl>
+                                          <p:spTgt spid="69"/>
+                                        </p:tgtEl>
+                                        <p:attrNameLst>
+                                          <p:attrName>ppt_x</p:attrName>
+                                          <p:attrName>ppt_y</p:attrName>
+                                        </p:attrNameLst>
+                                      </p:cBhvr>
+                                      <p:rCtr x="-3333" y="13919"/>
+                                    </p:animMotion>
+                                  </p:childTnLst>
+                                </p:cTn>
+                              </p:par>
+                            </p:childTnLst>
+                          </p:cTn>
+                        </p:par>
+                      </p:childTnLst>
+                    </p:cTn>
+                  </p:par>
+                  <p:par>
+                    <p:cTn id="48" fill="hold">
+                      <p:stCondLst>
+                        <p:cond delay="indefinite"/>
+                      </p:stCondLst>
+                      <p:childTnLst>
+                        <p:par>
+                          <p:cTn id="49" fill="hold">
+                            <p:stCondLst>
+                              <p:cond delay="0"/>
+                            </p:stCondLst>
+                            <p:childTnLst>
+                              <p:par>
+                                <p:cTn id="50" presetID="0" presetClass="path" presetSubtype="0" accel="50000" decel="50000" fill="hold" nodeType="clickEffect">
+                                  <p:stCondLst>
+                                    <p:cond delay="0"/>
+                                  </p:stCondLst>
+                                  <p:childTnLst>
+                                    <p:animMotion origin="layout" path="M -4.44444E-6 4.375E-6 L 0.05301 0.00195 C 0.06783 0.00572 0.08241 0.00716 0.0882 0.02213 C 0.09399 0.03737 0.08681 0.05247 0.08704 0.09218 C 0.08704 0.13203 0.08936 0.26106 0.08936 0.26132 " pathEditMode="relative" rAng="0" ptsTypes="AAAAA">
+                                      <p:cBhvr>
+                                        <p:cTn id="51" dur="2000" fill="hold"/>
+                                        <p:tgtEl>
+                                          <p:spTgt spid="73"/>
+                                        </p:tgtEl>
+                                        <p:attrNameLst>
+                                          <p:attrName>ppt_x</p:attrName>
+                                          <p:attrName>ppt_y</p:attrName>
+                                        </p:attrNameLst>
+                                      </p:cBhvr>
+                                      <p:rCtr x="4514" y="13060"/>
+                                    </p:animMotion>
+                                  </p:childTnLst>
+                                </p:cTn>
+                              </p:par>
+                            </p:childTnLst>
+                          </p:cTn>
+                        </p:par>
+                        <p:par>
+                          <p:cTn id="52" fill="hold">
+                            <p:stCondLst>
+                              <p:cond delay="2000"/>
+                            </p:stCondLst>
+                            <p:childTnLst>
+                              <p:par>
+                                <p:cTn id="53" presetID="19" presetClass="entr" presetSubtype="10" fill="hold" nodeType="afterEffect">
+                                  <p:stCondLst>
+                                    <p:cond delay="0"/>
+                                  </p:stCondLst>
+                                  <p:childTnLst>
+                                    <p:set>
+                                      <p:cBhvr>
+                                        <p:cTn id="54" dur="1" fill="hold">
+                                          <p:stCondLst>
+                                            <p:cond delay="0"/>
+                                          </p:stCondLst>
+                                        </p:cTn>
+                                        <p:tgtEl>
+                                          <p:spTgt spid="74"/>
+                                        </p:tgtEl>
+                                        <p:attrNameLst>
+                                          <p:attrName>style.visibility</p:attrName>
+                                        </p:attrNameLst>
+                                      </p:cBhvr>
+                                      <p:to>
+                                        <p:strVal val="visible"/>
+                                      </p:to>
+                                    </p:set>
+                                    <p:anim calcmode="lin" valueType="num">
+                                      <p:cBhvr>
+                                        <p:cTn id="55" dur="5000" fill="hold"/>
+                                        <p:tgtEl>
+                                          <p:spTgt spid="74"/>
+                                        </p:tgtEl>
+                                        <p:attrNameLst>
+                                          <p:attrName>ppt_w</p:attrName>
+                                        </p:attrNameLst>
+                                      </p:cBhvr>
+                                      <p:tavLst>
+                                        <p:tav tm="0" fmla="#ppt_w*sin(2.5*pi*$)">
+                                          <p:val>
+                                            <p:fltVal val="0"/>
+                                          </p:val>
+                                        </p:tav>
+                                        <p:tav tm="100000">
+                                          <p:val>
+                                            <p:fltVal val="1"/>
+                                          </p:val>
+                                        </p:tav>
+                                      </p:tavLst>
+                                    </p:anim>
+                                    <p:anim calcmode="lin" valueType="num">
+                                      <p:cBhvr>
+                                        <p:cTn id="56" dur="5000" fill="hold"/>
+                                        <p:tgtEl>
+                                          <p:spTgt spid="74"/>
+                                        </p:tgtEl>
+                                        <p:attrNameLst>
+                                          <p:attrName>ppt_h</p:attrName>
+                                        </p:attrNameLst>
+                                      </p:cBhvr>
+                                      <p:tavLst>
+                                        <p:tav tm="0">
+                                          <p:val>
+                                            <p:strVal val="#ppt_h"/>
+                                          </p:val>
+                                        </p:tav>
+                                        <p:tav tm="100000">
+                                          <p:val>
+                                            <p:strVal val="#ppt_h"/>
+                                          </p:val>
+                                        </p:tav>
+                                      </p:tavLst>
+                                    </p:anim>
+                                  </p:childTnLst>
+                                </p:cTn>
+                              </p:par>
+                            </p:childTnLst>
+                          </p:cTn>
+                        </p:par>
+                      </p:childTnLst>
+                    </p:cTn>
+                  </p:par>
+                  <p:par>
+                    <p:cTn id="57" fill="hold">
+                      <p:stCondLst>
+                        <p:cond delay="indefinite"/>
+                      </p:stCondLst>
+                      <p:childTnLst>
+                        <p:par>
+                          <p:cTn id="58" fill="hold">
+                            <p:stCondLst>
+                              <p:cond delay="0"/>
+                            </p:stCondLst>
+                            <p:childTnLst>
+                              <p:par>
+                                <p:cTn id="59" presetID="0" presetClass="path" presetSubtype="0" accel="50000" decel="50000" fill="hold" nodeType="clickEffect">
+                                  <p:stCondLst>
+                                    <p:cond delay="0"/>
+                                  </p:stCondLst>
+                                  <p:childTnLst>
+                                    <p:animMotion origin="layout" path="M -3.7037E-7 -1.66667E-6 L -3.7037E-7 0.00013 C -0.00648 -0.00078 -0.01273 -0.00208 -0.01921 -0.00234 C -0.0213 -0.00247 -0.03125 -0.00052 -0.03403 -1.66667E-6 C -0.03542 0.00235 -0.03912 0.00469 -0.03819 0.00716 C -0.0375 0.00912 -0.03727 0.0112 -0.03611 0.01302 C -0.03472 0.01498 -0.02824 0.01914 -0.02546 0.02018 C -0.02361 0.02097 -0.0213 0.02097 -0.01921 0.02136 C -0.01713 0.02266 -0.01528 0.02409 -0.01273 0.025 C -0.00926 0.0263 0.00463 0.02722 0.00625 0.02735 C 0.00903 0.02774 0.01181 0.02839 0.01482 0.02852 C 0.03171 0.0293 0.04861 0.0293 0.06551 0.02969 C 0.06829 0.03021 0.07222 0.02969 0.07407 0.03099 C 0.07523 0.0319 0.07338 0.0336 0.07176 0.03451 C 0.07037 0.03568 0.06782 0.0362 0.06551 0.03685 C 0.0625 0.03776 0.05347 0.03893 0.05069 0.03932 C 0.04375 0.03893 0.03657 0.0388 0.02963 0.03815 C 0.02384 0.0375 0.0125 0.03568 0.0125 0.03581 C 0.00579 0.0362 -0.00856 0.03685 -0.01481 0.03932 L -0.0213 0.04167 C -0.02315 0.04505 -0.0287 0.04987 -0.02338 0.05352 C -0.02199 0.05456 -0.01898 0.05417 -0.01713 0.05482 C -0.00903 0.05703 -0.01204 0.05807 -0.00231 0.05834 C 0.02037 0.05899 0.04306 0.05912 0.06551 0.05951 C 0.06412 0.06107 0.06343 0.06302 0.06134 0.06432 C 0.05972 0.06524 0.05718 0.06524 0.05486 0.0655 C 0.04931 0.06602 0.04375 0.06628 0.03796 0.06667 C 0.01852 0.07031 0.04051 0.06667 -0.00648 0.06667 C -0.01065 0.06667 -0.01481 0.06745 -0.01921 0.06784 C -0.01991 0.06901 -0.0213 0.07018 -0.0213 0.07149 C -0.0213 0.07266 -0.0206 0.07409 -0.01921 0.075 C -0.0162 0.07709 -0.01065 0.07774 -0.00648 0.07852 C -0.0044 0.07943 -0.00231 0.08034 -3.7037E-7 0.08099 C 0.00394 0.08203 0.0125 0.08334 0.0125 0.08347 C 0.02037 0.0862 0.01667 0.08503 0.02315 0.08698 L 0.02315 0.08711 " pathEditMode="relative" rAng="0" ptsTypes="AAAAAAAAAAAAAAAAAAAAAAAAAAAAAAAAAAAA">
+                                      <p:cBhvr>
+                                        <p:cTn id="60" dur="5000" fill="hold"/>
+                                        <p:tgtEl>
+                                          <p:spTgt spid="74"/>
+                                        </p:tgtEl>
+                                        <p:attrNameLst>
+                                          <p:attrName>ppt_x</p:attrName>
+                                          <p:attrName>ppt_y</p:attrName>
+                                        </p:attrNameLst>
+                                      </p:cBhvr>
+                                      <p:rCtr x="1782" y="4232"/>
+                                    </p:animMotion>
+                                  </p:childTnLst>
+                                </p:cTn>
+                              </p:par>
+                            </p:childTnLst>
+                          </p:cTn>
+                        </p:par>
+                        <p:par>
+                          <p:cTn id="61" fill="hold">
+                            <p:stCondLst>
+                              <p:cond delay="5000"/>
+                            </p:stCondLst>
+                            <p:childTnLst>
+                              <p:par>
+                                <p:cTn id="62" presetID="19" presetClass="entr" presetSubtype="10" fill="hold" nodeType="afterEffect">
+                                  <p:stCondLst>
+                                    <p:cond delay="0"/>
+                                  </p:stCondLst>
+                                  <p:childTnLst>
+                                    <p:set>
+                                      <p:cBhvr>
+                                        <p:cTn id="63" dur="1" fill="hold">
+                                          <p:stCondLst>
+                                            <p:cond delay="0"/>
+                                          </p:stCondLst>
+                                        </p:cTn>
+                                        <p:tgtEl>
+                                          <p:spTgt spid="76"/>
+                                        </p:tgtEl>
+                                        <p:attrNameLst>
+                                          <p:attrName>style.visibility</p:attrName>
+                                        </p:attrNameLst>
+                                      </p:cBhvr>
+                                      <p:to>
+                                        <p:strVal val="visible"/>
+                                      </p:to>
+                                    </p:set>
+                                    <p:anim calcmode="lin" valueType="num">
+                                      <p:cBhvr>
+                                        <p:cTn id="64" dur="5000" fill="hold"/>
+                                        <p:tgtEl>
+                                          <p:spTgt spid="76"/>
+                                        </p:tgtEl>
+                                        <p:attrNameLst>
+                                          <p:attrName>ppt_w</p:attrName>
+                                        </p:attrNameLst>
+                                      </p:cBhvr>
+                                      <p:tavLst>
+                                        <p:tav tm="0" fmla="#ppt_w*sin(2.5*pi*$)">
+                                          <p:val>
+                                            <p:fltVal val="0"/>
+                                          </p:val>
+                                        </p:tav>
+                                        <p:tav tm="100000">
+                                          <p:val>
+                                            <p:fltVal val="1"/>
+                                          </p:val>
+                                        </p:tav>
+                                      </p:tavLst>
+                                    </p:anim>
+                                    <p:anim calcmode="lin" valueType="num">
+                                      <p:cBhvr>
+                                        <p:cTn id="65" dur="5000" fill="hold"/>
+                                        <p:tgtEl>
+                                          <p:spTgt spid="76"/>
+                                        </p:tgtEl>
+                                        <p:attrNameLst>
+                                          <p:attrName>ppt_h</p:attrName>
+                                        </p:attrNameLst>
+                                      </p:cBhvr>
+                                      <p:tavLst>
+                                        <p:tav tm="0">
+                                          <p:val>
+                                            <p:strVal val="#ppt_h"/>
+                                          </p:val>
+                                        </p:tav>
+                                        <p:tav tm="100000">
+                                          <p:val>
+                                            <p:strVal val="#ppt_h"/>
+                                          </p:val>
+                                        </p:tav>
+                                      </p:tavLst>
+                                    </p:anim>
+                                  </p:childTnLst>
+                                </p:cTn>
+                              </p:par>
+                            </p:childTnLst>
+                          </p:cTn>
+                        </p:par>
+                      </p:childTnLst>
+                    </p:cTn>
+                  </p:par>
+                  <p:par>
+                    <p:cTn id="66" fill="hold">
+                      <p:stCondLst>
+                        <p:cond delay="indefinite"/>
+                      </p:stCondLst>
+                      <p:childTnLst>
+                        <p:par>
+                          <p:cTn id="67" fill="hold">
+                            <p:stCondLst>
+                              <p:cond delay="0"/>
+                            </p:stCondLst>
+                            <p:childTnLst>
+                              <p:par>
+                                <p:cTn id="68" presetID="55" presetClass="entr" presetSubtype="0" fill="hold" nodeType="clickEffect">
+                                  <p:stCondLst>
+                                    <p:cond delay="0"/>
+                                  </p:stCondLst>
+                                  <p:childTnLst>
+                                    <p:set>
+                                      <p:cBhvr>
+                                        <p:cTn id="69" dur="1" fill="hold">
+                                          <p:stCondLst>
+                                            <p:cond delay="0"/>
+                                          </p:stCondLst>
+                                        </p:cTn>
+                                        <p:tgtEl>
+                                          <p:spTgt spid="70"/>
+                                        </p:tgtEl>
+                                        <p:attrNameLst>
+                                          <p:attrName>style.visibility</p:attrName>
+                                        </p:attrNameLst>
+                                      </p:cBhvr>
+                                      <p:to>
+                                        <p:strVal val="visible"/>
+                                      </p:to>
+                                    </p:set>
+                                    <p:anim calcmode="lin" valueType="num">
+                                      <p:cBhvr>
+                                        <p:cTn id="70" dur="1000" fill="hold"/>
+                                        <p:tgtEl>
+                                          <p:spTgt spid="70"/>
+                                        </p:tgtEl>
+                                        <p:attrNameLst>
+                                          <p:attrName>ppt_w</p:attrName>
+                                        </p:attrNameLst>
+                                      </p:cBhvr>
+                                      <p:tavLst>
+                                        <p:tav tm="0">
+                                          <p:val>
+                                            <p:strVal val="#ppt_w*0.70"/>
+                                          </p:val>
+                                        </p:tav>
+                                        <p:tav tm="100000">
+                                          <p:val>
+                                            <p:strVal val="#ppt_w"/>
+                                          </p:val>
+                                        </p:tav>
+                                      </p:tavLst>
+                                    </p:anim>
+                                    <p:anim calcmode="lin" valueType="num">
+                                      <p:cBhvr>
+                                        <p:cTn id="71" dur="1000" fill="hold"/>
+                                        <p:tgtEl>
+                                          <p:spTgt spid="70"/>
+                                        </p:tgtEl>
+                                        <p:attrNameLst>
+                                          <p:attrName>ppt_h</p:attrName>
+                                        </p:attrNameLst>
+                                      </p:cBhvr>
+                                      <p:tavLst>
+                                        <p:tav tm="0">
+                                          <p:val>
+                                            <p:strVal val="#ppt_h"/>
+                                          </p:val>
+                                        </p:tav>
+                                        <p:tav tm="100000">
+                                          <p:val>
+                                            <p:strVal val="#ppt_h"/>
+                                          </p:val>
+                                        </p:tav>
+                                      </p:tavLst>
+                                    </p:anim>
+                                    <p:animEffect transition="in" filter="fade">
+                                      <p:cBhvr>
+                                        <p:cTn id="72" dur="1000"/>
+                                        <p:tgtEl>
+                                          <p:spTgt spid="70"/>
+                                        </p:tgtEl>
+                                      </p:cBhvr>
+                                    </p:animEffect>
+                                  </p:childTnLst>
+                                </p:cTn>
+                              </p:par>
+                            </p:childTnLst>
+                          </p:cTn>
+                        </p:par>
+                      </p:childTnLst>
+                    </p:cTn>
+                  </p:par>
+                  <p:par>
+                    <p:cTn id="73" fill="hold">
+                      <p:stCondLst>
+                        <p:cond delay="indefinite"/>
+                      </p:stCondLst>
+                      <p:childTnLst>
+                        <p:par>
+                          <p:cTn id="74" fill="hold">
+                            <p:stCondLst>
+                              <p:cond delay="0"/>
+                            </p:stCondLst>
+                            <p:childTnLst>
+                              <p:par>
+                                <p:cTn id="75" presetID="1" presetClass="entr" presetSubtype="0" fill="hold" grpId="0" nodeType="clickEffect">
+                                  <p:stCondLst>
+                                    <p:cond delay="0"/>
+                                  </p:stCondLst>
+                                  <p:childTnLst>
+                                    <p:set>
+                                      <p:cBhvr>
+                                        <p:cTn id="76" dur="1" fill="hold">
+                                          <p:stCondLst>
+                                            <p:cond delay="0"/>
+                                          </p:stCondLst>
+                                        </p:cTn>
+                                        <p:tgtEl>
+                                          <p:spTgt spid="53"/>
+                                        </p:tgtEl>
+                                        <p:attrNameLst>
+                                          <p:attrName>style.visibility</p:attrName>
+                                        </p:attrNameLst>
+                                      </p:cBhvr>
+                                      <p:to>
+                                        <p:strVal val="visible"/>
+                                      </p:to>
+                                    </p:set>
+                                  </p:childTnLst>
+                                </p:cTn>
+                              </p:par>
+                            </p:childTnLst>
+                          </p:cTn>
+                        </p:par>
+                      </p:childTnLst>
+                    </p:cTn>
+                  </p:par>
+                  <p:par>
+                    <p:cTn id="77" fill="hold">
+                      <p:stCondLst>
+                        <p:cond delay="indefinite"/>
+                      </p:stCondLst>
+                      <p:childTnLst>
+                        <p:par>
+                          <p:cTn id="78" fill="hold">
+                            <p:stCondLst>
+                              <p:cond delay="0"/>
+                            </p:stCondLst>
+                            <p:childTnLst>
+                              <p:par>
+                                <p:cTn id="79" presetID="53" presetClass="entr" presetSubtype="16" fill="hold" nodeType="clickEffect">
+                                  <p:stCondLst>
+                                    <p:cond delay="0"/>
+                                  </p:stCondLst>
+                                  <p:childTnLst>
+                                    <p:set>
+                                      <p:cBhvr>
+                                        <p:cTn id="80" dur="1" fill="hold">
+                                          <p:stCondLst>
+                                            <p:cond delay="0"/>
+                                          </p:stCondLst>
+                                        </p:cTn>
+                                        <p:tgtEl>
+                                          <p:spTgt spid="21"/>
+                                        </p:tgtEl>
+                                        <p:attrNameLst>
+                                          <p:attrName>style.visibility</p:attrName>
+                                        </p:attrNameLst>
+                                      </p:cBhvr>
+                                      <p:to>
+                                        <p:strVal val="visible"/>
+                                      </p:to>
+                                    </p:set>
+                                    <p:anim calcmode="lin" valueType="num">
+                                      <p:cBhvr>
+                                        <p:cTn id="81" dur="500" fill="hold"/>
+                                        <p:tgtEl>
+                                          <p:spTgt spid="21"/>
+                                        </p:tgtEl>
+                                        <p:attrNameLst>
+                                          <p:attrName>ppt_w</p:attrName>
+                                        </p:attrNameLst>
+                                      </p:cBhvr>
+                                      <p:tavLst>
+                                        <p:tav tm="0">
+                                          <p:val>
+                                            <p:fltVal val="0"/>
+                                          </p:val>
+                                        </p:tav>
+                                        <p:tav tm="100000">
+                                          <p:val>
+                                            <p:strVal val="#ppt_w"/>
+                                          </p:val>
+                                        </p:tav>
+                                      </p:tavLst>
+                                    </p:anim>
+                                    <p:anim calcmode="lin" valueType="num">
+                                      <p:cBhvr>
+                                        <p:cTn id="82" dur="500" fill="hold"/>
+                                        <p:tgtEl>
+                                          <p:spTgt spid="21"/>
+                                        </p:tgtEl>
+                                        <p:attrNameLst>
+                                          <p:attrName>ppt_h</p:attrName>
+                                        </p:attrNameLst>
+                                      </p:cBhvr>
+                                      <p:tavLst>
+                                        <p:tav tm="0">
+                                          <p:val>
+                                            <p:fltVal val="0"/>
+                                          </p:val>
+                                        </p:tav>
+                                        <p:tav tm="100000">
+                                          <p:val>
+                                            <p:strVal val="#ppt_h"/>
+                                          </p:val>
+                                        </p:tav>
+                                      </p:tavLst>
+                                    </p:anim>
+                                    <p:animEffect transition="in" filter="fade">
+                                      <p:cBhvr>
+                                        <p:cTn id="83" dur="500"/>
+                                        <p:tgtEl>
+                                          <p:spTgt spid="21"/>
+                                        </p:tgtEl>
+                                      </p:cBhvr>
+                                    </p:animEffect>
+                                  </p:childTnLst>
+                                </p:cTn>
+                              </p:par>
+                            </p:childTnLst>
+                          </p:cTn>
+                        </p:par>
+                      </p:childTnLst>
+                    </p:cTn>
+                  </p:par>
+                  <p:par>
+                    <p:cTn id="84" fill="hold">
+                      <p:stCondLst>
+                        <p:cond delay="indefinite"/>
+                      </p:stCondLst>
+                      <p:childTnLst>
+                        <p:par>
+                          <p:cTn id="85" fill="hold">
+                            <p:stCondLst>
+                              <p:cond delay="0"/>
+                            </p:stCondLst>
+                            <p:childTnLst>
+                              <p:par>
+                                <p:cTn id="86" presetID="42" presetClass="path" presetSubtype="0" accel="50000" decel="50000" fill="hold" nodeType="clickEffect">
+                                  <p:stCondLst>
+                                    <p:cond delay="0"/>
+                                  </p:stCondLst>
+                                  <p:childTnLst>
+                                    <p:animMotion origin="layout" path="M -7.40741E-7 1.25E-6 L -0.00208 0.31198 " pathEditMode="relative" rAng="0" ptsTypes="AA">
+                                      <p:cBhvr>
+                                        <p:cTn id="87" dur="2000" fill="hold"/>
+                                        <p:tgtEl>
+                                          <p:spTgt spid="76"/>
+                                        </p:tgtEl>
+                                        <p:attrNameLst>
+                                          <p:attrName>ppt_x</p:attrName>
+                                          <p:attrName>ppt_y</p:attrName>
+                                        </p:attrNameLst>
+                                      </p:cBhvr>
+                                      <p:rCtr x="-116" y="15599"/>
+                                    </p:animMotion>
+                                  </p:childTnLst>
+                                </p:cTn>
+                              </p:par>
+                            </p:childTnLst>
+                          </p:cTn>
+                        </p:par>
+                      </p:childTnLst>
+                    </p:cTn>
+                  </p:par>
+                  <p:par>
+                    <p:cTn id="88" fill="hold">
+                      <p:stCondLst>
+                        <p:cond delay="indefinite"/>
+                      </p:stCondLst>
+                      <p:childTnLst>
+                        <p:par>
+                          <p:cTn id="89" fill="hold">
+                            <p:stCondLst>
+                              <p:cond delay="0"/>
+                            </p:stCondLst>
+                            <p:childTnLst>
+                              <p:par>
+                                <p:cTn id="90" presetID="1" presetClass="entr" presetSubtype="0" fill="hold" nodeType="clickEffect">
+                                  <p:stCondLst>
+                                    <p:cond delay="0"/>
+                                  </p:stCondLst>
+                                  <p:childTnLst>
+                                    <p:set>
+                                      <p:cBhvr>
+                                        <p:cTn id="91" dur="1" fill="hold">
+                                          <p:stCondLst>
+                                            <p:cond delay="0"/>
+                                          </p:stCondLst>
+                                        </p:cTn>
+                                        <p:tgtEl>
+                                          <p:spTgt spid="2"/>
+                                        </p:tgtEl>
+                                        <p:attrNameLst>
+                                          <p:attrName>style.visibility</p:attrName>
+                                        </p:attrNameLst>
+                                      </p:cBhvr>
+                                      <p:to>
+                                        <p:strVal val="visible"/>
+                                      </p:to>
+                                    </p:set>
+                                  </p:childTnLst>
+                                </p:cTn>
+                              </p:par>
+                            </p:childTnLst>
+                          </p:cTn>
+                        </p:par>
+                      </p:childTnLst>
+                    </p:cTn>
+                  </p:par>
+                  <p:par>
+                    <p:cTn id="92" fill="hold">
+                      <p:stCondLst>
+                        <p:cond delay="indefinite"/>
+                      </p:stCondLst>
+                      <p:childTnLst>
+                        <p:par>
+                          <p:cTn id="93" fill="hold">
+                            <p:stCondLst>
+                              <p:cond delay="0"/>
+                            </p:stCondLst>
+                            <p:childTnLst>
+                              <p:par>
+                                <p:cTn id="94" presetID="42" presetClass="path" presetSubtype="0" repeatCount="5000" accel="50000" decel="50000" fill="hold" nodeType="clickEffect">
+                                  <p:stCondLst>
+                                    <p:cond delay="0"/>
+                                  </p:stCondLst>
+                                  <p:childTnLst>
+                                    <p:animMotion origin="layout" path="M 0.00023 -4.79167E-6 L 0.00023 0.10118 " pathEditMode="relative" rAng="0" ptsTypes="AA">
+                                      <p:cBhvr>
+                                        <p:cTn id="95" dur="2000" fill="hold"/>
+                                        <p:tgtEl>
+                                          <p:spTgt spid="2"/>
+                                        </p:tgtEl>
+                                        <p:attrNameLst>
+                                          <p:attrName>ppt_x</p:attrName>
+                                          <p:attrName>ppt_y</p:attrName>
+                                        </p:attrNameLst>
+                                      </p:cBhvr>
+                                      <p:rCtr x="0" y="5052"/>
+                                    </p:animMotion>
+                                  </p:childTnLst>
+                                </p:cTn>
+                              </p:par>
+                            </p:childTnLst>
+                          </p:cTn>
+                        </p:par>
+                      </p:childTnLst>
+                    </p:cTn>
+                  </p:par>
+                  <p:par>
+                    <p:cTn id="96" fill="hold">
+                      <p:stCondLst>
+                        <p:cond delay="indefinite"/>
+                      </p:stCondLst>
+                      <p:childTnLst>
+                        <p:par>
+                          <p:cTn id="97" fill="hold">
+                            <p:stCondLst>
+                              <p:cond delay="0"/>
+                            </p:stCondLst>
+                            <p:childTnLst>
+                              <p:par>
+                                <p:cTn id="98" presetID="9" presetClass="exit" presetSubtype="0" fill="hold" nodeType="clickEffect">
+                                  <p:stCondLst>
+                                    <p:cond delay="0"/>
+                                  </p:stCondLst>
+                                  <p:childTnLst>
+                                    <p:animEffect transition="out" filter="dissolve">
+                                      <p:cBhvr>
+                                        <p:cTn id="99" dur="500"/>
+                                        <p:tgtEl>
+                                          <p:spTgt spid="24"/>
+                                        </p:tgtEl>
+                                      </p:cBhvr>
+                                    </p:animEffect>
+                                    <p:set>
+                                      <p:cBhvr>
+                                        <p:cTn id="100" dur="1" fill="hold">
+                                          <p:stCondLst>
+                                            <p:cond delay="499"/>
+                                          </p:stCondLst>
+                                        </p:cTn>
+                                        <p:tgtEl>
+                                          <p:spTgt spid="24"/>
+                                        </p:tgtEl>
+                                        <p:attrNameLst>
+                                          <p:attrName>style.visibility</p:attrName>
+                                        </p:attrNameLst>
+                                      </p:cBhvr>
+                                      <p:to>
+                                        <p:strVal val="hidden"/>
+                                      </p:to>
+                                    </p:set>
+                                  </p:childTnLst>
+                                </p:cTn>
+                              </p:par>
+                              <p:par>
+                                <p:cTn id="101" presetID="9" presetClass="exit" presetSubtype="0" fill="hold" nodeType="withEffect">
+                                  <p:stCondLst>
+                                    <p:cond delay="0"/>
+                                  </p:stCondLst>
+                                  <p:childTnLst>
+                                    <p:animEffect transition="out" filter="dissolve">
+                                      <p:cBhvr>
+                                        <p:cTn id="102" dur="500"/>
+                                        <p:tgtEl>
+                                          <p:spTgt spid="74"/>
+                                        </p:tgtEl>
+                                      </p:cBhvr>
+                                    </p:animEffect>
+                                    <p:set>
+                                      <p:cBhvr>
+                                        <p:cTn id="103" dur="1" fill="hold">
+                                          <p:stCondLst>
+                                            <p:cond delay="499"/>
+                                          </p:stCondLst>
+                                        </p:cTn>
+                                        <p:tgtEl>
+                                          <p:spTgt spid="74"/>
+                                        </p:tgtEl>
+                                        <p:attrNameLst>
+                                          <p:attrName>style.visibility</p:attrName>
+                                        </p:attrNameLst>
+                                      </p:cBhvr>
+                                      <p:to>
+                                        <p:strVal val="hidden"/>
+                                      </p:to>
+                                    </p:set>
+                                  </p:childTnLst>
+                                </p:cTn>
+                              </p:par>
+                              <p:par>
+                                <p:cTn id="104" presetID="9" presetClass="exit" presetSubtype="0" fill="hold" nodeType="withEffect">
+                                  <p:stCondLst>
+                                    <p:cond delay="0"/>
+                                  </p:stCondLst>
+                                  <p:childTnLst>
+                                    <p:animEffect transition="out" filter="dissolve">
+                                      <p:cBhvr>
+                                        <p:cTn id="105" dur="500"/>
+                                        <p:tgtEl>
+                                          <p:spTgt spid="76"/>
+                                        </p:tgtEl>
+                                      </p:cBhvr>
+                                    </p:animEffect>
+                                    <p:set>
+                                      <p:cBhvr>
+                                        <p:cTn id="106" dur="1" fill="hold">
+                                          <p:stCondLst>
+                                            <p:cond delay="499"/>
+                                          </p:stCondLst>
+                                        </p:cTn>
+                                        <p:tgtEl>
+                                          <p:spTgt spid="76"/>
+                                        </p:tgtEl>
+                                        <p:attrNameLst>
+                                          <p:attrName>style.visibility</p:attrName>
+                                        </p:attrNameLst>
+                                      </p:cBhvr>
+                                      <p:to>
+                                        <p:strVal val="hidden"/>
+                                      </p:to>
+                                    </p:set>
+                                  </p:childTnLst>
+                                </p:cTn>
+                              </p:par>
+                              <p:par>
+                                <p:cTn id="107" presetID="9" presetClass="exit" presetSubtype="0" fill="hold" nodeType="withEffect">
+                                  <p:stCondLst>
+                                    <p:cond delay="0"/>
+                                  </p:stCondLst>
+                                  <p:childTnLst>
+                                    <p:animEffect transition="out" filter="dissolve">
+                                      <p:cBhvr>
+                                        <p:cTn id="108" dur="500"/>
+                                        <p:tgtEl>
+                                          <p:spTgt spid="70"/>
+                                        </p:tgtEl>
+                                      </p:cBhvr>
+                                    </p:animEffect>
+                                    <p:set>
+                                      <p:cBhvr>
+                                        <p:cTn id="109" dur="1" fill="hold">
+                                          <p:stCondLst>
+                                            <p:cond delay="499"/>
+                                          </p:stCondLst>
+                                        </p:cTn>
+                                        <p:tgtEl>
+                                          <p:spTgt spid="70"/>
+                                        </p:tgtEl>
+                                        <p:attrNameLst>
+                                          <p:attrName>style.visibility</p:attrName>
+                                        </p:attrNameLst>
+                                      </p:cBhvr>
+                                      <p:to>
+                                        <p:strVal val="hidden"/>
+                                      </p:to>
+                                    </p:set>
+                                  </p:childTnLst>
+                                </p:cTn>
+                              </p:par>
+                              <p:par>
+                                <p:cTn id="110" presetID="9" presetClass="exit" presetSubtype="0" fill="hold" nodeType="withEffect">
+                                  <p:stCondLst>
+                                    <p:cond delay="0"/>
+                                  </p:stCondLst>
+                                  <p:childTnLst>
+                                    <p:animEffect transition="out" filter="dissolve">
+                                      <p:cBhvr>
+                                        <p:cTn id="111" dur="500"/>
+                                        <p:tgtEl>
+                                          <p:spTgt spid="21"/>
+                                        </p:tgtEl>
+                                      </p:cBhvr>
+                                    </p:animEffect>
+                                    <p:set>
+                                      <p:cBhvr>
+                                        <p:cTn id="112" dur="1" fill="hold">
+                                          <p:stCondLst>
+                                            <p:cond delay="499"/>
+                                          </p:stCondLst>
+                                        </p:cTn>
+                                        <p:tgtEl>
+                                          <p:spTgt spid="21"/>
+                                        </p:tgtEl>
+                                        <p:attrNameLst>
+                                          <p:attrName>style.visibility</p:attrName>
+                                        </p:attrNameLst>
+                                      </p:cBhvr>
+                                      <p:to>
+                                        <p:strVal val="hidden"/>
+                                      </p:to>
+                                    </p:set>
+                                  </p:childTnLst>
+                                </p:cTn>
+                              </p:par>
+                              <p:par>
+                                <p:cTn id="113" presetID="9" presetClass="exit" presetSubtype="0" fill="hold" nodeType="withEffect">
+                                  <p:stCondLst>
+                                    <p:cond delay="0"/>
+                                  </p:stCondLst>
+                                  <p:childTnLst>
+                                    <p:animEffect transition="out" filter="dissolve">
+                                      <p:cBhvr>
+                                        <p:cTn id="114" dur="500"/>
+                                        <p:tgtEl>
+                                          <p:spTgt spid="39"/>
+                                        </p:tgtEl>
+                                      </p:cBhvr>
+                                    </p:animEffect>
+                                    <p:set>
+                                      <p:cBhvr>
+                                        <p:cTn id="115" dur="1" fill="hold">
+                                          <p:stCondLst>
+                                            <p:cond delay="499"/>
+                                          </p:stCondLst>
+                                        </p:cTn>
+                                        <p:tgtEl>
+                                          <p:spTgt spid="39"/>
+                                        </p:tgtEl>
+                                        <p:attrNameLst>
+                                          <p:attrName>style.visibility</p:attrName>
+                                        </p:attrNameLst>
+                                      </p:cBhvr>
+                                      <p:to>
+                                        <p:strVal val="hidden"/>
+                                      </p:to>
+                                    </p:set>
+                                  </p:childTnLst>
+                                </p:cTn>
+                              </p:par>
+                              <p:par>
+                                <p:cTn id="116" presetID="9" presetClass="exit" presetSubtype="0" fill="hold" nodeType="withEffect">
+                                  <p:stCondLst>
+                                    <p:cond delay="0"/>
+                                  </p:stCondLst>
+                                  <p:childTnLst>
+                                    <p:animEffect transition="out" filter="dissolve">
+                                      <p:cBhvr>
+                                        <p:cTn id="117" dur="500"/>
+                                        <p:tgtEl>
+                                          <p:spTgt spid="69"/>
+                                        </p:tgtEl>
+                                      </p:cBhvr>
+                                    </p:animEffect>
+                                    <p:set>
+                                      <p:cBhvr>
+                                        <p:cTn id="118" dur="1" fill="hold">
+                                          <p:stCondLst>
+                                            <p:cond delay="499"/>
+                                          </p:stCondLst>
+                                        </p:cTn>
+                                        <p:tgtEl>
+                                          <p:spTgt spid="69"/>
+                                        </p:tgtEl>
+                                        <p:attrNameLst>
+                                          <p:attrName>style.visibility</p:attrName>
+                                        </p:attrNameLst>
+                                      </p:cBhvr>
+                                      <p:to>
+                                        <p:strVal val="hidden"/>
+                                      </p:to>
+                                    </p:set>
+                                  </p:childTnLst>
+                                </p:cTn>
+                              </p:par>
+                              <p:par>
+                                <p:cTn id="119" presetID="9" presetClass="exit" presetSubtype="0" fill="hold" nodeType="withEffect">
+                                  <p:stCondLst>
+                                    <p:cond delay="0"/>
+                                  </p:stCondLst>
+                                  <p:childTnLst>
+                                    <p:animEffect transition="out" filter="dissolve">
+                                      <p:cBhvr>
+                                        <p:cTn id="120" dur="500"/>
+                                        <p:tgtEl>
+                                          <p:spTgt spid="73"/>
+                                        </p:tgtEl>
+                                      </p:cBhvr>
+                                    </p:animEffect>
+                                    <p:set>
+                                      <p:cBhvr>
+                                        <p:cTn id="121" dur="1" fill="hold">
+                                          <p:stCondLst>
+                                            <p:cond delay="499"/>
+                                          </p:stCondLst>
+                                        </p:cTn>
+                                        <p:tgtEl>
+                                          <p:spTgt spid="73"/>
+                                        </p:tgtEl>
+                                        <p:attrNameLst>
+                                          <p:attrName>style.visibility</p:attrName>
+                                        </p:attrNameLst>
+                                      </p:cBhvr>
+                                      <p:to>
+                                        <p:strVal val="hidden"/>
+                                      </p:to>
+                                    </p:set>
+                                  </p:childTnLst>
+                                </p:cTn>
+                              </p:par>
+                              <p:par>
+                                <p:cTn id="122" presetID="9" presetClass="exit" presetSubtype="0" fill="hold" nodeType="withEffect">
+                                  <p:stCondLst>
+                                    <p:cond delay="0"/>
+                                  </p:stCondLst>
+                                  <p:childTnLst>
+                                    <p:animEffect transition="out" filter="dissolve">
+                                      <p:cBhvr>
+                                        <p:cTn id="123" dur="500"/>
+                                        <p:tgtEl>
+                                          <p:spTgt spid="13"/>
+                                        </p:tgtEl>
+                                      </p:cBhvr>
+                                    </p:animEffect>
+                                    <p:set>
+                                      <p:cBhvr>
+                                        <p:cTn id="124" dur="1" fill="hold">
+                                          <p:stCondLst>
+                                            <p:cond delay="499"/>
+                                          </p:stCondLst>
+                                        </p:cTn>
+                                        <p:tgtEl>
+                                          <p:spTgt spid="13"/>
+                                        </p:tgtEl>
+                                        <p:attrNameLst>
+                                          <p:attrName>style.visibility</p:attrName>
+                                        </p:attrNameLst>
+                                      </p:cBhvr>
+                                      <p:to>
+                                        <p:strVal val="hidden"/>
+                                      </p:to>
+                                    </p:set>
+                                  </p:childTnLst>
+                                </p:cTn>
+                              </p:par>
+                              <p:par>
+                                <p:cTn id="125" presetID="9" presetClass="exit" presetSubtype="0" fill="hold" nodeType="withEffect">
+                                  <p:stCondLst>
+                                    <p:cond delay="0"/>
+                                  </p:stCondLst>
+                                  <p:childTnLst>
+                                    <p:animEffect transition="out" filter="dissolve">
+                                      <p:cBhvr>
+                                        <p:cTn id="126" dur="500"/>
+                                        <p:tgtEl>
+                                          <p:spTgt spid="40"/>
+                                        </p:tgtEl>
+                                      </p:cBhvr>
+                                    </p:animEffect>
+                                    <p:set>
+                                      <p:cBhvr>
+                                        <p:cTn id="127" dur="1" fill="hold">
+                                          <p:stCondLst>
+                                            <p:cond delay="499"/>
+                                          </p:stCondLst>
+                                        </p:cTn>
+                                        <p:tgtEl>
+                                          <p:spTgt spid="40"/>
+                                        </p:tgtEl>
+                                        <p:attrNameLst>
+                                          <p:attrName>style.visibility</p:attrName>
+                                        </p:attrNameLst>
+                                      </p:cBhvr>
+                                      <p:to>
+                                        <p:strVal val="hidden"/>
+                                      </p:to>
+                                    </p:set>
+                                  </p:childTnLst>
+                                </p:cTn>
+                              </p:par>
+                              <p:par>
+                                <p:cTn id="128" presetID="9" presetClass="exit" presetSubtype="0" fill="hold" nodeType="withEffect">
+                                  <p:stCondLst>
+                                    <p:cond delay="0"/>
+                                  </p:stCondLst>
+                                  <p:childTnLst>
+                                    <p:animEffect transition="out" filter="dissolve">
+                                      <p:cBhvr>
+                                        <p:cTn id="129" dur="500"/>
+                                        <p:tgtEl>
+                                          <p:spTgt spid="38"/>
+                                        </p:tgtEl>
+                                      </p:cBhvr>
+                                    </p:animEffect>
+                                    <p:set>
+                                      <p:cBhvr>
+                                        <p:cTn id="130" dur="1" fill="hold">
+                                          <p:stCondLst>
+                                            <p:cond delay="499"/>
+                                          </p:stCondLst>
+                                        </p:cTn>
+                                        <p:tgtEl>
+                                          <p:spTgt spid="38"/>
+                                        </p:tgtEl>
+                                        <p:attrNameLst>
+                                          <p:attrName>style.visibility</p:attrName>
+                                        </p:attrNameLst>
+                                      </p:cBhvr>
+                                      <p:to>
+                                        <p:strVal val="hidden"/>
+                                      </p:to>
+                                    </p:set>
+                                  </p:childTnLst>
+                                </p:cTn>
+                              </p:par>
+                              <p:par>
+                                <p:cTn id="131" presetID="9" presetClass="exit" presetSubtype="0" fill="hold" grpId="1" nodeType="withEffect">
+                                  <p:stCondLst>
+                                    <p:cond delay="0"/>
+                                  </p:stCondLst>
+                                  <p:childTnLst>
+                                    <p:animEffect transition="out" filter="dissolve">
+                                      <p:cBhvr>
+                                        <p:cTn id="132" dur="500"/>
+                                        <p:tgtEl>
+                                          <p:spTgt spid="53"/>
+                                        </p:tgtEl>
+                                      </p:cBhvr>
+                                    </p:animEffect>
+                                    <p:set>
+                                      <p:cBhvr>
+                                        <p:cTn id="133" dur="1" fill="hold">
+                                          <p:stCondLst>
+                                            <p:cond delay="499"/>
+                                          </p:stCondLst>
+                                        </p:cTn>
+                                        <p:tgtEl>
+                                          <p:spTgt spid="53"/>
+                                        </p:tgtEl>
+                                        <p:attrNameLst>
+                                          <p:attrName>style.visibility</p:attrName>
+                                        </p:attrNameLst>
+                                      </p:cBhvr>
+                                      <p:to>
+                                        <p:strVal val="hidden"/>
+                                      </p:to>
+                                    </p:set>
+                                  </p:childTnLst>
+                                </p:cTn>
+                              </p:par>
+                              <p:par>
+                                <p:cTn id="134" presetID="9" presetClass="exit" presetSubtype="0" fill="hold" grpId="0" nodeType="withEffect">
+                                  <p:stCondLst>
+                                    <p:cond delay="0"/>
+                                  </p:stCondLst>
+                                  <p:childTnLst>
+                                    <p:animEffect transition="out" filter="dissolve">
+                                      <p:cBhvr>
+                                        <p:cTn id="135" dur="500"/>
+                                        <p:tgtEl>
+                                          <p:spTgt spid="51"/>
+                                        </p:tgtEl>
+                                      </p:cBhvr>
+                                    </p:animEffect>
+                                    <p:set>
+                                      <p:cBhvr>
+                                        <p:cTn id="136" dur="1" fill="hold">
+                                          <p:stCondLst>
+                                            <p:cond delay="499"/>
+                                          </p:stCondLst>
+                                        </p:cTn>
+                                        <p:tgtEl>
+                                          <p:spTgt spid="51"/>
+                                        </p:tgtEl>
+                                        <p:attrNameLst>
+                                          <p:attrName>style.visibility</p:attrName>
+                                        </p:attrNameLst>
+                                      </p:cBhvr>
+                                      <p:to>
+                                        <p:strVal val="hidden"/>
+                                      </p:to>
+                                    </p:set>
+                                  </p:childTnLst>
+                                </p:cTn>
+                              </p:par>
+                              <p:par>
+                                <p:cTn id="137" presetID="9" presetClass="exit" presetSubtype="0" fill="hold" grpId="2" nodeType="withEffect">
+                                  <p:stCondLst>
+                                    <p:cond delay="0"/>
+                                  </p:stCondLst>
+                                  <p:childTnLst>
+                                    <p:animEffect transition="out" filter="dissolve">
+                                      <p:cBhvr>
+                                        <p:cTn id="138" dur="500"/>
+                                        <p:tgtEl>
+                                          <p:spTgt spid="51"/>
+                                        </p:tgtEl>
+                                      </p:cBhvr>
+                                    </p:animEffect>
+                                    <p:set>
+                                      <p:cBhvr>
+                                        <p:cTn id="139" dur="1" fill="hold">
+                                          <p:stCondLst>
+                                            <p:cond delay="499"/>
+                                          </p:stCondLst>
+                                        </p:cTn>
+                                        <p:tgtEl>
+                                          <p:spTgt spid="51"/>
+                                        </p:tgtEl>
+                                        <p:attrNameLst>
+                                          <p:attrName>style.visibility</p:attrName>
+                                        </p:attrNameLst>
+                                      </p:cBhvr>
+                                      <p:to>
+                                        <p:strVal val="hidden"/>
+                                      </p:to>
+                                    </p:set>
+                                  </p:childTnLst>
+                                </p:cTn>
+                              </p:par>
+                              <p:par>
+                                <p:cTn id="140" presetID="9" presetClass="exit" presetSubtype="0" fill="hold" nodeType="withEffect">
+                                  <p:stCondLst>
+                                    <p:cond delay="0"/>
+                                  </p:stCondLst>
+                                  <p:childTnLst>
+                                    <p:animEffect transition="out" filter="dissolve">
+                                      <p:cBhvr>
+                                        <p:cTn id="141" dur="500"/>
+                                        <p:tgtEl>
+                                          <p:spTgt spid="2"/>
+                                        </p:tgtEl>
+                                      </p:cBhvr>
+                                    </p:animEffect>
+                                    <p:set>
+                                      <p:cBhvr>
+                                        <p:cTn id="142" dur="1" fill="hold">
+                                          <p:stCondLst>
+                                            <p:cond delay="499"/>
+                                          </p:stCondLst>
+                                        </p:cTn>
+                                        <p:tgtEl>
+                                          <p:spTgt spid="2"/>
+                                        </p:tgtEl>
+                                        <p:attrNameLst>
+                                          <p:attrName>style.visibility</p:attrName>
+                                        </p:attrNameLst>
+                                      </p:cBhvr>
+                                      <p:to>
+                                        <p:strVal val="hidden"/>
+                                      </p:to>
+                                    </p:set>
+                                  </p:childTnLst>
+                                </p:cTn>
+                              </p:par>
+                            </p:childTnLst>
+                          </p:cTn>
+                        </p:par>
+                      </p:childTnLst>
+                    </p:cTn>
+                  </p:par>
+                </p:childTnLst>
+              </p:cTn>
+              <p:prevCondLst>
+                <p:cond evt="onPrev" delay="0">
+                  <p:tgtEl>
+                    <p:sldTgt/>
+                  </p:tgtEl>
+                </p:cond>
+              </p:prevCondLst>
+              <p:nextCondLst>
+                <p:cond evt="onNext" delay="0">
+                  <p:tgtEl>
+                    <p:sldTgt/>
+                  </p:tgtEl>
+                </p:cond>
+              </p:nextCondLst>
+            </p:seq>
+          </p:childTnLst>
+        </p:cTn>
+      </p:par>
+    </p:tnLst>
+    <p:bldLst>
+      <p:bldP spid="53" grpId="0"/>
+      <p:bldP spid="53" grpId="1"/>
+      <p:bldP spid="51" grpId="0"/>
+      <p:bldP spid="51" grpId="1"/>
+      <p:bldP spid="51" grpId="2"/>
+    </p:bldLst>
+  </p:timing>
+</p:sld>
+</file>
+
+<file path=ppt/slides/slide4.xml><?xml version="1.0" encoding="utf-8"?>
+<p:sld xmlns:a="http://schemas.openxmlformats.org/drawingml/2006/main" xmlns:r="http://schemas.openxmlformats.org/officeDocument/2006/relationships" xmlns:p="http://schemas.openxmlformats.org/presentationml/2006/main">
+  <p:cSld>
+    <p:spTree>
+      <p:nvGrpSpPr>
+        <p:cNvPr id="1" name=""/>
+        <p:cNvGrpSpPr/>
+        <p:nvPr/>
+      </p:nvGrpSpPr>
+      <p:grpSpPr>
+        <a:xfrm>
+          <a:off x="0" y="0"/>
+          <a:ext cx="0" cy="0"/>
+          <a:chOff x="0" y="0"/>
+          <a:chExt cx="0" cy="0"/>
+        </a:xfrm>
+      </p:grpSpPr>
+      <p:pic>
+        <p:nvPicPr>
+          <p:cNvPr id="11" name="Image 10"/>
+          <p:cNvPicPr>
+            <a:picLocks noChangeAspect="1"/>
+          </p:cNvPicPr>
+          <p:nvPr/>
+        </p:nvPicPr>
+        <p:blipFill>
+          <a:blip r:embed="rId4">
+            <a:extLst>
+              <a:ext uri="{28A0092B-C50C-407E-A947-70E740481C1C}">
+                <a14:useLocalDpi xmlns:a14="http://schemas.microsoft.com/office/drawing/2010/main" val="0"/>
+              </a:ext>
+            </a:extLst>
+          </a:blip>
+          <a:stretch>
+            <a:fillRect/>
+          </a:stretch>
+        </p:blipFill>
+        <p:spPr>
+          <a:xfrm>
+            <a:off x="-2772879" y="6402456"/>
+            <a:ext cx="698500" cy="774700"/>
+          </a:xfrm>
+          <a:prstGeom prst="rect">
+            <a:avLst/>
+          </a:prstGeom>
+        </p:spPr>
+      </p:pic>
+      <p:pic>
+        <p:nvPicPr>
+          <p:cNvPr id="14" name="Image 13"/>
+          <p:cNvPicPr>
+            <a:picLocks noChangeAspect="1"/>
+          </p:cNvPicPr>
+          <p:nvPr/>
+        </p:nvPicPr>
+        <p:blipFill>
+          <a:blip r:embed="rId5">
+            <a:extLst>
+              <a:ext uri="{28A0092B-C50C-407E-A947-70E740481C1C}">
+                <a14:useLocalDpi xmlns:a14="http://schemas.microsoft.com/office/drawing/2010/main" val="0"/>
+              </a:ext>
+            </a:extLst>
+          </a:blip>
+          <a:stretch>
+            <a:fillRect/>
+          </a:stretch>
+        </p:blipFill>
+        <p:spPr>
+          <a:xfrm>
+            <a:off x="-4687541" y="5797550"/>
+            <a:ext cx="1143000" cy="1231900"/>
+          </a:xfrm>
+          <a:prstGeom prst="rect">
+            <a:avLst/>
+          </a:prstGeom>
+        </p:spPr>
+      </p:pic>
+      <p:pic>
+        <p:nvPicPr>
+          <p:cNvPr id="16" name="Image 15"/>
+          <p:cNvPicPr>
+            <a:picLocks noChangeAspect="1"/>
+          </p:cNvPicPr>
+          <p:nvPr/>
+        </p:nvPicPr>
+        <p:blipFill>
+          <a:blip r:embed="rId6">
+            <a:extLst>
+              <a:ext uri="{28A0092B-C50C-407E-A947-70E740481C1C}">
+                <a14:useLocalDpi xmlns:a14="http://schemas.microsoft.com/office/drawing/2010/main" val="0"/>
+              </a:ext>
+            </a:extLst>
+          </a:blip>
+          <a:stretch>
+            <a:fillRect/>
+          </a:stretch>
+        </p:blipFill>
+        <p:spPr>
+          <a:xfrm>
+            <a:off x="-2943500" y="3856935"/>
+            <a:ext cx="834886" cy="834886"/>
+          </a:xfrm>
+          <a:prstGeom prst="rect">
+            <a:avLst/>
+          </a:prstGeom>
+        </p:spPr>
+      </p:pic>
+      <p:pic>
+        <p:nvPicPr>
+          <p:cNvPr id="17" name="Image 16"/>
+          <p:cNvPicPr>
+            <a:picLocks noChangeAspect="1"/>
+          </p:cNvPicPr>
+          <p:nvPr/>
+        </p:nvPicPr>
+        <p:blipFill>
+          <a:blip r:embed="rId7">
+            <a:extLst>
+              <a:ext uri="{28A0092B-C50C-407E-A947-70E740481C1C}">
+                <a14:useLocalDpi xmlns:a14="http://schemas.microsoft.com/office/drawing/2010/main" val="0"/>
+              </a:ext>
+            </a:extLst>
+          </a:blip>
+          <a:stretch>
+            <a:fillRect/>
+          </a:stretch>
+        </p:blipFill>
+        <p:spPr>
+          <a:xfrm>
+            <a:off x="-4757115" y="8439977"/>
+            <a:ext cx="1181100" cy="1206500"/>
+          </a:xfrm>
+          <a:prstGeom prst="rect">
+            <a:avLst/>
+          </a:prstGeom>
+        </p:spPr>
+      </p:pic>
+      <p:pic>
+        <p:nvPicPr>
+          <p:cNvPr id="19" name="Image 18"/>
+          <p:cNvPicPr>
+            <a:picLocks noChangeAspect="1"/>
+          </p:cNvPicPr>
+          <p:nvPr/>
+        </p:nvPicPr>
+        <p:blipFill>
+          <a:blip r:embed="rId8">
+            <a:extLst>
+              <a:ext uri="{28A0092B-C50C-407E-A947-70E740481C1C}">
+                <a14:useLocalDpi xmlns:a14="http://schemas.microsoft.com/office/drawing/2010/main" val="0"/>
+              </a:ext>
+            </a:extLst>
+          </a:blip>
+          <a:stretch>
+            <a:fillRect/>
+          </a:stretch>
+        </p:blipFill>
+        <p:spPr>
+          <a:xfrm>
+            <a:off x="-3938241" y="4367143"/>
+            <a:ext cx="787400" cy="723900"/>
+          </a:xfrm>
+          <a:prstGeom prst="rect">
+            <a:avLst/>
+          </a:prstGeom>
+        </p:spPr>
+      </p:pic>
+      <p:pic>
+        <p:nvPicPr>
+          <p:cNvPr id="20" name="Image 19"/>
+          <p:cNvPicPr>
+            <a:picLocks noChangeAspect="1"/>
+          </p:cNvPicPr>
+          <p:nvPr/>
+        </p:nvPicPr>
+        <p:blipFill rotWithShape="1">
+          <a:blip r:embed="rId9">
+            <a:extLst>
+              <a:ext uri="{28A0092B-C50C-407E-A947-70E740481C1C}">
+                <a14:useLocalDpi xmlns:a14="http://schemas.microsoft.com/office/drawing/2010/main" val="0"/>
+              </a:ext>
+            </a:extLst>
+          </a:blip>
+          <a:srcRect l="11560" t="9723" r="11692" b="105"/>
+          <a:stretch/>
+        </p:blipFill>
+        <p:spPr>
+          <a:xfrm>
+            <a:off x="5528" y="0"/>
+            <a:ext cx="6858000" cy="12192000"/>
+          </a:xfrm>
+          <a:prstGeom prst="rect">
+            <a:avLst/>
+          </a:prstGeom>
+        </p:spPr>
+      </p:pic>
+      <p:pic>
+        <p:nvPicPr>
+          <p:cNvPr id="22" name="Image 21"/>
+          <p:cNvPicPr>
+            <a:picLocks noChangeAspect="1"/>
+          </p:cNvPicPr>
+          <p:nvPr/>
+        </p:nvPicPr>
+        <p:blipFill>
+          <a:blip r:embed="rId10">
+            <a:extLst>
+              <a:ext uri="{28A0092B-C50C-407E-A947-70E740481C1C}">
+                <a14:useLocalDpi xmlns:a14="http://schemas.microsoft.com/office/drawing/2010/main" val="0"/>
+              </a:ext>
+            </a:extLst>
+          </a:blip>
+          <a:stretch>
+            <a:fillRect/>
+          </a:stretch>
+        </p:blipFill>
+        <p:spPr>
+          <a:xfrm>
+            <a:off x="3012148" y="8657265"/>
+            <a:ext cx="1143000" cy="1422400"/>
+          </a:xfrm>
+          <a:prstGeom prst="rect">
+            <a:avLst/>
+          </a:prstGeom>
+        </p:spPr>
+      </p:pic>
+      <p:pic>
+        <p:nvPicPr>
+          <p:cNvPr id="23" name="Image 22"/>
+          <p:cNvPicPr>
+            <a:picLocks noChangeAspect="1"/>
+          </p:cNvPicPr>
+          <p:nvPr/>
+        </p:nvPicPr>
+        <p:blipFill>
+          <a:blip r:embed="rId11">
+            <a:extLst>
+              <a:ext uri="{28A0092B-C50C-407E-A947-70E740481C1C}">
+                <a14:useLocalDpi xmlns:a14="http://schemas.microsoft.com/office/drawing/2010/main" val="0"/>
+              </a:ext>
+            </a:extLst>
+          </a:blip>
+          <a:stretch>
+            <a:fillRect/>
+          </a:stretch>
+        </p:blipFill>
+        <p:spPr>
+          <a:xfrm>
+            <a:off x="4020002" y="5369529"/>
+            <a:ext cx="1143000" cy="1320800"/>
+          </a:xfrm>
+          <a:prstGeom prst="rect">
+            <a:avLst/>
+          </a:prstGeom>
+        </p:spPr>
+      </p:pic>
+      <p:pic>
+        <p:nvPicPr>
+          <p:cNvPr id="25" name="Image 24"/>
+          <p:cNvPicPr>
+            <a:picLocks noChangeAspect="1"/>
+          </p:cNvPicPr>
+          <p:nvPr/>
+        </p:nvPicPr>
+        <p:blipFill>
+          <a:blip r:embed="rId12">
+            <a:extLst>
+              <a:ext uri="{28A0092B-C50C-407E-A947-70E740481C1C}">
+                <a14:useLocalDpi xmlns:a14="http://schemas.microsoft.com/office/drawing/2010/main" val="0"/>
+              </a:ext>
+            </a:extLst>
+          </a:blip>
+          <a:stretch>
+            <a:fillRect/>
+          </a:stretch>
+        </p:blipFill>
+        <p:spPr>
+          <a:xfrm>
+            <a:off x="2045848" y="7065923"/>
+            <a:ext cx="1612237" cy="1540262"/>
+          </a:xfrm>
+          <a:prstGeom prst="rect">
+            <a:avLst/>
+          </a:prstGeom>
+        </p:spPr>
+      </p:pic>
+      <p:pic>
+        <p:nvPicPr>
+          <p:cNvPr id="26" name="Image 25"/>
+          <p:cNvPicPr>
+            <a:picLocks noChangeAspect="1"/>
+          </p:cNvPicPr>
+          <p:nvPr/>
+        </p:nvPicPr>
+        <p:blipFill>
+          <a:blip r:embed="rId13">
+            <a:extLst>
+              <a:ext uri="{28A0092B-C50C-407E-A947-70E740481C1C}">
+                <a14:useLocalDpi xmlns:a14="http://schemas.microsoft.com/office/drawing/2010/main" val="0"/>
+              </a:ext>
+            </a:extLst>
+          </a:blip>
+          <a:stretch>
+            <a:fillRect/>
+          </a:stretch>
+        </p:blipFill>
+        <p:spPr>
+          <a:xfrm>
+            <a:off x="805942" y="9331433"/>
+            <a:ext cx="1397000" cy="1244600"/>
+          </a:xfrm>
+          <a:prstGeom prst="rect">
+            <a:avLst/>
+          </a:prstGeom>
+        </p:spPr>
+      </p:pic>
+      <p:pic>
+        <p:nvPicPr>
+          <p:cNvPr id="27" name="Image 26"/>
+          <p:cNvPicPr>
+            <a:picLocks noChangeAspect="1"/>
+          </p:cNvPicPr>
+          <p:nvPr/>
+        </p:nvPicPr>
+        <p:blipFill>
+          <a:blip r:embed="rId14">
+            <a:extLst>
+              <a:ext uri="{28A0092B-C50C-407E-A947-70E740481C1C}">
+                <a14:useLocalDpi xmlns:a14="http://schemas.microsoft.com/office/drawing/2010/main" val="0"/>
+              </a:ext>
+            </a:extLst>
+          </a:blip>
+          <a:stretch>
+            <a:fillRect/>
+          </a:stretch>
+        </p:blipFill>
+        <p:spPr>
+          <a:xfrm>
+            <a:off x="-6807318" y="8807450"/>
+            <a:ext cx="1206500" cy="1282700"/>
+          </a:xfrm>
+          <a:prstGeom prst="rect">
+            <a:avLst/>
+          </a:prstGeom>
+        </p:spPr>
+      </p:pic>
+      <p:pic>
+        <p:nvPicPr>
+          <p:cNvPr id="29" name="Image 28"/>
+          <p:cNvPicPr>
+            <a:picLocks noChangeAspect="1"/>
+          </p:cNvPicPr>
+          <p:nvPr/>
+        </p:nvPicPr>
+        <p:blipFill>
+          <a:blip r:embed="rId15">
+            <a:extLst>
+              <a:ext uri="{28A0092B-C50C-407E-A947-70E740481C1C}">
+                <a14:useLocalDpi xmlns:a14="http://schemas.microsoft.com/office/drawing/2010/main" val="0"/>
+              </a:ext>
+            </a:extLst>
+          </a:blip>
+          <a:stretch>
+            <a:fillRect/>
+          </a:stretch>
+        </p:blipFill>
+        <p:spPr>
+          <a:xfrm>
+            <a:off x="-5312670" y="4274378"/>
+            <a:ext cx="501097" cy="573984"/>
+          </a:xfrm>
+          <a:prstGeom prst="rect">
+            <a:avLst/>
+          </a:prstGeom>
+        </p:spPr>
+      </p:pic>
+      <p:pic>
+        <p:nvPicPr>
+          <p:cNvPr id="71" name="Image 70"/>
+          <p:cNvPicPr>
+            <a:picLocks noChangeAspect="1"/>
+          </p:cNvPicPr>
+          <p:nvPr/>
+        </p:nvPicPr>
+        <p:blipFill>
+          <a:blip r:embed="rId16">
+            <a:extLst>
+              <a:ext uri="{28A0092B-C50C-407E-A947-70E740481C1C}">
+                <a14:useLocalDpi xmlns:a14="http://schemas.microsoft.com/office/drawing/2010/main" val="0"/>
+              </a:ext>
+            </a:extLst>
+          </a:blip>
+          <a:stretch>
+            <a:fillRect/>
+          </a:stretch>
+        </p:blipFill>
+        <p:spPr>
+          <a:xfrm>
+            <a:off x="8218987" y="5797550"/>
+            <a:ext cx="626465" cy="530086"/>
+          </a:xfrm>
+          <a:prstGeom prst="rect">
+            <a:avLst/>
+          </a:prstGeom>
+        </p:spPr>
+      </p:pic>
+      <p:cxnSp>
+        <p:nvCxnSpPr>
+          <p:cNvPr id="43" name="Connecteur droit avec flèche 42"/>
+          <p:cNvCxnSpPr/>
+          <p:nvPr/>
+        </p:nvCxnSpPr>
+        <p:spPr>
+          <a:xfrm flipH="1">
+            <a:off x="1594902" y="8305733"/>
+            <a:ext cx="668797" cy="963209"/>
+          </a:xfrm>
+          <a:prstGeom prst="straightConnector1">
+            <a:avLst/>
+          </a:prstGeom>
+          <a:ln w="76200">
+            <a:solidFill>
+              <a:schemeClr val="tx1"/>
+            </a:solidFill>
+            <a:tailEnd type="triangle"/>
+          </a:ln>
+        </p:spPr>
+        <p:style>
+          <a:lnRef idx="1">
+            <a:schemeClr val="accent1"/>
+          </a:lnRef>
+          <a:fillRef idx="0">
+            <a:schemeClr val="accent1"/>
+          </a:fillRef>
+          <a:effectRef idx="0">
+            <a:schemeClr val="accent1"/>
+          </a:effectRef>
+          <a:fontRef idx="minor">
+            <a:schemeClr val="tx1"/>
+          </a:fontRef>
+        </p:style>
+      </p:cxnSp>
+      <p:cxnSp>
+        <p:nvCxnSpPr>
+          <p:cNvPr id="46" name="Connecteur droit avec flèche 45"/>
+          <p:cNvCxnSpPr/>
+          <p:nvPr/>
+        </p:nvCxnSpPr>
+        <p:spPr>
+          <a:xfrm flipH="1">
+            <a:off x="3708491" y="6650706"/>
+            <a:ext cx="743304" cy="2717759"/>
+          </a:xfrm>
+          <a:prstGeom prst="straightConnector1">
+            <a:avLst/>
+          </a:prstGeom>
+          <a:ln w="76200">
+            <a:solidFill>
+              <a:schemeClr val="tx1"/>
+            </a:solidFill>
+            <a:tailEnd type="triangle"/>
+          </a:ln>
+        </p:spPr>
+        <p:style>
+          <a:lnRef idx="1">
+            <a:schemeClr val="accent1"/>
+          </a:lnRef>
+          <a:fillRef idx="0">
+            <a:schemeClr val="accent1"/>
+          </a:fillRef>
+          <a:effectRef idx="0">
+            <a:schemeClr val="accent1"/>
+          </a:effectRef>
+          <a:fontRef idx="minor">
+            <a:schemeClr val="tx1"/>
+          </a:fontRef>
+        </p:style>
+      </p:cxnSp>
+      <p:pic>
+        <p:nvPicPr>
+          <p:cNvPr id="72" name="Image 71"/>
+          <p:cNvPicPr>
+            <a:picLocks noChangeAspect="1"/>
+          </p:cNvPicPr>
+          <p:nvPr/>
+        </p:nvPicPr>
+        <p:blipFill>
+          <a:blip r:embed="rId16">
+            <a:extLst>
+              <a:ext uri="{28A0092B-C50C-407E-A947-70E740481C1C}">
+                <a14:useLocalDpi xmlns:a14="http://schemas.microsoft.com/office/drawing/2010/main" val="0"/>
+              </a:ext>
+            </a:extLst>
+          </a:blip>
+          <a:stretch>
+            <a:fillRect/>
+          </a:stretch>
+        </p:blipFill>
+        <p:spPr>
+          <a:xfrm>
+            <a:off x="7903857" y="8722411"/>
+            <a:ext cx="626465" cy="530086"/>
+          </a:xfrm>
+          <a:prstGeom prst="rect">
+            <a:avLst/>
+          </a:prstGeom>
+        </p:spPr>
+      </p:pic>
+      <p:sp>
+        <p:nvSpPr>
+          <p:cNvPr id="55" name="ZoneTexte 54"/>
+          <p:cNvSpPr txBox="1"/>
+          <p:nvPr/>
+        </p:nvSpPr>
+        <p:spPr>
+          <a:xfrm>
+            <a:off x="3060585" y="6031349"/>
+            <a:ext cx="651547" cy="369332"/>
+          </a:xfrm>
+          <a:prstGeom prst="rect">
+            <a:avLst/>
+          </a:prstGeom>
+          <a:noFill/>
+        </p:spPr>
+        <p:txBody>
+          <a:bodyPr wrap="square" rtlCol="0">
+            <a:spAutoFit/>
+          </a:bodyPr>
+          <a:lstStyle/>
+          <a:p>
+            <a:r>
+              <a:rPr lang="fr-FR" dirty="0" smtClean="0"/>
+              <a:t>98%</a:t>
+            </a:r>
+            <a:endParaRPr lang="fr-FR" dirty="0"/>
+          </a:p>
+        </p:txBody>
+      </p:sp>
+      <p:sp>
+        <p:nvSpPr>
+          <p:cNvPr id="56" name="ZoneTexte 55"/>
+          <p:cNvSpPr txBox="1"/>
+          <p:nvPr/>
+        </p:nvSpPr>
+        <p:spPr>
+          <a:xfrm>
+            <a:off x="4381205" y="7526740"/>
+            <a:ext cx="466794" cy="369332"/>
+          </a:xfrm>
+          <a:prstGeom prst="rect">
+            <a:avLst/>
+          </a:prstGeom>
+          <a:noFill/>
+        </p:spPr>
+        <p:txBody>
+          <a:bodyPr wrap="none" rtlCol="0">
+            <a:spAutoFit/>
+          </a:bodyPr>
+          <a:lstStyle/>
+          <a:p>
+            <a:r>
+              <a:rPr lang="fr-FR" dirty="0" smtClean="0"/>
+              <a:t>2%</a:t>
+            </a:r>
+            <a:endParaRPr lang="fr-FR" dirty="0"/>
+          </a:p>
+        </p:txBody>
+      </p:sp>
+      <p:cxnSp>
+        <p:nvCxnSpPr>
+          <p:cNvPr id="59" name="Connecteur droit avec flèche 58"/>
+          <p:cNvCxnSpPr/>
+          <p:nvPr/>
+        </p:nvCxnSpPr>
+        <p:spPr>
+          <a:xfrm flipV="1">
+            <a:off x="2119660" y="8555095"/>
+            <a:ext cx="609221" cy="891103"/>
+          </a:xfrm>
+          <a:prstGeom prst="straightConnector1">
+            <a:avLst/>
+          </a:prstGeom>
+          <a:ln w="76200">
+            <a:solidFill>
+              <a:schemeClr val="tx1"/>
+            </a:solidFill>
+            <a:tailEnd type="triangle"/>
+          </a:ln>
+        </p:spPr>
+        <p:style>
+          <a:lnRef idx="1">
+            <a:schemeClr val="accent1"/>
+          </a:lnRef>
+          <a:fillRef idx="0">
+            <a:schemeClr val="accent1"/>
+          </a:fillRef>
+          <a:effectRef idx="0">
+            <a:schemeClr val="accent1"/>
+          </a:effectRef>
+          <a:fontRef idx="minor">
+            <a:schemeClr val="tx1"/>
+          </a:fontRef>
+        </p:style>
+      </p:cxnSp>
+      <p:pic>
+        <p:nvPicPr>
+          <p:cNvPr id="79" name="Image 78"/>
+          <p:cNvPicPr>
+            <a:picLocks noChangeAspect="1"/>
+          </p:cNvPicPr>
+          <p:nvPr/>
+        </p:nvPicPr>
+        <p:blipFill>
+          <a:blip r:embed="rId16">
+            <a:extLst>
+              <a:ext uri="{28A0092B-C50C-407E-A947-70E740481C1C}">
+                <a14:useLocalDpi xmlns:a14="http://schemas.microsoft.com/office/drawing/2010/main" val="0"/>
+              </a:ext>
+            </a:extLst>
+          </a:blip>
+          <a:stretch>
+            <a:fillRect/>
+          </a:stretch>
+        </p:blipFill>
+        <p:spPr>
+          <a:xfrm>
+            <a:off x="7905755" y="4684429"/>
+            <a:ext cx="626465" cy="530086"/>
+          </a:xfrm>
+          <a:prstGeom prst="rect">
+            <a:avLst/>
+          </a:prstGeom>
+        </p:spPr>
+      </p:pic>
+      <p:pic>
+        <p:nvPicPr>
+          <p:cNvPr id="81" name="Image 80"/>
+          <p:cNvPicPr>
+            <a:picLocks noChangeAspect="1"/>
+          </p:cNvPicPr>
+          <p:nvPr/>
+        </p:nvPicPr>
+        <p:blipFill>
+          <a:blip r:embed="rId16">
+            <a:extLst>
+              <a:ext uri="{28A0092B-C50C-407E-A947-70E740481C1C}">
+                <a14:useLocalDpi xmlns:a14="http://schemas.microsoft.com/office/drawing/2010/main" val="0"/>
+              </a:ext>
+            </a:extLst>
+          </a:blip>
+          <a:stretch>
+            <a:fillRect/>
+          </a:stretch>
+        </p:blipFill>
+        <p:spPr>
+          <a:xfrm>
+            <a:off x="8296792" y="6763329"/>
+            <a:ext cx="626465" cy="530086"/>
+          </a:xfrm>
+          <a:prstGeom prst="rect">
+            <a:avLst/>
+          </a:prstGeom>
+        </p:spPr>
+      </p:pic>
+      <p:pic>
+        <p:nvPicPr>
+          <p:cNvPr id="83" name="Image 82"/>
+          <p:cNvPicPr>
+            <a:picLocks noChangeAspect="1"/>
+          </p:cNvPicPr>
+          <p:nvPr/>
+        </p:nvPicPr>
+        <p:blipFill>
+          <a:blip r:embed="rId16">
+            <a:extLst>
+              <a:ext uri="{28A0092B-C50C-407E-A947-70E740481C1C}">
+                <a14:useLocalDpi xmlns:a14="http://schemas.microsoft.com/office/drawing/2010/main" val="0"/>
+              </a:ext>
+            </a:extLst>
+          </a:blip>
+          <a:stretch>
+            <a:fillRect/>
+          </a:stretch>
+        </p:blipFill>
+        <p:spPr>
+          <a:xfrm>
+            <a:off x="8532219" y="7662747"/>
+            <a:ext cx="626465" cy="530086"/>
+          </a:xfrm>
+          <a:prstGeom prst="rect">
+            <a:avLst/>
+          </a:prstGeom>
+        </p:spPr>
+      </p:pic>
+      <p:pic>
+        <p:nvPicPr>
+          <p:cNvPr id="41" name="Image 40"/>
+          <p:cNvPicPr>
+            <a:picLocks noChangeAspect="1"/>
+          </p:cNvPicPr>
+          <p:nvPr/>
+        </p:nvPicPr>
+        <p:blipFill>
+          <a:blip r:embed="rId16">
+            <a:extLst>
+              <a:ext uri="{28A0092B-C50C-407E-A947-70E740481C1C}">
+                <a14:useLocalDpi xmlns:a14="http://schemas.microsoft.com/office/drawing/2010/main" val="0"/>
+              </a:ext>
+            </a:extLst>
+          </a:blip>
+          <a:stretch>
+            <a:fillRect/>
+          </a:stretch>
+        </p:blipFill>
+        <p:spPr>
+          <a:xfrm>
+            <a:off x="8665271" y="3792415"/>
+            <a:ext cx="626465" cy="530086"/>
+          </a:xfrm>
+          <a:prstGeom prst="rect">
+            <a:avLst/>
+          </a:prstGeom>
+        </p:spPr>
+      </p:pic>
+      <p:pic>
+        <p:nvPicPr>
+          <p:cNvPr id="15" name="Image 14"/>
+          <p:cNvPicPr>
+            <a:picLocks noChangeAspect="1"/>
+          </p:cNvPicPr>
+          <p:nvPr/>
+        </p:nvPicPr>
+        <p:blipFill>
+          <a:blip r:embed="rId17">
+            <a:extLst>
+              <a:ext uri="{28A0092B-C50C-407E-A947-70E740481C1C}">
+                <a14:useLocalDpi xmlns:a14="http://schemas.microsoft.com/office/drawing/2010/main" val="0"/>
+              </a:ext>
+            </a:extLst>
+          </a:blip>
+          <a:stretch>
+            <a:fillRect/>
+          </a:stretch>
+        </p:blipFill>
+        <p:spPr>
+          <a:xfrm>
+            <a:off x="7492196" y="917785"/>
+            <a:ext cx="707937" cy="569269"/>
+          </a:xfrm>
+          <a:prstGeom prst="rect">
+            <a:avLst/>
+          </a:prstGeom>
+        </p:spPr>
+      </p:pic>
+      <p:cxnSp>
+        <p:nvCxnSpPr>
+          <p:cNvPr id="65" name="Connecteur droit avec flèche 64"/>
+          <p:cNvCxnSpPr/>
+          <p:nvPr/>
+        </p:nvCxnSpPr>
+        <p:spPr>
+          <a:xfrm flipH="1">
+            <a:off x="3152936" y="6109056"/>
+            <a:ext cx="668797" cy="963209"/>
+          </a:xfrm>
+          <a:prstGeom prst="straightConnector1">
+            <a:avLst/>
+          </a:prstGeom>
+          <a:ln w="76200">
+            <a:solidFill>
+              <a:schemeClr val="tx1"/>
+            </a:solidFill>
+            <a:tailEnd type="triangle"/>
+          </a:ln>
+        </p:spPr>
+        <p:style>
+          <a:lnRef idx="1">
+            <a:schemeClr val="accent1"/>
+          </a:lnRef>
+          <a:fillRef idx="0">
+            <a:schemeClr val="accent1"/>
+          </a:fillRef>
+          <a:effectRef idx="0">
+            <a:schemeClr val="accent1"/>
+          </a:effectRef>
+          <a:fontRef idx="minor">
+            <a:schemeClr val="tx1"/>
+          </a:fontRef>
+        </p:style>
+      </p:cxnSp>
+      <p:cxnSp>
+        <p:nvCxnSpPr>
+          <p:cNvPr id="67" name="Connecteur droit avec flèche 66"/>
+          <p:cNvCxnSpPr/>
+          <p:nvPr/>
+        </p:nvCxnSpPr>
+        <p:spPr>
+          <a:xfrm flipV="1">
+            <a:off x="3665970" y="6707813"/>
+            <a:ext cx="609221" cy="891103"/>
+          </a:xfrm>
+          <a:prstGeom prst="straightConnector1">
+            <a:avLst/>
+          </a:prstGeom>
+          <a:ln w="76200">
+            <a:solidFill>
+              <a:schemeClr val="tx1"/>
+            </a:solidFill>
+            <a:tailEnd type="triangle"/>
+          </a:ln>
+        </p:spPr>
+        <p:style>
+          <a:lnRef idx="1">
+            <a:schemeClr val="accent1"/>
+          </a:lnRef>
+          <a:fillRef idx="0">
+            <a:schemeClr val="accent1"/>
+          </a:fillRef>
+          <a:effectRef idx="0">
+            <a:schemeClr val="accent1"/>
+          </a:effectRef>
+          <a:fontRef idx="minor">
+            <a:schemeClr val="tx1"/>
+          </a:fontRef>
+        </p:style>
+      </p:cxnSp>
+      <p:sp>
+        <p:nvSpPr>
+          <p:cNvPr id="50" name="ZoneTexte 49"/>
+          <p:cNvSpPr txBox="1"/>
+          <p:nvPr/>
+        </p:nvSpPr>
+        <p:spPr>
+          <a:xfrm>
+            <a:off x="7597104" y="334750"/>
+            <a:ext cx="933218" cy="369332"/>
+          </a:xfrm>
+          <a:prstGeom prst="rect">
+            <a:avLst/>
+          </a:prstGeom>
+          <a:noFill/>
+        </p:spPr>
+        <p:txBody>
+          <a:bodyPr wrap="square" rtlCol="0">
+            <a:spAutoFit/>
+          </a:bodyPr>
+          <a:lstStyle/>
+          <a:p>
+            <a:r>
+              <a:rPr lang="fr-FR" dirty="0" smtClean="0"/>
+              <a:t>PO</a:t>
+            </a:r>
+            <a:r>
+              <a:rPr lang="fr-FR" baseline="-25000" dirty="0" smtClean="0"/>
+              <a:t>4</a:t>
+            </a:r>
+            <a:endParaRPr lang="fr-FR" dirty="0"/>
+          </a:p>
+        </p:txBody>
+      </p:sp>
+      <p:pic>
+        <p:nvPicPr>
+          <p:cNvPr id="77" name="Image 76"/>
+          <p:cNvPicPr>
+            <a:picLocks noChangeAspect="1"/>
+          </p:cNvPicPr>
+          <p:nvPr/>
+        </p:nvPicPr>
+        <p:blipFill>
+          <a:blip r:embed="rId18">
+            <a:extLst>
+              <a:ext uri="{28A0092B-C50C-407E-A947-70E740481C1C}">
+                <a14:useLocalDpi xmlns:a14="http://schemas.microsoft.com/office/drawing/2010/main" val="0"/>
+              </a:ext>
+            </a:extLst>
+          </a:blip>
+          <a:stretch>
+            <a:fillRect/>
+          </a:stretch>
+        </p:blipFill>
+        <p:spPr>
+          <a:xfrm>
+            <a:off x="2024803" y="7506852"/>
+            <a:ext cx="534691" cy="456715"/>
+          </a:xfrm>
+          <a:prstGeom prst="rect">
+            <a:avLst/>
+          </a:prstGeom>
+        </p:spPr>
+      </p:pic>
+      <p:pic>
+        <p:nvPicPr>
+          <p:cNvPr id="80" name="Image 79"/>
+          <p:cNvPicPr>
+            <a:picLocks noChangeAspect="1"/>
+          </p:cNvPicPr>
+          <p:nvPr/>
+        </p:nvPicPr>
+        <p:blipFill>
+          <a:blip r:embed="rId18">
+            <a:extLst>
+              <a:ext uri="{28A0092B-C50C-407E-A947-70E740481C1C}">
+                <a14:useLocalDpi xmlns:a14="http://schemas.microsoft.com/office/drawing/2010/main" val="0"/>
+              </a:ext>
+            </a:extLst>
+          </a:blip>
+          <a:stretch>
+            <a:fillRect/>
+          </a:stretch>
+        </p:blipFill>
+        <p:spPr>
+          <a:xfrm>
+            <a:off x="1926007" y="7869466"/>
+            <a:ext cx="534691" cy="456715"/>
+          </a:xfrm>
+          <a:prstGeom prst="rect">
+            <a:avLst/>
+          </a:prstGeom>
+        </p:spPr>
+      </p:pic>
+      <p:pic>
+        <p:nvPicPr>
+          <p:cNvPr id="82" name="Image 81"/>
+          <p:cNvPicPr>
+            <a:picLocks noChangeAspect="1"/>
+          </p:cNvPicPr>
+          <p:nvPr/>
+        </p:nvPicPr>
+        <p:blipFill>
+          <a:blip r:embed="rId18">
+            <a:extLst>
+              <a:ext uri="{28A0092B-C50C-407E-A947-70E740481C1C}">
+                <a14:useLocalDpi xmlns:a14="http://schemas.microsoft.com/office/drawing/2010/main" val="0"/>
+              </a:ext>
+            </a:extLst>
+          </a:blip>
+          <a:stretch>
+            <a:fillRect/>
+          </a:stretch>
+        </p:blipFill>
+        <p:spPr>
+          <a:xfrm>
+            <a:off x="2270266" y="7745997"/>
+            <a:ext cx="534691" cy="456715"/>
+          </a:xfrm>
+          <a:prstGeom prst="rect">
+            <a:avLst/>
+          </a:prstGeom>
+        </p:spPr>
+      </p:pic>
+      <p:sp>
+        <p:nvSpPr>
+          <p:cNvPr id="84" name="ZoneTexte 83"/>
+          <p:cNvSpPr txBox="1"/>
+          <p:nvPr/>
+        </p:nvSpPr>
+        <p:spPr>
+          <a:xfrm>
+            <a:off x="1013194" y="7596623"/>
+            <a:ext cx="958253" cy="523220"/>
+          </a:xfrm>
+          <a:prstGeom prst="rect">
+            <a:avLst/>
+          </a:prstGeom>
+          <a:noFill/>
+        </p:spPr>
+        <p:txBody>
+          <a:bodyPr wrap="square" rtlCol="0">
+            <a:spAutoFit/>
+          </a:bodyPr>
+          <a:lstStyle/>
+          <a:p>
+            <a:r>
+              <a:rPr lang="fr-FR" sz="2800" b="1" dirty="0" smtClean="0"/>
+              <a:t>Ca</a:t>
+            </a:r>
+            <a:r>
+              <a:rPr lang="fr-FR" sz="2800" b="1" baseline="30000" dirty="0" smtClean="0"/>
+              <a:t>2+</a:t>
+            </a:r>
+            <a:endParaRPr lang="fr-FR" sz="2800" b="1" dirty="0"/>
+          </a:p>
+        </p:txBody>
+      </p:sp>
+      <p:pic>
+        <p:nvPicPr>
+          <p:cNvPr id="88" name="Image 87"/>
+          <p:cNvPicPr>
+            <a:picLocks noChangeAspect="1"/>
+          </p:cNvPicPr>
+          <p:nvPr/>
+        </p:nvPicPr>
+        <p:blipFill>
+          <a:blip r:embed="rId18">
+            <a:extLst>
+              <a:ext uri="{28A0092B-C50C-407E-A947-70E740481C1C}">
+                <a14:useLocalDpi xmlns:a14="http://schemas.microsoft.com/office/drawing/2010/main" val="0"/>
+              </a:ext>
+            </a:extLst>
+          </a:blip>
+          <a:stretch>
+            <a:fillRect/>
+          </a:stretch>
+        </p:blipFill>
+        <p:spPr>
+          <a:xfrm>
+            <a:off x="4313726" y="5923166"/>
+            <a:ext cx="534691" cy="456715"/>
+          </a:xfrm>
+          <a:prstGeom prst="rect">
+            <a:avLst/>
+          </a:prstGeom>
+        </p:spPr>
+      </p:pic>
+      <p:pic>
+        <p:nvPicPr>
+          <p:cNvPr id="2" name="Image 1"/>
+          <p:cNvPicPr>
+            <a:picLocks noChangeAspect="1"/>
+          </p:cNvPicPr>
+          <p:nvPr/>
+        </p:nvPicPr>
+        <p:blipFill>
+          <a:blip r:embed="rId19">
+            <a:extLst>
+              <a:ext uri="{28A0092B-C50C-407E-A947-70E740481C1C}">
+                <a14:useLocalDpi xmlns:a14="http://schemas.microsoft.com/office/drawing/2010/main" val="0"/>
+              </a:ext>
+            </a:extLst>
+          </a:blip>
+          <a:stretch>
+            <a:fillRect/>
+          </a:stretch>
+        </p:blipFill>
+        <p:spPr>
+          <a:xfrm>
+            <a:off x="3195234" y="9618490"/>
+            <a:ext cx="584200" cy="736600"/>
+          </a:xfrm>
+          <a:prstGeom prst="rect">
+            <a:avLst/>
+          </a:prstGeom>
+        </p:spPr>
+      </p:pic>
+    </p:spTree>
+    <p:extLst>
+      <p:ext uri="{BB962C8B-B14F-4D97-AF65-F5344CB8AC3E}">
+        <p14:creationId xmlns:p14="http://schemas.microsoft.com/office/powerpoint/2010/main" val="1964227962"/>
+      </p:ext>
+    </p:extLst>
+  </p:cSld>
+  <p:clrMapOvr>
+    <a:masterClrMapping/>
+  </p:clrMapOvr>
+  <mc:AlternateContent xmlns:mc="http://schemas.openxmlformats.org/markup-compatibility/2006">
+    <mc:Choice xmlns:p14="http://schemas.microsoft.com/office/powerpoint/2010/main" Requires="p14">
+      <p:transition spd="slow" p14:dur="900" advClick="0" advTm="0">
+        <p14:warp dir="in"/>
+      </p:transition>
+    </mc:Choice>
+    <mc:Fallback>
+      <p:transition spd="slow" advClick="0" advTm="0">
+        <p:fade/>
+      </p:transition>
+    </mc:Fallback>
+  </mc:AlternateContent>
+  <p:timing>
+    <p:tnLst>
+      <p:par>
+        <p:cTn id="1" dur="indefinite" restart="never" nodeType="tmRoot">
+          <p:childTnLst>
+            <p:seq concurrent="1" nextAc="seek">
+              <p:cTn id="2" dur="indefinite" nodeType="mainSeq">
+                <p:childTnLst>
+                  <p:par>
+                    <p:cTn id="3" fill="hold">
+                      <p:stCondLst>
+                        <p:cond delay="indefinite"/>
+                      </p:stCondLst>
+                      <p:childTnLst>
+                        <p:par>
+                          <p:cTn id="4" fill="hold">
+                            <p:stCondLst>
+                              <p:cond delay="0"/>
+                            </p:stCondLst>
+                            <p:childTnLst>
+                              <p:par>
+                                <p:cTn id="5" presetID="53" presetClass="entr" presetSubtype="16" fill="hold" nodeType="clickEffect">
+                                  <p:stCondLst>
+                                    <p:cond delay="0"/>
+                                  </p:stCondLst>
+                                  <p:childTnLst>
+                                    <p:set>
+                                      <p:cBhvr>
+                                        <p:cTn id="6" dur="1" fill="hold">
+                                          <p:stCondLst>
+                                            <p:cond delay="0"/>
+                                          </p:stCondLst>
+                                        </p:cTn>
+                                        <p:tgtEl>
+                                          <p:spTgt spid="25"/>
+                                        </p:tgtEl>
+                                        <p:attrNameLst>
+                                          <p:attrName>style.visibility</p:attrName>
+                                        </p:attrNameLst>
+                                      </p:cBhvr>
+                                      <p:to>
+                                        <p:strVal val="visible"/>
+                                      </p:to>
+                                    </p:set>
+                                    <p:anim calcmode="lin" valueType="num">
+                                      <p:cBhvr>
+                                        <p:cTn id="7" dur="500" fill="hold"/>
+                                        <p:tgtEl>
+                                          <p:spTgt spid="25"/>
+                                        </p:tgtEl>
+                                        <p:attrNameLst>
+                                          <p:attrName>ppt_w</p:attrName>
+                                        </p:attrNameLst>
+                                      </p:cBhvr>
+                                      <p:tavLst>
+                                        <p:tav tm="0">
+                                          <p:val>
+                                            <p:fltVal val="0"/>
+                                          </p:val>
+                                        </p:tav>
+                                        <p:tav tm="100000">
+                                          <p:val>
+                                            <p:strVal val="#ppt_w"/>
+                                          </p:val>
+                                        </p:tav>
+                                      </p:tavLst>
+                                    </p:anim>
+                                    <p:anim calcmode="lin" valueType="num">
+                                      <p:cBhvr>
+                                        <p:cTn id="8" dur="500" fill="hold"/>
+                                        <p:tgtEl>
+                                          <p:spTgt spid="25"/>
+                                        </p:tgtEl>
+                                        <p:attrNameLst>
+                                          <p:attrName>ppt_h</p:attrName>
+                                        </p:attrNameLst>
+                                      </p:cBhvr>
+                                      <p:tavLst>
+                                        <p:tav tm="0">
+                                          <p:val>
+                                            <p:fltVal val="0"/>
+                                          </p:val>
+                                        </p:tav>
+                                        <p:tav tm="100000">
+                                          <p:val>
+                                            <p:strVal val="#ppt_h"/>
+                                          </p:val>
+                                        </p:tav>
+                                      </p:tavLst>
+                                    </p:anim>
+                                    <p:animEffect transition="in" filter="fade">
+                                      <p:cBhvr>
+                                        <p:cTn id="9" dur="500"/>
+                                        <p:tgtEl>
+                                          <p:spTgt spid="25"/>
+                                        </p:tgtEl>
+                                      </p:cBhvr>
+                                    </p:animEffect>
+                                  </p:childTnLst>
+                                </p:cTn>
+                              </p:par>
+                            </p:childTnLst>
+                          </p:cTn>
+                        </p:par>
+                      </p:childTnLst>
+                    </p:cTn>
+                  </p:par>
+                  <p:par>
+                    <p:cTn id="10" fill="hold">
+                      <p:stCondLst>
+                        <p:cond delay="indefinite"/>
+                      </p:stCondLst>
+                      <p:childTnLst>
+                        <p:par>
+                          <p:cTn id="11" fill="hold">
+                            <p:stCondLst>
+                              <p:cond delay="0"/>
+                            </p:stCondLst>
+                            <p:childTnLst>
+                              <p:par>
+                                <p:cTn id="12" presetID="19" presetClass="entr" presetSubtype="10" fill="hold" nodeType="clickEffect">
+                                  <p:stCondLst>
+                                    <p:cond delay="0"/>
+                                  </p:stCondLst>
+                                  <p:childTnLst>
+                                    <p:set>
+                                      <p:cBhvr>
+                                        <p:cTn id="13" dur="1" fill="hold">
+                                          <p:stCondLst>
+                                            <p:cond delay="0"/>
+                                          </p:stCondLst>
+                                        </p:cTn>
+                                        <p:tgtEl>
+                                          <p:spTgt spid="82"/>
+                                        </p:tgtEl>
+                                        <p:attrNameLst>
+                                          <p:attrName>style.visibility</p:attrName>
+                                        </p:attrNameLst>
+                                      </p:cBhvr>
+                                      <p:to>
+                                        <p:strVal val="visible"/>
+                                      </p:to>
+                                    </p:set>
+                                    <p:anim calcmode="lin" valueType="num">
+                                      <p:cBhvr>
+                                        <p:cTn id="14" dur="5000" fill="hold"/>
+                                        <p:tgtEl>
+                                          <p:spTgt spid="82"/>
+                                        </p:tgtEl>
+                                        <p:attrNameLst>
+                                          <p:attrName>ppt_w</p:attrName>
+                                        </p:attrNameLst>
+                                      </p:cBhvr>
+                                      <p:tavLst>
+                                        <p:tav tm="0" fmla="#ppt_w*sin(2.5*pi*$)">
+                                          <p:val>
+                                            <p:fltVal val="0"/>
+                                          </p:val>
+                                        </p:tav>
+                                        <p:tav tm="100000">
+                                          <p:val>
+                                            <p:fltVal val="1"/>
+                                          </p:val>
+                                        </p:tav>
+                                      </p:tavLst>
+                                    </p:anim>
+                                    <p:anim calcmode="lin" valueType="num">
+                                      <p:cBhvr>
+                                        <p:cTn id="15" dur="5000" fill="hold"/>
+                                        <p:tgtEl>
+                                          <p:spTgt spid="82"/>
+                                        </p:tgtEl>
+                                        <p:attrNameLst>
+                                          <p:attrName>ppt_h</p:attrName>
+                                        </p:attrNameLst>
+                                      </p:cBhvr>
+                                      <p:tavLst>
+                                        <p:tav tm="0">
+                                          <p:val>
+                                            <p:strVal val="#ppt_h"/>
+                                          </p:val>
+                                        </p:tav>
+                                        <p:tav tm="100000">
+                                          <p:val>
+                                            <p:strVal val="#ppt_h"/>
+                                          </p:val>
+                                        </p:tav>
+                                      </p:tavLst>
+                                    </p:anim>
+                                  </p:childTnLst>
+                                </p:cTn>
+                              </p:par>
+                              <p:par>
+                                <p:cTn id="16" presetID="19" presetClass="entr" presetSubtype="10" fill="hold" nodeType="withEffect">
+                                  <p:stCondLst>
+                                    <p:cond delay="0"/>
+                                  </p:stCondLst>
+                                  <p:childTnLst>
+                                    <p:set>
+                                      <p:cBhvr>
+                                        <p:cTn id="17" dur="1" fill="hold">
+                                          <p:stCondLst>
+                                            <p:cond delay="0"/>
+                                          </p:stCondLst>
+                                        </p:cTn>
+                                        <p:tgtEl>
+                                          <p:spTgt spid="77"/>
+                                        </p:tgtEl>
+                                        <p:attrNameLst>
+                                          <p:attrName>style.visibility</p:attrName>
+                                        </p:attrNameLst>
+                                      </p:cBhvr>
+                                      <p:to>
+                                        <p:strVal val="visible"/>
+                                      </p:to>
+                                    </p:set>
+                                    <p:anim calcmode="lin" valueType="num">
+                                      <p:cBhvr>
+                                        <p:cTn id="18" dur="5000" fill="hold"/>
+                                        <p:tgtEl>
+                                          <p:spTgt spid="77"/>
+                                        </p:tgtEl>
+                                        <p:attrNameLst>
+                                          <p:attrName>ppt_w</p:attrName>
+                                        </p:attrNameLst>
+                                      </p:cBhvr>
+                                      <p:tavLst>
+                                        <p:tav tm="0" fmla="#ppt_w*sin(2.5*pi*$)">
+                                          <p:val>
+                                            <p:fltVal val="0"/>
+                                          </p:val>
+                                        </p:tav>
+                                        <p:tav tm="100000">
+                                          <p:val>
+                                            <p:fltVal val="1"/>
+                                          </p:val>
+                                        </p:tav>
+                                      </p:tavLst>
+                                    </p:anim>
+                                    <p:anim calcmode="lin" valueType="num">
+                                      <p:cBhvr>
+                                        <p:cTn id="19" dur="5000" fill="hold"/>
+                                        <p:tgtEl>
+                                          <p:spTgt spid="77"/>
+                                        </p:tgtEl>
+                                        <p:attrNameLst>
+                                          <p:attrName>ppt_h</p:attrName>
+                                        </p:attrNameLst>
+                                      </p:cBhvr>
+                                      <p:tavLst>
+                                        <p:tav tm="0">
+                                          <p:val>
+                                            <p:strVal val="#ppt_h"/>
+                                          </p:val>
+                                        </p:tav>
+                                        <p:tav tm="100000">
+                                          <p:val>
+                                            <p:strVal val="#ppt_h"/>
+                                          </p:val>
+                                        </p:tav>
+                                      </p:tavLst>
+                                    </p:anim>
+                                  </p:childTnLst>
+                                </p:cTn>
+                              </p:par>
+                              <p:par>
+                                <p:cTn id="20" presetID="19" presetClass="entr" presetSubtype="10" fill="hold" nodeType="withEffect">
+                                  <p:stCondLst>
+                                    <p:cond delay="0"/>
+                                  </p:stCondLst>
+                                  <p:childTnLst>
+                                    <p:set>
+                                      <p:cBhvr>
+                                        <p:cTn id="21" dur="1" fill="hold">
+                                          <p:stCondLst>
+                                            <p:cond delay="0"/>
+                                          </p:stCondLst>
+                                        </p:cTn>
+                                        <p:tgtEl>
+                                          <p:spTgt spid="80"/>
+                                        </p:tgtEl>
+                                        <p:attrNameLst>
+                                          <p:attrName>style.visibility</p:attrName>
+                                        </p:attrNameLst>
+                                      </p:cBhvr>
+                                      <p:to>
+                                        <p:strVal val="visible"/>
+                                      </p:to>
+                                    </p:set>
+                                    <p:anim calcmode="lin" valueType="num">
+                                      <p:cBhvr>
+                                        <p:cTn id="22" dur="5000" fill="hold"/>
+                                        <p:tgtEl>
+                                          <p:spTgt spid="80"/>
+                                        </p:tgtEl>
+                                        <p:attrNameLst>
+                                          <p:attrName>ppt_w</p:attrName>
+                                        </p:attrNameLst>
+                                      </p:cBhvr>
+                                      <p:tavLst>
+                                        <p:tav tm="0" fmla="#ppt_w*sin(2.5*pi*$)">
+                                          <p:val>
+                                            <p:fltVal val="0"/>
+                                          </p:val>
+                                        </p:tav>
+                                        <p:tav tm="100000">
+                                          <p:val>
+                                            <p:fltVal val="1"/>
+                                          </p:val>
+                                        </p:tav>
+                                      </p:tavLst>
+                                    </p:anim>
+                                    <p:anim calcmode="lin" valueType="num">
+                                      <p:cBhvr>
+                                        <p:cTn id="23" dur="5000" fill="hold"/>
+                                        <p:tgtEl>
+                                          <p:spTgt spid="80"/>
+                                        </p:tgtEl>
+                                        <p:attrNameLst>
+                                          <p:attrName>ppt_h</p:attrName>
+                                        </p:attrNameLst>
+                                      </p:cBhvr>
+                                      <p:tavLst>
+                                        <p:tav tm="0">
+                                          <p:val>
+                                            <p:strVal val="#ppt_h"/>
+                                          </p:val>
+                                        </p:tav>
+                                        <p:tav tm="100000">
+                                          <p:val>
+                                            <p:strVal val="#ppt_h"/>
+                                          </p:val>
+                                        </p:tav>
+                                      </p:tavLst>
+                                    </p:anim>
+                                  </p:childTnLst>
+                                </p:cTn>
+                              </p:par>
+                            </p:childTnLst>
+                          </p:cTn>
+                        </p:par>
+                      </p:childTnLst>
+                    </p:cTn>
+                  </p:par>
+                  <p:par>
+                    <p:cTn id="24" fill="hold">
+                      <p:stCondLst>
+                        <p:cond delay="indefinite"/>
+                      </p:stCondLst>
+                      <p:childTnLst>
+                        <p:par>
+                          <p:cTn id="25" fill="hold">
+                            <p:stCondLst>
+                              <p:cond delay="0"/>
+                            </p:stCondLst>
+                            <p:childTnLst>
+                              <p:par>
+                                <p:cTn id="26" presetID="1" presetClass="entr" presetSubtype="0" fill="hold" grpId="0" nodeType="clickEffect">
+                                  <p:stCondLst>
+                                    <p:cond delay="0"/>
+                                  </p:stCondLst>
+                                  <p:childTnLst>
+                                    <p:set>
+                                      <p:cBhvr>
+                                        <p:cTn id="27" dur="1" fill="hold">
+                                          <p:stCondLst>
+                                            <p:cond delay="0"/>
+                                          </p:stCondLst>
+                                        </p:cTn>
+                                        <p:tgtEl>
+                                          <p:spTgt spid="84"/>
+                                        </p:tgtEl>
+                                        <p:attrNameLst>
+                                          <p:attrName>style.visibility</p:attrName>
+                                        </p:attrNameLst>
+                                      </p:cBhvr>
+                                      <p:to>
+                                        <p:strVal val="visible"/>
+                                      </p:to>
+                                    </p:set>
+                                  </p:childTnLst>
+                                </p:cTn>
+                              </p:par>
+                            </p:childTnLst>
+                          </p:cTn>
+                        </p:par>
+                      </p:childTnLst>
+                    </p:cTn>
+                  </p:par>
+                  <p:par>
+                    <p:cTn id="28" fill="hold">
+                      <p:stCondLst>
+                        <p:cond delay="indefinite"/>
+                      </p:stCondLst>
+                      <p:childTnLst>
+                        <p:par>
+                          <p:cTn id="29" fill="hold">
+                            <p:stCondLst>
+                              <p:cond delay="0"/>
+                            </p:stCondLst>
+                            <p:childTnLst>
+                              <p:par>
+                                <p:cTn id="30" presetID="53" presetClass="entr" presetSubtype="16" fill="hold" nodeType="clickEffect">
+                                  <p:stCondLst>
+                                    <p:cond delay="0"/>
+                                  </p:stCondLst>
+                                  <p:childTnLst>
+                                    <p:set>
+                                      <p:cBhvr>
+                                        <p:cTn id="31" dur="1" fill="hold">
+                                          <p:stCondLst>
+                                            <p:cond delay="0"/>
+                                          </p:stCondLst>
+                                        </p:cTn>
+                                        <p:tgtEl>
+                                          <p:spTgt spid="23"/>
+                                        </p:tgtEl>
+                                        <p:attrNameLst>
+                                          <p:attrName>style.visibility</p:attrName>
+                                        </p:attrNameLst>
+                                      </p:cBhvr>
+                                      <p:to>
+                                        <p:strVal val="visible"/>
+                                      </p:to>
+                                    </p:set>
+                                    <p:anim calcmode="lin" valueType="num">
+                                      <p:cBhvr>
+                                        <p:cTn id="32" dur="500" fill="hold"/>
+                                        <p:tgtEl>
+                                          <p:spTgt spid="23"/>
+                                        </p:tgtEl>
+                                        <p:attrNameLst>
+                                          <p:attrName>ppt_w</p:attrName>
+                                        </p:attrNameLst>
+                                      </p:cBhvr>
+                                      <p:tavLst>
+                                        <p:tav tm="0">
+                                          <p:val>
+                                            <p:fltVal val="0"/>
+                                          </p:val>
+                                        </p:tav>
+                                        <p:tav tm="100000">
+                                          <p:val>
+                                            <p:strVal val="#ppt_w"/>
+                                          </p:val>
+                                        </p:tav>
+                                      </p:tavLst>
+                                    </p:anim>
+                                    <p:anim calcmode="lin" valueType="num">
+                                      <p:cBhvr>
+                                        <p:cTn id="33" dur="500" fill="hold"/>
+                                        <p:tgtEl>
+                                          <p:spTgt spid="23"/>
+                                        </p:tgtEl>
+                                        <p:attrNameLst>
+                                          <p:attrName>ppt_h</p:attrName>
+                                        </p:attrNameLst>
+                                      </p:cBhvr>
+                                      <p:tavLst>
+                                        <p:tav tm="0">
+                                          <p:val>
+                                            <p:fltVal val="0"/>
+                                          </p:val>
+                                        </p:tav>
+                                        <p:tav tm="100000">
+                                          <p:val>
+                                            <p:strVal val="#ppt_h"/>
+                                          </p:val>
+                                        </p:tav>
+                                      </p:tavLst>
+                                    </p:anim>
+                                    <p:animEffect transition="in" filter="fade">
+                                      <p:cBhvr>
+                                        <p:cTn id="34" dur="500"/>
+                                        <p:tgtEl>
+                                          <p:spTgt spid="23"/>
+                                        </p:tgtEl>
+                                      </p:cBhvr>
+                                    </p:animEffect>
+                                  </p:childTnLst>
+                                </p:cTn>
+                              </p:par>
+                            </p:childTnLst>
+                          </p:cTn>
+                        </p:par>
+                      </p:childTnLst>
+                    </p:cTn>
+                  </p:par>
+                  <p:par>
+                    <p:cTn id="35" fill="hold">
+                      <p:stCondLst>
+                        <p:cond delay="indefinite"/>
+                      </p:stCondLst>
+                      <p:childTnLst>
+                        <p:par>
+                          <p:cTn id="36" fill="hold">
+                            <p:stCondLst>
+                              <p:cond delay="0"/>
+                            </p:stCondLst>
+                            <p:childTnLst>
+                              <p:par>
+                                <p:cTn id="37" presetID="55" presetClass="entr" presetSubtype="0" fill="hold" nodeType="clickEffect">
+                                  <p:stCondLst>
+                                    <p:cond delay="0"/>
+                                  </p:stCondLst>
+                                  <p:childTnLst>
+                                    <p:set>
+                                      <p:cBhvr>
+                                        <p:cTn id="38" dur="1" fill="hold">
+                                          <p:stCondLst>
+                                            <p:cond delay="0"/>
+                                          </p:stCondLst>
+                                        </p:cTn>
+                                        <p:tgtEl>
+                                          <p:spTgt spid="67"/>
+                                        </p:tgtEl>
+                                        <p:attrNameLst>
+                                          <p:attrName>style.visibility</p:attrName>
+                                        </p:attrNameLst>
+                                      </p:cBhvr>
+                                      <p:to>
+                                        <p:strVal val="visible"/>
+                                      </p:to>
+                                    </p:set>
+                                    <p:anim calcmode="lin" valueType="num">
+                                      <p:cBhvr>
+                                        <p:cTn id="39" dur="1000" fill="hold"/>
+                                        <p:tgtEl>
+                                          <p:spTgt spid="67"/>
+                                        </p:tgtEl>
+                                        <p:attrNameLst>
+                                          <p:attrName>ppt_w</p:attrName>
+                                        </p:attrNameLst>
+                                      </p:cBhvr>
+                                      <p:tavLst>
+                                        <p:tav tm="0">
+                                          <p:val>
+                                            <p:strVal val="#ppt_w*0.70"/>
+                                          </p:val>
+                                        </p:tav>
+                                        <p:tav tm="100000">
+                                          <p:val>
+                                            <p:strVal val="#ppt_w"/>
+                                          </p:val>
+                                        </p:tav>
+                                      </p:tavLst>
+                                    </p:anim>
+                                    <p:anim calcmode="lin" valueType="num">
+                                      <p:cBhvr>
+                                        <p:cTn id="40" dur="1000" fill="hold"/>
+                                        <p:tgtEl>
+                                          <p:spTgt spid="67"/>
+                                        </p:tgtEl>
+                                        <p:attrNameLst>
+                                          <p:attrName>ppt_h</p:attrName>
+                                        </p:attrNameLst>
+                                      </p:cBhvr>
+                                      <p:tavLst>
+                                        <p:tav tm="0">
+                                          <p:val>
+                                            <p:strVal val="#ppt_h"/>
+                                          </p:val>
+                                        </p:tav>
+                                        <p:tav tm="100000">
+                                          <p:val>
+                                            <p:strVal val="#ppt_h"/>
+                                          </p:val>
+                                        </p:tav>
+                                      </p:tavLst>
+                                    </p:anim>
+                                    <p:animEffect transition="in" filter="fade">
+                                      <p:cBhvr>
+                                        <p:cTn id="41" dur="1000"/>
+                                        <p:tgtEl>
+                                          <p:spTgt spid="67"/>
+                                        </p:tgtEl>
+                                      </p:cBhvr>
+                                    </p:animEffect>
+                                  </p:childTnLst>
+                                </p:cTn>
+                              </p:par>
+                              <p:par>
+                                <p:cTn id="42" presetID="55" presetClass="entr" presetSubtype="0" fill="hold" nodeType="withEffect">
+                                  <p:stCondLst>
+                                    <p:cond delay="0"/>
+                                  </p:stCondLst>
+                                  <p:childTnLst>
+                                    <p:set>
+                                      <p:cBhvr>
+                                        <p:cTn id="43" dur="1" fill="hold">
+                                          <p:stCondLst>
+                                            <p:cond delay="0"/>
+                                          </p:stCondLst>
+                                        </p:cTn>
+                                        <p:tgtEl>
+                                          <p:spTgt spid="65"/>
+                                        </p:tgtEl>
+                                        <p:attrNameLst>
+                                          <p:attrName>style.visibility</p:attrName>
+                                        </p:attrNameLst>
+                                      </p:cBhvr>
+                                      <p:to>
+                                        <p:strVal val="visible"/>
+                                      </p:to>
+                                    </p:set>
+                                    <p:anim calcmode="lin" valueType="num">
+                                      <p:cBhvr>
+                                        <p:cTn id="44" dur="1000" fill="hold"/>
+                                        <p:tgtEl>
+                                          <p:spTgt spid="65"/>
+                                        </p:tgtEl>
+                                        <p:attrNameLst>
+                                          <p:attrName>ppt_w</p:attrName>
+                                        </p:attrNameLst>
+                                      </p:cBhvr>
+                                      <p:tavLst>
+                                        <p:tav tm="0">
+                                          <p:val>
+                                            <p:strVal val="#ppt_w*0.70"/>
+                                          </p:val>
+                                        </p:tav>
+                                        <p:tav tm="100000">
+                                          <p:val>
+                                            <p:strVal val="#ppt_w"/>
+                                          </p:val>
+                                        </p:tav>
+                                      </p:tavLst>
+                                    </p:anim>
+                                    <p:anim calcmode="lin" valueType="num">
+                                      <p:cBhvr>
+                                        <p:cTn id="45" dur="1000" fill="hold"/>
+                                        <p:tgtEl>
+                                          <p:spTgt spid="65"/>
+                                        </p:tgtEl>
+                                        <p:attrNameLst>
+                                          <p:attrName>ppt_h</p:attrName>
+                                        </p:attrNameLst>
+                                      </p:cBhvr>
+                                      <p:tavLst>
+                                        <p:tav tm="0">
+                                          <p:val>
+                                            <p:strVal val="#ppt_h"/>
+                                          </p:val>
+                                        </p:tav>
+                                        <p:tav tm="100000">
+                                          <p:val>
+                                            <p:strVal val="#ppt_h"/>
+                                          </p:val>
+                                        </p:tav>
+                                      </p:tavLst>
+                                    </p:anim>
+                                    <p:animEffect transition="in" filter="fade">
+                                      <p:cBhvr>
+                                        <p:cTn id="46" dur="1000"/>
+                                        <p:tgtEl>
+                                          <p:spTgt spid="65"/>
+                                        </p:tgtEl>
+                                      </p:cBhvr>
+                                    </p:animEffect>
+                                  </p:childTnLst>
+                                </p:cTn>
+                              </p:par>
+                              <p:par>
+                                <p:cTn id="47" presetID="1" presetClass="entr" presetSubtype="0" fill="hold" grpId="0" nodeType="withEffect">
+                                  <p:stCondLst>
+                                    <p:cond delay="0"/>
+                                  </p:stCondLst>
+                                  <p:childTnLst>
+                                    <p:set>
+                                      <p:cBhvr>
+                                        <p:cTn id="48" dur="1" fill="hold">
+                                          <p:stCondLst>
+                                            <p:cond delay="0"/>
+                                          </p:stCondLst>
+                                        </p:cTn>
+                                        <p:tgtEl>
+                                          <p:spTgt spid="55"/>
+                                        </p:tgtEl>
+                                        <p:attrNameLst>
+                                          <p:attrName>style.visibility</p:attrName>
+                                        </p:attrNameLst>
+                                      </p:cBhvr>
+                                      <p:to>
+                                        <p:strVal val="visible"/>
+                                      </p:to>
+                                    </p:set>
+                                  </p:childTnLst>
+                                </p:cTn>
+                              </p:par>
+                            </p:childTnLst>
+                          </p:cTn>
+                        </p:par>
+                      </p:childTnLst>
+                    </p:cTn>
+                  </p:par>
+                  <p:par>
+                    <p:cTn id="49" fill="hold">
+                      <p:stCondLst>
+                        <p:cond delay="indefinite"/>
+                      </p:stCondLst>
+                      <p:childTnLst>
+                        <p:par>
+                          <p:cTn id="50" fill="hold">
+                            <p:stCondLst>
+                              <p:cond delay="0"/>
+                            </p:stCondLst>
+                            <p:childTnLst>
+                              <p:par>
+                                <p:cTn id="51" presetID="0" presetClass="path" presetSubtype="0" repeatCount="1000000" accel="50000" decel="50000" fill="hold" nodeType="clickEffect">
+                                  <p:stCondLst>
+                                    <p:cond delay="0"/>
+                                  </p:stCondLst>
+                                  <p:childTnLst>
+                                    <p:animMotion origin="layout" path="M 0.0037 0.00286 C 0.0206 0.00455 0.04953 0.00429 0.07523 -0.00105 C 0.10092 -0.00651 0.13171 -0.0155 0.15764 -0.03008 C 0.18356 -0.0444 0.21458 -0.07019 0.23148 -0.08776 C 0.24861 -0.10521 0.25694 -0.12279 0.25995 -0.1349 C 0.26273 -0.14701 0.25671 -0.15534 0.24907 -0.16055 C 0.24213 -0.16563 0.23078 -0.16953 0.21551 -0.1655 C 0.20046 -0.16146 0.18078 -0.15105 0.15879 -0.13607 C 0.13657 -0.1211 0.10602 -0.09141 0.08379 -0.07552 C 0.06157 -0.05964 0.03819 -0.0474 0.02453 -0.0405 C 0.01111 -0.03386 0.00903 -0.03698 0.00139 -0.0349 C -0.00602 -0.03295 -0.01621 -0.03216 -0.02084 -0.02826 C -0.02547 -0.02448 -0.02986 -0.01693 -0.02616 -0.01172 C -0.02176 -0.00651 -0.0132 0.00104 0.0037 0.00286 Z " pathEditMode="relative" rAng="0" ptsTypes="AAAAAAAAAAAAAA">
+                                      <p:cBhvr>
+                                        <p:cTn id="52" dur="3000" fill="hold"/>
+                                        <p:tgtEl>
+                                          <p:spTgt spid="82"/>
+                                        </p:tgtEl>
+                                        <p:attrNameLst>
+                                          <p:attrName>ppt_x</p:attrName>
+                                          <p:attrName>ppt_y</p:attrName>
+                                        </p:attrNameLst>
+                                      </p:cBhvr>
+                                      <p:rCtr x="11273" y="-8464"/>
+                                    </p:animMotion>
+                                  </p:childTnLst>
+                                </p:cTn>
+                              </p:par>
+                              <p:par>
+                                <p:cTn id="53" presetID="19" presetClass="entr" presetSubtype="10" fill="hold" nodeType="withEffect">
+                                  <p:stCondLst>
+                                    <p:cond delay="5000"/>
+                                  </p:stCondLst>
+                                  <p:childTnLst>
+                                    <p:set>
+                                      <p:cBhvr>
+                                        <p:cTn id="54" dur="1" fill="hold">
+                                          <p:stCondLst>
+                                            <p:cond delay="0"/>
+                                          </p:stCondLst>
+                                        </p:cTn>
+                                        <p:tgtEl>
+                                          <p:spTgt spid="88"/>
+                                        </p:tgtEl>
+                                        <p:attrNameLst>
+                                          <p:attrName>style.visibility</p:attrName>
+                                        </p:attrNameLst>
+                                      </p:cBhvr>
+                                      <p:to>
+                                        <p:strVal val="visible"/>
+                                      </p:to>
+                                    </p:set>
+                                    <p:anim calcmode="lin" valueType="num">
+                                      <p:cBhvr>
+                                        <p:cTn id="55" dur="5000" fill="hold"/>
+                                        <p:tgtEl>
+                                          <p:spTgt spid="88"/>
+                                        </p:tgtEl>
+                                        <p:attrNameLst>
+                                          <p:attrName>ppt_w</p:attrName>
+                                        </p:attrNameLst>
+                                      </p:cBhvr>
+                                      <p:tavLst>
+                                        <p:tav tm="0" fmla="#ppt_w*sin(2.5*pi*$)">
+                                          <p:val>
+                                            <p:fltVal val="0"/>
+                                          </p:val>
+                                        </p:tav>
+                                        <p:tav tm="100000">
+                                          <p:val>
+                                            <p:fltVal val="1"/>
+                                          </p:val>
+                                        </p:tav>
+                                      </p:tavLst>
+                                    </p:anim>
+                                    <p:anim calcmode="lin" valueType="num">
+                                      <p:cBhvr>
+                                        <p:cTn id="56" dur="5000" fill="hold"/>
+                                        <p:tgtEl>
+                                          <p:spTgt spid="88"/>
+                                        </p:tgtEl>
+                                        <p:attrNameLst>
+                                          <p:attrName>ppt_h</p:attrName>
+                                        </p:attrNameLst>
+                                      </p:cBhvr>
+                                      <p:tavLst>
+                                        <p:tav tm="0">
+                                          <p:val>
+                                            <p:strVal val="#ppt_h"/>
+                                          </p:val>
+                                        </p:tav>
+                                        <p:tav tm="100000">
+                                          <p:val>
+                                            <p:strVal val="#ppt_h"/>
+                                          </p:val>
+                                        </p:tav>
+                                      </p:tavLst>
+                                    </p:anim>
+                                  </p:childTnLst>
+                                </p:cTn>
+                              </p:par>
+                              <p:par>
+                                <p:cTn id="57" presetID="55" presetClass="entr" presetSubtype="0" fill="hold" nodeType="withEffect">
+                                  <p:stCondLst>
+                                    <p:cond delay="8000"/>
+                                  </p:stCondLst>
+                                  <p:childTnLst>
+                                    <p:set>
+                                      <p:cBhvr>
+                                        <p:cTn id="58" dur="1" fill="hold">
+                                          <p:stCondLst>
+                                            <p:cond delay="0"/>
+                                          </p:stCondLst>
+                                        </p:cTn>
+                                        <p:tgtEl>
+                                          <p:spTgt spid="46"/>
+                                        </p:tgtEl>
+                                        <p:attrNameLst>
+                                          <p:attrName>style.visibility</p:attrName>
+                                        </p:attrNameLst>
+                                      </p:cBhvr>
+                                      <p:to>
+                                        <p:strVal val="visible"/>
+                                      </p:to>
+                                    </p:set>
+                                    <p:anim calcmode="lin" valueType="num">
+                                      <p:cBhvr>
+                                        <p:cTn id="59" dur="1000" fill="hold"/>
+                                        <p:tgtEl>
+                                          <p:spTgt spid="46"/>
+                                        </p:tgtEl>
+                                        <p:attrNameLst>
+                                          <p:attrName>ppt_w</p:attrName>
+                                        </p:attrNameLst>
+                                      </p:cBhvr>
+                                      <p:tavLst>
+                                        <p:tav tm="0">
+                                          <p:val>
+                                            <p:strVal val="#ppt_w*0.70"/>
+                                          </p:val>
+                                        </p:tav>
+                                        <p:tav tm="100000">
+                                          <p:val>
+                                            <p:strVal val="#ppt_w"/>
+                                          </p:val>
+                                        </p:tav>
+                                      </p:tavLst>
+                                    </p:anim>
+                                    <p:anim calcmode="lin" valueType="num">
+                                      <p:cBhvr>
+                                        <p:cTn id="60" dur="1000" fill="hold"/>
+                                        <p:tgtEl>
+                                          <p:spTgt spid="46"/>
+                                        </p:tgtEl>
+                                        <p:attrNameLst>
+                                          <p:attrName>ppt_h</p:attrName>
+                                        </p:attrNameLst>
+                                      </p:cBhvr>
+                                      <p:tavLst>
+                                        <p:tav tm="0">
+                                          <p:val>
+                                            <p:strVal val="#ppt_h"/>
+                                          </p:val>
+                                        </p:tav>
+                                        <p:tav tm="100000">
+                                          <p:val>
+                                            <p:strVal val="#ppt_h"/>
+                                          </p:val>
+                                        </p:tav>
+                                      </p:tavLst>
+                                    </p:anim>
+                                    <p:animEffect transition="in" filter="fade">
+                                      <p:cBhvr>
+                                        <p:cTn id="61" dur="1000"/>
+                                        <p:tgtEl>
+                                          <p:spTgt spid="46"/>
+                                        </p:tgtEl>
+                                      </p:cBhvr>
+                                    </p:animEffect>
+                                  </p:childTnLst>
+                                </p:cTn>
+                              </p:par>
+                              <p:par>
+                                <p:cTn id="62" presetID="53" presetClass="entr" presetSubtype="16" fill="hold" nodeType="withEffect">
+                                  <p:stCondLst>
+                                    <p:cond delay="12000"/>
+                                  </p:stCondLst>
+                                  <p:childTnLst>
+                                    <p:set>
+                                      <p:cBhvr>
+                                        <p:cTn id="63" dur="1" fill="hold">
+                                          <p:stCondLst>
+                                            <p:cond delay="0"/>
+                                          </p:stCondLst>
+                                        </p:cTn>
+                                        <p:tgtEl>
+                                          <p:spTgt spid="22"/>
+                                        </p:tgtEl>
+                                        <p:attrNameLst>
+                                          <p:attrName>style.visibility</p:attrName>
+                                        </p:attrNameLst>
+                                      </p:cBhvr>
+                                      <p:to>
+                                        <p:strVal val="visible"/>
+                                      </p:to>
+                                    </p:set>
+                                    <p:anim calcmode="lin" valueType="num">
+                                      <p:cBhvr>
+                                        <p:cTn id="64" dur="500" fill="hold"/>
+                                        <p:tgtEl>
+                                          <p:spTgt spid="22"/>
+                                        </p:tgtEl>
+                                        <p:attrNameLst>
+                                          <p:attrName>ppt_w</p:attrName>
+                                        </p:attrNameLst>
+                                      </p:cBhvr>
+                                      <p:tavLst>
+                                        <p:tav tm="0">
+                                          <p:val>
+                                            <p:fltVal val="0"/>
+                                          </p:val>
+                                        </p:tav>
+                                        <p:tav tm="100000">
+                                          <p:val>
+                                            <p:strVal val="#ppt_w"/>
+                                          </p:val>
+                                        </p:tav>
+                                      </p:tavLst>
+                                    </p:anim>
+                                    <p:anim calcmode="lin" valueType="num">
+                                      <p:cBhvr>
+                                        <p:cTn id="65" dur="500" fill="hold"/>
+                                        <p:tgtEl>
+                                          <p:spTgt spid="22"/>
+                                        </p:tgtEl>
+                                        <p:attrNameLst>
+                                          <p:attrName>ppt_h</p:attrName>
+                                        </p:attrNameLst>
+                                      </p:cBhvr>
+                                      <p:tavLst>
+                                        <p:tav tm="0">
+                                          <p:val>
+                                            <p:fltVal val="0"/>
+                                          </p:val>
+                                        </p:tav>
+                                        <p:tav tm="100000">
+                                          <p:val>
+                                            <p:strVal val="#ppt_h"/>
+                                          </p:val>
+                                        </p:tav>
+                                      </p:tavLst>
+                                    </p:anim>
+                                    <p:animEffect transition="in" filter="fade">
+                                      <p:cBhvr>
+                                        <p:cTn id="66" dur="500"/>
+                                        <p:tgtEl>
+                                          <p:spTgt spid="22"/>
+                                        </p:tgtEl>
+                                      </p:cBhvr>
+                                    </p:animEffect>
+                                  </p:childTnLst>
+                                </p:cTn>
+                              </p:par>
+                              <p:par>
+                                <p:cTn id="67" presetID="42" presetClass="path" presetSubtype="0" repeatCount="1000000" accel="50000" decel="50000" fill="hold" nodeType="withEffect">
+                                  <p:stCondLst>
+                                    <p:cond delay="13000"/>
+                                  </p:stCondLst>
+                                  <p:childTnLst>
+                                    <p:animMotion origin="layout" path="M -4.07407E-6 2.70833E-6 L -0.13333 0.27031 " pathEditMode="relative" rAng="0" ptsTypes="AA">
+                                      <p:cBhvr>
+                                        <p:cTn id="68" dur="2000" fill="hold"/>
+                                        <p:tgtEl>
+                                          <p:spTgt spid="88"/>
+                                        </p:tgtEl>
+                                        <p:attrNameLst>
+                                          <p:attrName>ppt_x</p:attrName>
+                                          <p:attrName>ppt_y</p:attrName>
+                                        </p:attrNameLst>
+                                      </p:cBhvr>
+                                      <p:rCtr x="-6667" y="13516"/>
+                                    </p:animMotion>
+                                  </p:childTnLst>
+                                </p:cTn>
+                              </p:par>
+                              <p:par>
+                                <p:cTn id="69" presetID="1" presetClass="entr" presetSubtype="0" fill="hold" grpId="0" nodeType="withEffect">
+                                  <p:stCondLst>
+                                    <p:cond delay="14000"/>
+                                  </p:stCondLst>
+                                  <p:childTnLst>
+                                    <p:set>
+                                      <p:cBhvr>
+                                        <p:cTn id="70" dur="1" fill="hold">
+                                          <p:stCondLst>
+                                            <p:cond delay="0"/>
+                                          </p:stCondLst>
+                                        </p:cTn>
+                                        <p:tgtEl>
+                                          <p:spTgt spid="56"/>
+                                        </p:tgtEl>
+                                        <p:attrNameLst>
+                                          <p:attrName>style.visibility</p:attrName>
+                                        </p:attrNameLst>
+                                      </p:cBhvr>
+                                      <p:to>
+                                        <p:strVal val="visible"/>
+                                      </p:to>
+                                    </p:set>
+                                  </p:childTnLst>
+                                </p:cTn>
+                              </p:par>
+                              <p:par>
+                                <p:cTn id="71" presetID="53" presetClass="entr" presetSubtype="16" fill="hold" nodeType="withEffect">
+                                  <p:stCondLst>
+                                    <p:cond delay="15000"/>
+                                  </p:stCondLst>
+                                  <p:childTnLst>
+                                    <p:set>
+                                      <p:cBhvr>
+                                        <p:cTn id="72" dur="1" fill="hold">
+                                          <p:stCondLst>
+                                            <p:cond delay="0"/>
+                                          </p:stCondLst>
+                                        </p:cTn>
+                                        <p:tgtEl>
+                                          <p:spTgt spid="26"/>
+                                        </p:tgtEl>
+                                        <p:attrNameLst>
+                                          <p:attrName>style.visibility</p:attrName>
+                                        </p:attrNameLst>
+                                      </p:cBhvr>
+                                      <p:to>
+                                        <p:strVal val="visible"/>
+                                      </p:to>
+                                    </p:set>
+                                    <p:anim calcmode="lin" valueType="num">
+                                      <p:cBhvr>
+                                        <p:cTn id="73" dur="500" fill="hold"/>
+                                        <p:tgtEl>
+                                          <p:spTgt spid="26"/>
+                                        </p:tgtEl>
+                                        <p:attrNameLst>
+                                          <p:attrName>ppt_w</p:attrName>
+                                        </p:attrNameLst>
+                                      </p:cBhvr>
+                                      <p:tavLst>
+                                        <p:tav tm="0">
+                                          <p:val>
+                                            <p:fltVal val="0"/>
+                                          </p:val>
+                                        </p:tav>
+                                        <p:tav tm="100000">
+                                          <p:val>
+                                            <p:strVal val="#ppt_w"/>
+                                          </p:val>
+                                        </p:tav>
+                                      </p:tavLst>
+                                    </p:anim>
+                                    <p:anim calcmode="lin" valueType="num">
+                                      <p:cBhvr>
+                                        <p:cTn id="74" dur="500" fill="hold"/>
+                                        <p:tgtEl>
+                                          <p:spTgt spid="26"/>
+                                        </p:tgtEl>
+                                        <p:attrNameLst>
+                                          <p:attrName>ppt_h</p:attrName>
+                                        </p:attrNameLst>
+                                      </p:cBhvr>
+                                      <p:tavLst>
+                                        <p:tav tm="0">
+                                          <p:val>
+                                            <p:fltVal val="0"/>
+                                          </p:val>
+                                        </p:tav>
+                                        <p:tav tm="100000">
+                                          <p:val>
+                                            <p:strVal val="#ppt_h"/>
+                                          </p:val>
+                                        </p:tav>
+                                      </p:tavLst>
+                                    </p:anim>
+                                    <p:animEffect transition="in" filter="fade">
+                                      <p:cBhvr>
+                                        <p:cTn id="75" dur="500"/>
+                                        <p:tgtEl>
+                                          <p:spTgt spid="26"/>
+                                        </p:tgtEl>
+                                      </p:cBhvr>
+                                    </p:animEffect>
+                                  </p:childTnLst>
+                                </p:cTn>
+                              </p:par>
+                              <p:par>
+                                <p:cTn id="76" presetID="55" presetClass="entr" presetSubtype="0" fill="hold" nodeType="withEffect">
+                                  <p:stCondLst>
+                                    <p:cond delay="16000"/>
+                                  </p:stCondLst>
+                                  <p:childTnLst>
+                                    <p:set>
+                                      <p:cBhvr>
+                                        <p:cTn id="77" dur="1" fill="hold">
+                                          <p:stCondLst>
+                                            <p:cond delay="0"/>
+                                          </p:stCondLst>
+                                        </p:cTn>
+                                        <p:tgtEl>
+                                          <p:spTgt spid="43"/>
+                                        </p:tgtEl>
+                                        <p:attrNameLst>
+                                          <p:attrName>style.visibility</p:attrName>
+                                        </p:attrNameLst>
+                                      </p:cBhvr>
+                                      <p:to>
+                                        <p:strVal val="visible"/>
+                                      </p:to>
+                                    </p:set>
+                                    <p:anim calcmode="lin" valueType="num">
+                                      <p:cBhvr>
+                                        <p:cTn id="78" dur="1000" fill="hold"/>
+                                        <p:tgtEl>
+                                          <p:spTgt spid="43"/>
+                                        </p:tgtEl>
+                                        <p:attrNameLst>
+                                          <p:attrName>ppt_w</p:attrName>
+                                        </p:attrNameLst>
+                                      </p:cBhvr>
+                                      <p:tavLst>
+                                        <p:tav tm="0">
+                                          <p:val>
+                                            <p:strVal val="#ppt_w*0.70"/>
+                                          </p:val>
+                                        </p:tav>
+                                        <p:tav tm="100000">
+                                          <p:val>
+                                            <p:strVal val="#ppt_w"/>
+                                          </p:val>
+                                        </p:tav>
+                                      </p:tavLst>
+                                    </p:anim>
+                                    <p:anim calcmode="lin" valueType="num">
+                                      <p:cBhvr>
+                                        <p:cTn id="79" dur="1000" fill="hold"/>
+                                        <p:tgtEl>
+                                          <p:spTgt spid="43"/>
+                                        </p:tgtEl>
+                                        <p:attrNameLst>
+                                          <p:attrName>ppt_h</p:attrName>
+                                        </p:attrNameLst>
+                                      </p:cBhvr>
+                                      <p:tavLst>
+                                        <p:tav tm="0">
+                                          <p:val>
+                                            <p:strVal val="#ppt_h"/>
+                                          </p:val>
+                                        </p:tav>
+                                        <p:tav tm="100000">
+                                          <p:val>
+                                            <p:strVal val="#ppt_h"/>
+                                          </p:val>
+                                        </p:tav>
+                                      </p:tavLst>
+                                    </p:anim>
+                                    <p:animEffect transition="in" filter="fade">
+                                      <p:cBhvr>
+                                        <p:cTn id="80" dur="1000"/>
+                                        <p:tgtEl>
+                                          <p:spTgt spid="43"/>
+                                        </p:tgtEl>
+                                      </p:cBhvr>
+                                    </p:animEffect>
+                                  </p:childTnLst>
+                                </p:cTn>
+                              </p:par>
+                              <p:par>
+                                <p:cTn id="81" presetID="55" presetClass="entr" presetSubtype="0" fill="hold" nodeType="withEffect">
+                                  <p:stCondLst>
+                                    <p:cond delay="16000"/>
+                                  </p:stCondLst>
+                                  <p:childTnLst>
+                                    <p:set>
+                                      <p:cBhvr>
+                                        <p:cTn id="82" dur="1" fill="hold">
+                                          <p:stCondLst>
+                                            <p:cond delay="0"/>
+                                          </p:stCondLst>
+                                        </p:cTn>
+                                        <p:tgtEl>
+                                          <p:spTgt spid="59"/>
+                                        </p:tgtEl>
+                                        <p:attrNameLst>
+                                          <p:attrName>style.visibility</p:attrName>
+                                        </p:attrNameLst>
+                                      </p:cBhvr>
+                                      <p:to>
+                                        <p:strVal val="visible"/>
+                                      </p:to>
+                                    </p:set>
+                                    <p:anim calcmode="lin" valueType="num">
+                                      <p:cBhvr>
+                                        <p:cTn id="83" dur="1000" fill="hold"/>
+                                        <p:tgtEl>
+                                          <p:spTgt spid="59"/>
+                                        </p:tgtEl>
+                                        <p:attrNameLst>
+                                          <p:attrName>ppt_w</p:attrName>
+                                        </p:attrNameLst>
+                                      </p:cBhvr>
+                                      <p:tavLst>
+                                        <p:tav tm="0">
+                                          <p:val>
+                                            <p:strVal val="#ppt_w*0.70"/>
+                                          </p:val>
+                                        </p:tav>
+                                        <p:tav tm="100000">
+                                          <p:val>
+                                            <p:strVal val="#ppt_w"/>
+                                          </p:val>
+                                        </p:tav>
+                                      </p:tavLst>
+                                    </p:anim>
+                                    <p:anim calcmode="lin" valueType="num">
+                                      <p:cBhvr>
+                                        <p:cTn id="84" dur="1000" fill="hold"/>
+                                        <p:tgtEl>
+                                          <p:spTgt spid="59"/>
+                                        </p:tgtEl>
+                                        <p:attrNameLst>
+                                          <p:attrName>ppt_h</p:attrName>
+                                        </p:attrNameLst>
+                                      </p:cBhvr>
+                                      <p:tavLst>
+                                        <p:tav tm="0">
+                                          <p:val>
+                                            <p:strVal val="#ppt_h"/>
+                                          </p:val>
+                                        </p:tav>
+                                        <p:tav tm="100000">
+                                          <p:val>
+                                            <p:strVal val="#ppt_h"/>
+                                          </p:val>
+                                        </p:tav>
+                                      </p:tavLst>
+                                    </p:anim>
+                                    <p:animEffect transition="in" filter="fade">
+                                      <p:cBhvr>
+                                        <p:cTn id="85" dur="1000"/>
+                                        <p:tgtEl>
+                                          <p:spTgt spid="59"/>
+                                        </p:tgtEl>
+                                      </p:cBhvr>
+                                    </p:animEffect>
+                                  </p:childTnLst>
+                                </p:cTn>
+                              </p:par>
+                              <p:par>
+                                <p:cTn id="86" presetID="0" presetClass="path" presetSubtype="0" repeatCount="1000000" accel="50000" decel="50000" fill="hold" nodeType="withEffect">
+                                  <p:stCondLst>
+                                    <p:cond delay="17000"/>
+                                  </p:stCondLst>
+                                  <p:childTnLst>
+                                    <p:animMotion origin="layout" path="M 0.01088 0.00339 C 0.00926 0.00638 0.01851 0.00508 0.01342 0.01029 C 0.00833 0.0155 -0.00533 0.02318 -0.01945 0.03477 C -0.03357 0.04636 -0.05857 0.06849 -0.07153 0.07982 C -0.08449 0.09115 -0.09283 0.09466 -0.09699 0.103 C -0.10093 0.11133 -0.10371 0.12448 -0.09584 0.12969 C -0.08774 0.13477 -0.06713 0.13985 -0.04977 0.13373 C -0.03218 0.12761 -0.01297 0.10951 0.00856 0.09284 C 0.02986 0.07604 0.06759 0.04857 0.0787 0.03347 C 0.09004 0.01836 0.08564 0.00886 0.07638 0.00209 C 0.06713 -0.00481 0.03426 -0.00755 0.02314 -0.00742 C 0.0118 -0.00742 0.0125 0.00052 0.01088 0.00339 Z " pathEditMode="relative" rAng="0" ptsTypes="AAAAAAAAAAAA">
+                                      <p:cBhvr>
+                                        <p:cTn id="87" dur="5000" fill="hold"/>
+                                        <p:tgtEl>
+                                          <p:spTgt spid="80"/>
+                                        </p:tgtEl>
+                                        <p:attrNameLst>
+                                          <p:attrName>ppt_x</p:attrName>
+                                          <p:attrName>ppt_y</p:attrName>
+                                        </p:attrNameLst>
+                                      </p:cBhvr>
+                                      <p:rCtr x="-1875" y="6107"/>
+                                    </p:animMotion>
+                                  </p:childTnLst>
+                                </p:cTn>
+                              </p:par>
+                              <p:par>
+                                <p:cTn id="88" presetID="1" presetClass="entr" presetSubtype="0" fill="hold" nodeType="withEffect">
+                                  <p:stCondLst>
+                                    <p:cond delay="18000"/>
+                                  </p:stCondLst>
+                                  <p:childTnLst>
+                                    <p:set>
+                                      <p:cBhvr>
+                                        <p:cTn id="89" dur="1" fill="hold">
+                                          <p:stCondLst>
+                                            <p:cond delay="0"/>
+                                          </p:stCondLst>
+                                        </p:cTn>
+                                        <p:tgtEl>
+                                          <p:spTgt spid="2"/>
+                                        </p:tgtEl>
+                                        <p:attrNameLst>
+                                          <p:attrName>style.visibility</p:attrName>
+                                        </p:attrNameLst>
+                                      </p:cBhvr>
+                                      <p:to>
+                                        <p:strVal val="visible"/>
+                                      </p:to>
+                                    </p:set>
+                                  </p:childTnLst>
+                                  <p:subTnLst>
+                                    <p:audio>
+                                      <p:cMediaNode>
+                                        <p:cTn display="0" masterRel="sameClick">
+                                          <p:stCondLst>
+                                            <p:cond evt="begin" delay="0">
+                                              <p:tn val="88"/>
+                                            </p:cond>
+                                          </p:stCondLst>
+                                          <p:endCondLst>
+                                            <p:cond evt="onStopAudio" delay="0">
+                                              <p:tgtEl>
+                                                <p:sldTgt/>
+                                              </p:tgtEl>
+                                            </p:cond>
+                                          </p:endCondLst>
+                                        </p:cTn>
+                                        <p:tgtEl>
+                                          <p:sndTgt r:embed="rId3" name="Doorbell.wav"/>
+                                        </p:tgtEl>
+                                      </p:cMediaNode>
+                                    </p:audio>
+                                  </p:subTnLst>
+                                </p:cTn>
+                              </p:par>
+                              <p:par>
+                                <p:cTn id="90" presetID="42" presetClass="path" presetSubtype="0" repeatCount="1000000" accel="50000" decel="50000" fill="hold" nodeType="withEffect">
+                                  <p:stCondLst>
+                                    <p:cond delay="19000"/>
+                                  </p:stCondLst>
+                                  <p:childTnLst>
+                                    <p:animMotion origin="layout" path="M -4.81481E-6 -6.25E-7 L 0.00325 0.10899 " pathEditMode="relative" rAng="0" ptsTypes="AA">
+                                      <p:cBhvr>
+                                        <p:cTn id="91" dur="1000" fill="hold"/>
+                                        <p:tgtEl>
+                                          <p:spTgt spid="2"/>
+                                        </p:tgtEl>
+                                        <p:attrNameLst>
+                                          <p:attrName>ppt_x</p:attrName>
+                                          <p:attrName>ppt_y</p:attrName>
+                                        </p:attrNameLst>
+                                      </p:cBhvr>
+                                      <p:rCtr x="162" y="5443"/>
+                                    </p:animMotion>
+                                  </p:childTnLst>
+                                </p:cTn>
+                              </p:par>
+                            </p:childTnLst>
+                          </p:cTn>
+                        </p:par>
+                      </p:childTnLst>
+                    </p:cTn>
+                  </p:par>
+                </p:childTnLst>
+              </p:cTn>
+              <p:prevCondLst>
+                <p:cond evt="onPrev" delay="0">
+                  <p:tgtEl>
+                    <p:sldTgt/>
+                  </p:tgtEl>
+                </p:cond>
+              </p:prevCondLst>
+              <p:nextCondLst>
+                <p:cond evt="onNext" delay="0">
+                  <p:tgtEl>
+                    <p:sldTgt/>
+                  </p:tgtEl>
+                </p:cond>
+              </p:nextCondLst>
+            </p:seq>
+          </p:childTnLst>
+        </p:cTn>
+      </p:par>
+    </p:tnLst>
+    <p:bldLst>
+      <p:bldP spid="55" grpId="0"/>
+      <p:bldP spid="56" grpId="0"/>
+      <p:bldP spid="84" grpId="0"/>
+    </p:bldLst>
   </p:timing>
 </p:sld>
 </file>

--- a/global_app_V2/www/CaPO4_intro.pptx
+++ b/global_app_V2/www/CaPO4_intro.pptx
@@ -8202,13 +8202,13 @@
               </a:ext>
             </a:extLst>
           </a:blip>
-          <a:srcRect l="11560" t="49497" r="11692" b="9571"/>
+          <a:srcRect l="11560" t="6832" r="11692" b="9570"/>
           <a:stretch/>
         </p:blipFill>
         <p:spPr>
           <a:xfrm>
-            <a:off x="0" y="4274378"/>
-            <a:ext cx="6858000" cy="7917621"/>
+            <a:off x="0" y="0"/>
+            <a:ext cx="6858000" cy="12192000"/>
           </a:xfrm>
           <a:prstGeom prst="rect">
             <a:avLst/>
@@ -8545,35 +8545,6 @@
           <a:xfrm>
             <a:off x="8532219" y="7662747"/>
             <a:ext cx="626465" cy="530086"/>
-          </a:xfrm>
-          <a:prstGeom prst="rect">
-            <a:avLst/>
-          </a:prstGeom>
-        </p:spPr>
-      </p:pic>
-      <p:pic>
-        <p:nvPicPr>
-          <p:cNvPr id="38" name="Image 37"/>
-          <p:cNvPicPr>
-            <a:picLocks noChangeAspect="1"/>
-          </p:cNvPicPr>
-          <p:nvPr/>
-        </p:nvPicPr>
-        <p:blipFill rotWithShape="1">
-          <a:blip r:embed="rId8">
-            <a:extLst>
-              <a:ext uri="{28A0092B-C50C-407E-A947-70E740481C1C}">
-                <a14:useLocalDpi xmlns:a14="http://schemas.microsoft.com/office/drawing/2010/main" val="0"/>
-              </a:ext>
-            </a:extLst>
-          </a:blip>
-          <a:srcRect b="64875"/>
-          <a:stretch/>
-        </p:blipFill>
-        <p:spPr>
-          <a:xfrm>
-            <a:off x="674102" y="104693"/>
-            <a:ext cx="5532571" cy="3506928"/>
           </a:xfrm>
           <a:prstGeom prst="rect">
             <a:avLst/>
@@ -10211,7 +10182,7 @@
                             </p:stCondLst>
                             <p:childTnLst>
                               <p:par>
-                                <p:cTn id="94" presetID="42" presetClass="path" presetSubtype="0" repeatCount="5000" accel="50000" decel="50000" fill="hold" nodeType="clickEffect">
+                                <p:cTn id="94" presetID="42" presetClass="path" presetSubtype="0" repeatCount="2000" accel="50000" decel="50000" fill="hold" nodeType="clickEffect">
                                   <p:stCondLst>
                                     <p:cond delay="0"/>
                                   </p:stCondLst>
@@ -10601,7 +10572,7 @@
                                 </p:cTn>
                               </p:par>
                               <p:par>
-                                <p:cTn id="128" presetID="9" presetClass="exit" presetSubtype="0" fill="hold" nodeType="withEffect">
+                                <p:cTn id="128" presetID="9" presetClass="exit" presetSubtype="0" fill="hold" grpId="1" nodeType="withEffect">
                                   <p:stCondLst>
                                     <p:cond delay="0"/>
                                   </p:stCondLst>
@@ -10610,7 +10581,7 @@
                                       <p:cBhvr>
                                         <p:cTn id="129" dur="500"/>
                                         <p:tgtEl>
-                                          <p:spTgt spid="38"/>
+                                          <p:spTgt spid="53"/>
                                         </p:tgtEl>
                                       </p:cBhvr>
                                     </p:animEffect>
@@ -10622,7 +10593,7 @@
                                           </p:stCondLst>
                                         </p:cTn>
                                         <p:tgtEl>
-                                          <p:spTgt spid="38"/>
+                                          <p:spTgt spid="53"/>
                                         </p:tgtEl>
                                         <p:attrNameLst>
                                           <p:attrName>style.visibility</p:attrName>
@@ -10636,7 +10607,7 @@
                                 </p:cTn>
                               </p:par>
                               <p:par>
-                                <p:cTn id="131" presetID="9" presetClass="exit" presetSubtype="0" fill="hold" grpId="1" nodeType="withEffect">
+                                <p:cTn id="131" presetID="9" presetClass="exit" presetSubtype="0" fill="hold" grpId="0" nodeType="withEffect">
                                   <p:stCondLst>
                                     <p:cond delay="0"/>
                                   </p:stCondLst>
@@ -10645,7 +10616,7 @@
                                       <p:cBhvr>
                                         <p:cTn id="132" dur="500"/>
                                         <p:tgtEl>
-                                          <p:spTgt spid="53"/>
+                                          <p:spTgt spid="51"/>
                                         </p:tgtEl>
                                       </p:cBhvr>
                                     </p:animEffect>
@@ -10657,7 +10628,7 @@
                                           </p:stCondLst>
                                         </p:cTn>
                                         <p:tgtEl>
-                                          <p:spTgt spid="53"/>
+                                          <p:spTgt spid="51"/>
                                         </p:tgtEl>
                                         <p:attrNameLst>
                                           <p:attrName>style.visibility</p:attrName>
@@ -10671,7 +10642,7 @@
                                 </p:cTn>
                               </p:par>
                               <p:par>
-                                <p:cTn id="134" presetID="9" presetClass="exit" presetSubtype="0" fill="hold" grpId="0" nodeType="withEffect">
+                                <p:cTn id="134" presetID="9" presetClass="exit" presetSubtype="0" fill="hold" grpId="2" nodeType="withEffect">
                                   <p:stCondLst>
                                     <p:cond delay="0"/>
                                   </p:stCondLst>
@@ -10706,7 +10677,7 @@
                                 </p:cTn>
                               </p:par>
                               <p:par>
-                                <p:cTn id="137" presetID="9" presetClass="exit" presetSubtype="0" fill="hold" grpId="2" nodeType="withEffect">
+                                <p:cTn id="137" presetID="9" presetClass="exit" presetSubtype="0" fill="hold" nodeType="withEffect">
                                   <p:stCondLst>
                                     <p:cond delay="0"/>
                                   </p:stCondLst>
@@ -10715,48 +10686,13 @@
                                       <p:cBhvr>
                                         <p:cTn id="138" dur="500"/>
                                         <p:tgtEl>
-                                          <p:spTgt spid="51"/>
+                                          <p:spTgt spid="2"/>
                                         </p:tgtEl>
                                       </p:cBhvr>
                                     </p:animEffect>
                                     <p:set>
                                       <p:cBhvr>
                                         <p:cTn id="139" dur="1" fill="hold">
-                                          <p:stCondLst>
-                                            <p:cond delay="499"/>
-                                          </p:stCondLst>
-                                        </p:cTn>
-                                        <p:tgtEl>
-                                          <p:spTgt spid="51"/>
-                                        </p:tgtEl>
-                                        <p:attrNameLst>
-                                          <p:attrName>style.visibility</p:attrName>
-                                        </p:attrNameLst>
-                                      </p:cBhvr>
-                                      <p:to>
-                                        <p:strVal val="hidden"/>
-                                      </p:to>
-                                    </p:set>
-                                  </p:childTnLst>
-                                </p:cTn>
-                              </p:par>
-                              <p:par>
-                                <p:cTn id="140" presetID="9" presetClass="exit" presetSubtype="0" fill="hold" nodeType="withEffect">
-                                  <p:stCondLst>
-                                    <p:cond delay="0"/>
-                                  </p:stCondLst>
-                                  <p:childTnLst>
-                                    <p:animEffect transition="out" filter="dissolve">
-                                      <p:cBhvr>
-                                        <p:cTn id="141" dur="500"/>
-                                        <p:tgtEl>
-                                          <p:spTgt spid="2"/>
-                                        </p:tgtEl>
-                                      </p:cBhvr>
-                                    </p:animEffect>
-                                    <p:set>
-                                      <p:cBhvr>
-                                        <p:cTn id="142" dur="1" fill="hold">
                                           <p:stCondLst>
                                             <p:cond delay="499"/>
                                           </p:stCondLst>
